--- a/docs/Teaching/PPTX/FCC Chem 3A Expt 10a Types of Reactions.pptx
+++ b/docs/Teaching/PPTX/FCC Chem 3A Expt 10a Types of Reactions.pptx
@@ -5,20 +5,26 @@
     <p:sldMasterId id="2147483803" r:id="rId1"/>
   </p:sldMasterIdLst>
   <p:notesMasterIdLst>
-    <p:notesMasterId r:id="rId13"/>
+    <p:notesMasterId r:id="rId19"/>
   </p:notesMasterIdLst>
   <p:sldIdLst>
     <p:sldId id="608" r:id="rId2"/>
     <p:sldId id="609" r:id="rId3"/>
     <p:sldId id="616" r:id="rId4"/>
     <p:sldId id="624" r:id="rId5"/>
-    <p:sldId id="613" r:id="rId6"/>
-    <p:sldId id="610" r:id="rId7"/>
-    <p:sldId id="617" r:id="rId8"/>
-    <p:sldId id="622" r:id="rId9"/>
-    <p:sldId id="621" r:id="rId10"/>
-    <p:sldId id="623" r:id="rId11"/>
-    <p:sldId id="612" r:id="rId12"/>
+    <p:sldId id="625" r:id="rId6"/>
+    <p:sldId id="626" r:id="rId7"/>
+    <p:sldId id="633" r:id="rId8"/>
+    <p:sldId id="613" r:id="rId9"/>
+    <p:sldId id="627" r:id="rId10"/>
+    <p:sldId id="610" r:id="rId11"/>
+    <p:sldId id="628" r:id="rId12"/>
+    <p:sldId id="629" r:id="rId13"/>
+    <p:sldId id="630" r:id="rId14"/>
+    <p:sldId id="631" r:id="rId15"/>
+    <p:sldId id="632" r:id="rId16"/>
+    <p:sldId id="621" r:id="rId17"/>
+    <p:sldId id="612" r:id="rId18"/>
   </p:sldIdLst>
   <p:sldSz cx="9144000" cy="6858000" type="screen4x3"/>
   <p:notesSz cx="7315200" cy="9601200"/>
@@ -10301,7 +10307,7 @@
         <p:cNvPr id="1" name="">
           <a:extLst>
             <a:ext uri="{FF2B5EF4-FFF2-40B4-BE49-F238E27FC236}">
-              <a16:creationId xmlns:a16="http://schemas.microsoft.com/office/drawing/2014/main" id="{F9605A24-FE88-1B37-6F21-A6AE688FD93A}"/>
+              <a16:creationId xmlns:a16="http://schemas.microsoft.com/office/drawing/2014/main" id="{6E1BA83F-7B22-8A01-2FE3-CCC1C22CD109}"/>
             </a:ext>
           </a:extLst>
         </p:cNvPr>
@@ -10321,7 +10327,7 @@
           <p:cNvPr id="2" name="Title 1">
             <a:extLst>
               <a:ext uri="{FF2B5EF4-FFF2-40B4-BE49-F238E27FC236}">
-                <a16:creationId xmlns:a16="http://schemas.microsoft.com/office/drawing/2014/main" id="{1473B395-B63F-4CB7-0692-A64546C69508}"/>
+                <a16:creationId xmlns:a16="http://schemas.microsoft.com/office/drawing/2014/main" id="{86EBB132-4F9B-3FA6-3604-1ACDFE9F42E4}"/>
               </a:ext>
             </a:extLst>
           </p:cNvPr>
@@ -10344,539 +10350,111 @@
           <a:p>
             <a:r>
               <a:rPr lang="en-US" sz="4400" dirty="0"/>
-              <a:t>Example Data Analysis</a:t>
+              <a:t>Procedure</a:t>
             </a:r>
           </a:p>
         </p:txBody>
       </p:sp>
-      <mc:AlternateContent xmlns:mc="http://schemas.openxmlformats.org/markup-compatibility/2006" xmlns:a14="http://schemas.microsoft.com/office/drawing/2010/main">
-        <mc:Choice Requires="a14">
-          <p:sp>
-            <p:nvSpPr>
-              <p:cNvPr id="6" name="Content Placeholder 5">
-                <a:extLst>
-                  <a:ext uri="{FF2B5EF4-FFF2-40B4-BE49-F238E27FC236}">
-                    <a16:creationId xmlns:a16="http://schemas.microsoft.com/office/drawing/2014/main" id="{A7219B4E-9803-A35C-5535-085CE995377D}"/>
-                  </a:ext>
-                </a:extLst>
-              </p:cNvPr>
-              <p:cNvSpPr>
-                <a:spLocks noGrp="1"/>
-              </p:cNvSpPr>
-              <p:nvPr>
-                <p:ph idx="1"/>
-              </p:nvPr>
-            </p:nvSpPr>
-            <p:spPr>
-              <a:xfrm>
-                <a:off x="372533" y="952466"/>
-                <a:ext cx="8387645" cy="5595089"/>
-              </a:xfrm>
-            </p:spPr>
-            <p:txBody>
-              <a:bodyPr/>
-              <a:lstStyle/>
-              <a:p>
-                <a:pPr marL="0" indent="0">
-                  <a:buNone/>
-                </a:pPr>
-                <a:r>
-                  <a:rPr lang="en-US" dirty="0"/>
-                  <a:t>What does the mass ratio show?</a:t>
-                </a:r>
-              </a:p>
-              <a:p>
-                <a:pPr marL="0" indent="0">
-                  <a:buNone/>
-                </a:pPr>
-                <a:r>
-                  <a:rPr lang="en-US" dirty="0"/>
-                  <a:t>For every 1 g of S, there are about 4.4 g Cu</a:t>
-                </a:r>
-              </a:p>
-              <a:p>
-                <a:pPr marL="0" indent="0">
-                  <a:buNone/>
-                </a:pPr>
-                <a:endParaRPr lang="en-US" sz="1200" dirty="0"/>
-              </a:p>
-              <a:p>
-                <a:pPr marL="0" indent="0">
-                  <a:buNone/>
-                </a:pPr>
-                <a:r>
-                  <a:rPr lang="en-US" dirty="0"/>
-                  <a:t>Look at the molar masses of S and Cu.</a:t>
-                </a:r>
-              </a:p>
-              <a:p>
-                <a:pPr marL="0" indent="0">
-                  <a:buNone/>
-                </a:pPr>
-                <a:endParaRPr lang="en-US" sz="1200" dirty="0"/>
-              </a:p>
-              <a:p>
-                <a:pPr marL="0" indent="0">
-                  <a:buNone/>
-                </a:pPr>
-                <a:r>
-                  <a:rPr lang="en-US" dirty="0"/>
-                  <a:t>If there are 32.065 g/mol S and 63.546 g/mol Cu, and there are 2 mol Cu and 1 mol S in Cu</a:t>
-                </a:r>
-                <a:r>
-                  <a:rPr lang="en-US" baseline="-25000" dirty="0"/>
-                  <a:t>2</a:t>
-                </a:r>
-                <a:r>
-                  <a:rPr lang="en-US" dirty="0"/>
-                  <a:t>S, then what is the theoretical mass ratio of S to Cu in Cu</a:t>
-                </a:r>
-                <a:r>
-                  <a:rPr lang="en-US" baseline="-25000" dirty="0"/>
-                  <a:t>2</a:t>
-                </a:r>
-                <a:r>
-                  <a:rPr lang="en-US" dirty="0"/>
-                  <a:t>S?</a:t>
-                </a:r>
-              </a:p>
-              <a:p>
-                <a:pPr marL="0" indent="0">
-                  <a:buNone/>
-                </a:pPr>
-                <a:endParaRPr lang="en-US" dirty="0"/>
-              </a:p>
-              <a:p>
-                <a:pPr marL="0" indent="0">
-                  <a:buNone/>
-                </a:pPr>
-                <a14:m>
-                  <m:oMathPara xmlns:m="http://schemas.openxmlformats.org/officeDocument/2006/math">
-                    <m:oMathParaPr>
-                      <m:jc m:val="centerGroup"/>
-                    </m:oMathParaPr>
-                    <m:oMath xmlns:m="http://schemas.openxmlformats.org/officeDocument/2006/math">
-                      <m:f>
-                        <m:fPr>
-                          <m:ctrlPr>
-                            <a:rPr lang="en-US" i="1" smtClean="0">
-                              <a:latin typeface="Cambria Math" panose="02040503050406030204" pitchFamily="18" charset="0"/>
-                            </a:rPr>
-                          </m:ctrlPr>
-                        </m:fPr>
-                        <m:num>
-                          <m:f>
-                            <m:fPr>
-                              <m:ctrlPr>
-                                <a:rPr lang="en-US" i="1" smtClean="0">
-                                  <a:latin typeface="Cambria Math" panose="02040503050406030204" pitchFamily="18" charset="0"/>
-                                </a:rPr>
-                              </m:ctrlPr>
-                            </m:fPr>
-                            <m:num>
-                              <m:r>
-                                <m:rPr>
-                                  <m:nor/>
-                                </m:rPr>
-                                <a:rPr lang="en-US" b="0" i="0" smtClean="0">
-                                  <a:latin typeface="Cambria Math" panose="02040503050406030204" pitchFamily="18" charset="0"/>
-                                </a:rPr>
-                                <m:t>63.546 </m:t>
-                              </m:r>
-                              <m:r>
-                                <m:rPr>
-                                  <m:nor/>
-                                </m:rPr>
-                                <a:rPr lang="en-US" b="0" i="0" smtClean="0">
-                                  <a:latin typeface="Cambria Math" panose="02040503050406030204" pitchFamily="18" charset="0"/>
-                                </a:rPr>
-                                <m:t>g</m:t>
-                              </m:r>
-                              <m:r>
-                                <m:rPr>
-                                  <m:nor/>
-                                </m:rPr>
-                                <a:rPr lang="en-US" b="0" i="0" smtClean="0">
-                                  <a:latin typeface="Cambria Math" panose="02040503050406030204" pitchFamily="18" charset="0"/>
-                                </a:rPr>
-                                <m:t> </m:t>
-                              </m:r>
-                              <m:r>
-                                <m:rPr>
-                                  <m:nor/>
-                                </m:rPr>
-                                <a:rPr lang="en-US" b="0" i="0" smtClean="0">
-                                  <a:latin typeface="Cambria Math" panose="02040503050406030204" pitchFamily="18" charset="0"/>
-                                </a:rPr>
-                                <m:t>Cu</m:t>
-                              </m:r>
-                            </m:num>
-                            <m:den>
-                              <m:r>
-                                <m:rPr>
-                                  <m:nor/>
-                                </m:rPr>
-                                <a:rPr lang="en-US" b="0" i="0" smtClean="0">
-                                  <a:latin typeface="Cambria Math" panose="02040503050406030204" pitchFamily="18" charset="0"/>
-                                </a:rPr>
-                                <m:t>mol</m:t>
-                              </m:r>
-                              <m:r>
-                                <m:rPr>
-                                  <m:nor/>
-                                </m:rPr>
-                                <a:rPr lang="en-US" b="0" i="0" smtClean="0">
-                                  <a:latin typeface="Cambria Math" panose="02040503050406030204" pitchFamily="18" charset="0"/>
-                                </a:rPr>
-                                <m:t> </m:t>
-                              </m:r>
-                              <m:r>
-                                <m:rPr>
-                                  <m:nor/>
-                                </m:rPr>
-                                <a:rPr lang="en-US" b="0" i="0" smtClean="0">
-                                  <a:latin typeface="Cambria Math" panose="02040503050406030204" pitchFamily="18" charset="0"/>
-                                </a:rPr>
-                                <m:t>Cu</m:t>
-                              </m:r>
-                            </m:den>
-                          </m:f>
-                          <m:r>
-                            <m:rPr>
-                              <m:nor/>
-                            </m:rPr>
-                            <a:rPr lang="en-US" i="0" smtClean="0">
-                              <a:latin typeface="Cambria Math" panose="02040503050406030204" pitchFamily="18" charset="0"/>
-                              <a:ea typeface="Cambria Math" panose="02040503050406030204" pitchFamily="18" charset="0"/>
-                            </a:rPr>
-                            <m:t>×</m:t>
-                          </m:r>
-                          <m:r>
-                            <m:rPr>
-                              <m:nor/>
-                            </m:rPr>
-                            <a:rPr lang="en-US" b="0" i="0" smtClean="0">
-                              <a:latin typeface="Cambria Math" panose="02040503050406030204" pitchFamily="18" charset="0"/>
-                              <a:ea typeface="Cambria Math" panose="02040503050406030204" pitchFamily="18" charset="0"/>
-                            </a:rPr>
-                            <m:t>2 </m:t>
-                          </m:r>
-                          <m:r>
-                            <m:rPr>
-                              <m:nor/>
-                            </m:rPr>
-                            <a:rPr lang="en-US" b="0" i="0" smtClean="0">
-                              <a:latin typeface="Cambria Math" panose="02040503050406030204" pitchFamily="18" charset="0"/>
-                              <a:ea typeface="Cambria Math" panose="02040503050406030204" pitchFamily="18" charset="0"/>
-                            </a:rPr>
-                            <m:t>mol</m:t>
-                          </m:r>
-                          <m:r>
-                            <m:rPr>
-                              <m:nor/>
-                            </m:rPr>
-                            <a:rPr lang="en-US" b="0" i="0" smtClean="0">
-                              <a:latin typeface="Cambria Math" panose="02040503050406030204" pitchFamily="18" charset="0"/>
-                              <a:ea typeface="Cambria Math" panose="02040503050406030204" pitchFamily="18" charset="0"/>
-                            </a:rPr>
-                            <m:t> </m:t>
-                          </m:r>
-                          <m:r>
-                            <m:rPr>
-                              <m:nor/>
-                            </m:rPr>
-                            <a:rPr lang="en-US" b="0" i="0" smtClean="0">
-                              <a:latin typeface="Cambria Math" panose="02040503050406030204" pitchFamily="18" charset="0"/>
-                              <a:ea typeface="Cambria Math" panose="02040503050406030204" pitchFamily="18" charset="0"/>
-                            </a:rPr>
-                            <m:t>Cu</m:t>
-                          </m:r>
-                        </m:num>
-                        <m:den>
-                          <m:f>
-                            <m:fPr>
-                              <m:ctrlPr>
-                                <a:rPr lang="en-US" i="1" smtClean="0">
-                                  <a:latin typeface="Cambria Math" panose="02040503050406030204" pitchFamily="18" charset="0"/>
-                                </a:rPr>
-                              </m:ctrlPr>
-                            </m:fPr>
-                            <m:num>
-                              <m:r>
-                                <m:rPr>
-                                  <m:nor/>
-                                </m:rPr>
-                                <a:rPr lang="en-US" i="0">
-                                  <a:latin typeface="Cambria Math" panose="02040503050406030204" pitchFamily="18" charset="0"/>
-                                </a:rPr>
-                                <m:t>32.065 </m:t>
-                              </m:r>
-                              <m:r>
-                                <m:rPr>
-                                  <m:nor/>
-                                </m:rPr>
-                                <a:rPr lang="en-US" i="0">
-                                  <a:latin typeface="Cambria Math" panose="02040503050406030204" pitchFamily="18" charset="0"/>
-                                </a:rPr>
-                                <m:t>g</m:t>
-                              </m:r>
-                              <m:r>
-                                <m:rPr>
-                                  <m:nor/>
-                                </m:rPr>
-                                <a:rPr lang="en-US" i="0">
-                                  <a:latin typeface="Cambria Math" panose="02040503050406030204" pitchFamily="18" charset="0"/>
-                                </a:rPr>
-                                <m:t> </m:t>
-                              </m:r>
-                              <m:r>
-                                <m:rPr>
-                                  <m:nor/>
-                                </m:rPr>
-                                <a:rPr lang="en-US" i="0">
-                                  <a:latin typeface="Cambria Math" panose="02040503050406030204" pitchFamily="18" charset="0"/>
-                                </a:rPr>
-                                <m:t>S</m:t>
-                              </m:r>
-                            </m:num>
-                            <m:den>
-                              <m:r>
-                                <m:rPr>
-                                  <m:nor/>
-                                </m:rPr>
-                                <a:rPr lang="en-US" b="0" i="0" smtClean="0">
-                                  <a:latin typeface="Cambria Math" panose="02040503050406030204" pitchFamily="18" charset="0"/>
-                                </a:rPr>
-                                <m:t>mol</m:t>
-                              </m:r>
-                              <m:r>
-                                <m:rPr>
-                                  <m:nor/>
-                                </m:rPr>
-                                <a:rPr lang="en-US" b="0" i="0" smtClean="0">
-                                  <a:latin typeface="Cambria Math" panose="02040503050406030204" pitchFamily="18" charset="0"/>
-                                </a:rPr>
-                                <m:t> </m:t>
-                              </m:r>
-                              <m:r>
-                                <m:rPr>
-                                  <m:nor/>
-                                </m:rPr>
-                                <a:rPr lang="en-US" b="0" i="0" smtClean="0">
-                                  <a:latin typeface="Cambria Math" panose="02040503050406030204" pitchFamily="18" charset="0"/>
-                                </a:rPr>
-                                <m:t>S</m:t>
-                              </m:r>
-                            </m:den>
-                          </m:f>
-                          <m:r>
-                            <m:rPr>
-                              <m:nor/>
-                            </m:rPr>
-                            <a:rPr lang="en-US" i="0" smtClean="0">
-                              <a:latin typeface="Cambria Math" panose="02040503050406030204" pitchFamily="18" charset="0"/>
-                              <a:ea typeface="Cambria Math" panose="02040503050406030204" pitchFamily="18" charset="0"/>
-                            </a:rPr>
-                            <m:t>×</m:t>
-                          </m:r>
-                          <m:r>
-                            <m:rPr>
-                              <m:nor/>
-                            </m:rPr>
-                            <a:rPr lang="en-US" b="0" i="0" smtClean="0">
-                              <a:latin typeface="Cambria Math" panose="02040503050406030204" pitchFamily="18" charset="0"/>
-                              <a:ea typeface="Cambria Math" panose="02040503050406030204" pitchFamily="18" charset="0"/>
-                            </a:rPr>
-                            <m:t>1 </m:t>
-                          </m:r>
-                          <m:r>
-                            <m:rPr>
-                              <m:nor/>
-                            </m:rPr>
-                            <a:rPr lang="en-US" b="0" i="0" smtClean="0">
-                              <a:latin typeface="Cambria Math" panose="02040503050406030204" pitchFamily="18" charset="0"/>
-                              <a:ea typeface="Cambria Math" panose="02040503050406030204" pitchFamily="18" charset="0"/>
-                            </a:rPr>
-                            <m:t>mol</m:t>
-                          </m:r>
-                          <m:r>
-                            <m:rPr>
-                              <m:nor/>
-                            </m:rPr>
-                            <a:rPr lang="en-US" b="0" i="0" smtClean="0">
-                              <a:latin typeface="Cambria Math" panose="02040503050406030204" pitchFamily="18" charset="0"/>
-                              <a:ea typeface="Cambria Math" panose="02040503050406030204" pitchFamily="18" charset="0"/>
-                            </a:rPr>
-                            <m:t> </m:t>
-                          </m:r>
-                          <m:r>
-                            <m:rPr>
-                              <m:nor/>
-                            </m:rPr>
-                            <a:rPr lang="en-US" b="0" i="0" smtClean="0">
-                              <a:latin typeface="Cambria Math" panose="02040503050406030204" pitchFamily="18" charset="0"/>
-                              <a:ea typeface="Cambria Math" panose="02040503050406030204" pitchFamily="18" charset="0"/>
-                            </a:rPr>
-                            <m:t>S</m:t>
-                          </m:r>
-                        </m:den>
-                      </m:f>
-                      <m:r>
-                        <a:rPr lang="en-US" b="0" i="1" smtClean="0">
-                          <a:latin typeface="Cambria Math" panose="02040503050406030204" pitchFamily="18" charset="0"/>
-                        </a:rPr>
-                        <m:t>=</m:t>
-                      </m:r>
-                      <m:f>
-                        <m:fPr>
-                          <m:ctrlPr>
-                            <a:rPr lang="en-US" b="0" i="1" smtClean="0">
-                              <a:latin typeface="Cambria Math" panose="02040503050406030204" pitchFamily="18" charset="0"/>
-                            </a:rPr>
-                          </m:ctrlPr>
-                        </m:fPr>
-                        <m:num>
-                          <m:r>
-                            <m:rPr>
-                              <m:nor/>
-                            </m:rPr>
-                            <a:rPr lang="en-US" i="0">
-                              <a:latin typeface="Cambria Math" panose="02040503050406030204" pitchFamily="18" charset="0"/>
-                            </a:rPr>
-                            <m:t>3.9636 </m:t>
-                          </m:r>
-                          <m:r>
-                            <m:rPr>
-                              <m:nor/>
-                            </m:rPr>
-                            <a:rPr lang="en-US" i="0">
-                              <a:latin typeface="Cambria Math" panose="02040503050406030204" pitchFamily="18" charset="0"/>
-                            </a:rPr>
-                            <m:t>g</m:t>
-                          </m:r>
-                          <m:r>
-                            <m:rPr>
-                              <m:nor/>
-                            </m:rPr>
-                            <a:rPr lang="en-US" i="0">
-                              <a:latin typeface="Cambria Math" panose="02040503050406030204" pitchFamily="18" charset="0"/>
-                            </a:rPr>
-                            <m:t> </m:t>
-                          </m:r>
-                          <m:r>
-                            <m:rPr>
-                              <m:nor/>
-                            </m:rPr>
-                            <a:rPr lang="en-US" i="0">
-                              <a:latin typeface="Cambria Math" panose="02040503050406030204" pitchFamily="18" charset="0"/>
-                            </a:rPr>
-                            <m:t>Cu</m:t>
-                          </m:r>
-                        </m:num>
-                        <m:den>
-                          <m:r>
-                            <m:rPr>
-                              <m:nor/>
-                            </m:rPr>
-                            <a:rPr lang="en-US" b="0" i="0" smtClean="0">
-                              <a:latin typeface="Cambria Math" panose="02040503050406030204" pitchFamily="18" charset="0"/>
-                            </a:rPr>
-                            <m:t>1 </m:t>
-                          </m:r>
-                          <m:r>
-                            <m:rPr>
-                              <m:nor/>
-                            </m:rPr>
-                            <a:rPr lang="en-US" b="0" i="0" smtClean="0">
-                              <a:latin typeface="Cambria Math" panose="02040503050406030204" pitchFamily="18" charset="0"/>
-                            </a:rPr>
-                            <m:t>g</m:t>
-                          </m:r>
-                          <m:r>
-                            <m:rPr>
-                              <m:nor/>
-                            </m:rPr>
-                            <a:rPr lang="en-US" b="0" i="0" smtClean="0">
-                              <a:latin typeface="Cambria Math" panose="02040503050406030204" pitchFamily="18" charset="0"/>
-                            </a:rPr>
-                            <m:t> </m:t>
-                          </m:r>
-                          <m:r>
-                            <m:rPr>
-                              <m:nor/>
-                            </m:rPr>
-                            <a:rPr lang="en-US" b="0" i="0" smtClean="0">
-                              <a:latin typeface="Cambria Math" panose="02040503050406030204" pitchFamily="18" charset="0"/>
-                            </a:rPr>
-                            <m:t>S</m:t>
-                          </m:r>
-                        </m:den>
-                      </m:f>
-                    </m:oMath>
-                  </m:oMathPara>
-                </a14:m>
-                <a:endParaRPr lang="en-US" dirty="0"/>
-              </a:p>
-              <a:p>
-                <a:pPr marL="0" indent="0">
-                  <a:buNone/>
-                </a:pPr>
-                <a:r>
-                  <a:rPr lang="en-US" dirty="0"/>
-                  <a:t>4.4 g Cu/g S seems close to 4.0 g Cu/g S. How close can you get?</a:t>
-                </a:r>
-              </a:p>
-            </p:txBody>
-          </p:sp>
-        </mc:Choice>
-        <mc:Fallback xmlns="">
-          <p:sp>
-            <p:nvSpPr>
-              <p:cNvPr id="6" name="Content Placeholder 5">
-                <a:extLst>
-                  <a:ext uri="{FF2B5EF4-FFF2-40B4-BE49-F238E27FC236}">
-                    <a16:creationId xmlns:a16="http://schemas.microsoft.com/office/drawing/2014/main" id="{A7219B4E-9803-A35C-5535-085CE995377D}"/>
-                  </a:ext>
-                </a:extLst>
-              </p:cNvPr>
-              <p:cNvSpPr>
-                <a:spLocks noGrp="1" noRot="1" noChangeAspect="1" noMove="1" noResize="1" noEditPoints="1" noAdjustHandles="1" noChangeArrowheads="1" noChangeShapeType="1" noTextEdit="1"/>
-              </p:cNvSpPr>
-              <p:nvPr>
-                <p:ph idx="1"/>
-              </p:nvPr>
-            </p:nvSpPr>
-            <p:spPr>
-              <a:xfrm>
-                <a:off x="372533" y="952466"/>
-                <a:ext cx="8387645" cy="5595089"/>
-              </a:xfrm>
-              <a:blipFill>
-                <a:blip r:embed="rId2"/>
-                <a:stretch>
-                  <a:fillRect l="-1090" t="-871" r="-1817"/>
-                </a:stretch>
-              </a:blipFill>
-            </p:spPr>
-            <p:txBody>
-              <a:bodyPr/>
-              <a:lstStyle/>
-              <a:p>
-                <a:r>
-                  <a:rPr lang="en-US">
-                    <a:noFill/>
-                  </a:rPr>
-                  <a:t> </a:t>
-                </a:r>
-              </a:p>
-            </p:txBody>
-          </p:sp>
-        </mc:Fallback>
-      </mc:AlternateContent>
+      <p:sp>
+        <p:nvSpPr>
+          <p:cNvPr id="6" name="Content Placeholder 5">
+            <a:extLst>
+              <a:ext uri="{FF2B5EF4-FFF2-40B4-BE49-F238E27FC236}">
+                <a16:creationId xmlns:a16="http://schemas.microsoft.com/office/drawing/2014/main" id="{AEB68387-E25A-7C7C-241B-25887E4EABC6}"/>
+              </a:ext>
+            </a:extLst>
+          </p:cNvPr>
+          <p:cNvSpPr>
+            <a:spLocks noGrp="1"/>
+          </p:cNvSpPr>
+          <p:nvPr>
+            <p:ph idx="1"/>
+          </p:nvPr>
+        </p:nvSpPr>
+        <p:spPr>
+          <a:xfrm>
+            <a:off x="372533" y="952466"/>
+            <a:ext cx="8387645" cy="5595089"/>
+          </a:xfrm>
+        </p:spPr>
+        <p:txBody>
+          <a:bodyPr/>
+          <a:lstStyle/>
+          <a:p>
+            <a:r>
+              <a:rPr lang="en-US" dirty="0"/>
+              <a:t>All reactions will be done in test tubes. Do not concern yourself with measuring out exact quantities</a:t>
+            </a:r>
+          </a:p>
+          <a:p>
+            <a:r>
+              <a:rPr lang="en-US" dirty="0"/>
+              <a:t>Consider “1 mL reagent” to ~20 </a:t>
+            </a:r>
+            <a:r>
+              <a:rPr lang="en-US" dirty="0" err="1"/>
+              <a:t>gtt</a:t>
+            </a:r>
+            <a:r>
+              <a:rPr lang="en-US" dirty="0"/>
+              <a:t> (drops) from a transfer pipet or a finger width in height in the test tube</a:t>
+            </a:r>
+          </a:p>
+          <a:p>
+            <a:r>
+              <a:rPr lang="en-US" b="1" dirty="0">
+                <a:solidFill>
+                  <a:srgbClr val="FFC000"/>
+                </a:solidFill>
+              </a:rPr>
+              <a:t>1 g </a:t>
+            </a:r>
+            <a:r>
+              <a:rPr lang="en-US" dirty="0">
+                <a:solidFill>
+                  <a:schemeClr val="accent1">
+                    <a:lumMod val="60000"/>
+                    <a:lumOff val="40000"/>
+                  </a:schemeClr>
+                </a:solidFill>
+              </a:rPr>
+              <a:t>reactant</a:t>
+            </a:r>
+            <a:r>
+              <a:rPr lang="en-US" dirty="0"/>
+              <a:t> is about a </a:t>
+            </a:r>
+            <a:r>
+              <a:rPr lang="en-US" dirty="0">
+                <a:solidFill>
+                  <a:srgbClr val="FFFF00"/>
+                </a:solidFill>
+              </a:rPr>
+              <a:t>pea size</a:t>
+            </a:r>
+            <a:r>
+              <a:rPr lang="en-US" dirty="0"/>
+              <a:t>: don’t weigh in balance</a:t>
+            </a:r>
+          </a:p>
+          <a:p>
+            <a:r>
+              <a:rPr lang="en-US" dirty="0"/>
+              <a:t>Complete the stations in any order</a:t>
+            </a:r>
+          </a:p>
+          <a:p>
+            <a:r>
+              <a:rPr lang="en-US" dirty="0"/>
+              <a:t>Waste containers are provided: do not dump in sink unless given instructions</a:t>
+            </a:r>
+          </a:p>
+        </p:txBody>
+      </p:sp>
     </p:spTree>
     <p:extLst>
       <p:ext uri="{BB962C8B-B14F-4D97-AF65-F5344CB8AC3E}">
-        <p14:creationId xmlns:p14="http://schemas.microsoft.com/office/powerpoint/2010/main" val="830215486"/>
+        <p14:creationId xmlns:p14="http://schemas.microsoft.com/office/powerpoint/2010/main" val="3952654810"/>
       </p:ext>
     </p:extLst>
   </p:cSld>
@@ -10887,6 +10465,1980 @@
 </file>
 
 <file path=ppt/slides/slide11.xml><?xml version="1.0" encoding="utf-8"?>
+<p:sld xmlns:a="http://schemas.openxmlformats.org/drawingml/2006/main" xmlns:r="http://schemas.openxmlformats.org/officeDocument/2006/relationships" xmlns:p="http://schemas.openxmlformats.org/presentationml/2006/main">
+  <p:cSld>
+    <p:spTree>
+      <p:nvGrpSpPr>
+        <p:cNvPr id="1" name="">
+          <a:extLst>
+            <a:ext uri="{FF2B5EF4-FFF2-40B4-BE49-F238E27FC236}">
+              <a16:creationId xmlns:a16="http://schemas.microsoft.com/office/drawing/2014/main" id="{1CFE3754-5799-7979-F826-798453E86FB5}"/>
+            </a:ext>
+          </a:extLst>
+        </p:cNvPr>
+        <p:cNvGrpSpPr/>
+        <p:nvPr/>
+      </p:nvGrpSpPr>
+      <p:grpSpPr>
+        <a:xfrm>
+          <a:off x="0" y="0"/>
+          <a:ext cx="0" cy="0"/>
+          <a:chOff x="0" y="0"/>
+          <a:chExt cx="0" cy="0"/>
+        </a:xfrm>
+      </p:grpSpPr>
+      <p:sp>
+        <p:nvSpPr>
+          <p:cNvPr id="2" name="Title 1">
+            <a:extLst>
+              <a:ext uri="{FF2B5EF4-FFF2-40B4-BE49-F238E27FC236}">
+                <a16:creationId xmlns:a16="http://schemas.microsoft.com/office/drawing/2014/main" id="{272BB9E9-77D3-8595-45C5-034EA7D6A155}"/>
+              </a:ext>
+            </a:extLst>
+          </p:cNvPr>
+          <p:cNvSpPr>
+            <a:spLocks noGrp="1"/>
+          </p:cNvSpPr>
+          <p:nvPr>
+            <p:ph type="title"/>
+          </p:nvPr>
+        </p:nvSpPr>
+        <p:spPr>
+          <a:xfrm>
+            <a:off x="338666" y="183025"/>
+            <a:ext cx="8421512" cy="769441"/>
+          </a:xfrm>
+        </p:spPr>
+        <p:txBody>
+          <a:bodyPr/>
+          <a:lstStyle/>
+          <a:p>
+            <a:r>
+              <a:rPr lang="en-US" sz="4400" dirty="0"/>
+              <a:t>Procedure</a:t>
+            </a:r>
+          </a:p>
+        </p:txBody>
+      </p:sp>
+      <p:sp>
+        <p:nvSpPr>
+          <p:cNvPr id="6" name="Content Placeholder 5">
+            <a:extLst>
+              <a:ext uri="{FF2B5EF4-FFF2-40B4-BE49-F238E27FC236}">
+                <a16:creationId xmlns:a16="http://schemas.microsoft.com/office/drawing/2014/main" id="{F54111AD-43E5-AF96-BB03-6C296D57F1E1}"/>
+              </a:ext>
+            </a:extLst>
+          </p:cNvPr>
+          <p:cNvSpPr>
+            <a:spLocks noGrp="1"/>
+          </p:cNvSpPr>
+          <p:nvPr>
+            <p:ph idx="1"/>
+          </p:nvPr>
+        </p:nvSpPr>
+        <p:spPr>
+          <a:xfrm>
+            <a:off x="372533" y="952466"/>
+            <a:ext cx="8387645" cy="5595089"/>
+          </a:xfrm>
+        </p:spPr>
+        <p:txBody>
+          <a:bodyPr/>
+          <a:lstStyle/>
+          <a:p>
+            <a:pPr marL="0" indent="0">
+              <a:buNone/>
+            </a:pPr>
+            <a:r>
+              <a:rPr lang="en-US" b="1" i="1" dirty="0">
+                <a:solidFill>
+                  <a:srgbClr val="FFFF00"/>
+                </a:solidFill>
+              </a:rPr>
+              <a:t>Station 1</a:t>
+            </a:r>
+          </a:p>
+          <a:p>
+            <a:pPr marL="457200" indent="-457200">
+              <a:buFont typeface="+mj-lt"/>
+              <a:buAutoNum type="alphaLcParenR"/>
+            </a:pPr>
+            <a:r>
+              <a:rPr lang="en-US" sz="2000" dirty="0"/>
+              <a:t>Place </a:t>
+            </a:r>
+            <a:r>
+              <a:rPr lang="en-US" sz="2000" b="1" dirty="0">
+                <a:solidFill>
+                  <a:srgbClr val="00FF00"/>
+                </a:solidFill>
+              </a:rPr>
+              <a:t>~3 mL </a:t>
+            </a:r>
+            <a:r>
+              <a:rPr lang="en-US" sz="2000" dirty="0">
+                <a:solidFill>
+                  <a:srgbClr val="FFC000"/>
+                </a:solidFill>
+              </a:rPr>
+              <a:t>6.0 M</a:t>
+            </a:r>
+            <a:r>
+              <a:rPr lang="en-US" sz="2000" dirty="0"/>
+              <a:t> </a:t>
+            </a:r>
+            <a:r>
+              <a:rPr lang="en-US" sz="2000" dirty="0">
+                <a:solidFill>
+                  <a:schemeClr val="accent1">
+                    <a:lumMod val="60000"/>
+                    <a:lumOff val="40000"/>
+                  </a:schemeClr>
+                </a:solidFill>
+              </a:rPr>
+              <a:t>HCl</a:t>
+            </a:r>
+            <a:r>
+              <a:rPr lang="en-US" sz="2000" dirty="0"/>
+              <a:t> in tube</a:t>
+            </a:r>
+          </a:p>
+          <a:p>
+            <a:pPr marL="457200" indent="-457200">
+              <a:buFont typeface="+mj-lt"/>
+              <a:buAutoNum type="alphaLcParenR"/>
+            </a:pPr>
+            <a:r>
+              <a:rPr lang="en-US" sz="2000" dirty="0"/>
+              <a:t>Add a few </a:t>
+            </a:r>
+            <a:r>
+              <a:rPr lang="en-US" sz="2000" dirty="0">
+                <a:solidFill>
+                  <a:schemeClr val="accent1">
+                    <a:lumMod val="60000"/>
+                    <a:lumOff val="40000"/>
+                  </a:schemeClr>
+                </a:solidFill>
+              </a:rPr>
+              <a:t>Zn</a:t>
+            </a:r>
+            <a:r>
+              <a:rPr lang="en-US" sz="2000" dirty="0"/>
+              <a:t> pellets, record observations</a:t>
+            </a:r>
+          </a:p>
+          <a:p>
+            <a:pPr marL="457200" indent="-457200">
+              <a:buFont typeface="+mj-lt"/>
+              <a:buAutoNum type="alphaLcParenR"/>
+            </a:pPr>
+            <a:r>
+              <a:rPr lang="en-US" sz="2000" dirty="0"/>
+              <a:t>Get another empty test tube, invert it over reaction tube. Hold capture tube at angle still upside down, light a match and bring it to mouth of tube. What happens?</a:t>
+            </a:r>
+          </a:p>
+          <a:p>
+            <a:pPr marL="457200" indent="-457200">
+              <a:buFont typeface="+mj-lt"/>
+              <a:buAutoNum type="alphaLcParenR"/>
+            </a:pPr>
+            <a:endParaRPr lang="en-US" dirty="0"/>
+          </a:p>
+          <a:p>
+            <a:pPr marL="0" indent="0">
+              <a:buNone/>
+            </a:pPr>
+            <a:r>
+              <a:rPr lang="en-US" b="1" i="1" dirty="0">
+                <a:solidFill>
+                  <a:srgbClr val="FFFF00"/>
+                </a:solidFill>
+              </a:rPr>
+              <a:t>Station 2</a:t>
+            </a:r>
+          </a:p>
+          <a:p>
+            <a:pPr marL="457200" indent="-457200">
+              <a:buFont typeface="+mj-lt"/>
+              <a:buAutoNum type="alphaLcParenR"/>
+            </a:pPr>
+            <a:r>
+              <a:rPr lang="en-US" sz="2000" dirty="0"/>
+              <a:t>Place </a:t>
+            </a:r>
+            <a:r>
+              <a:rPr lang="en-US" sz="2000" b="1" dirty="0">
+                <a:solidFill>
+                  <a:srgbClr val="00FF00"/>
+                </a:solidFill>
+              </a:rPr>
+              <a:t>1 mL</a:t>
+            </a:r>
+            <a:r>
+              <a:rPr lang="en-US" sz="2000" dirty="0"/>
+              <a:t> </a:t>
+            </a:r>
+            <a:r>
+              <a:rPr lang="en-US" sz="2000" dirty="0">
+                <a:solidFill>
+                  <a:srgbClr val="FFC000"/>
+                </a:solidFill>
+              </a:rPr>
+              <a:t>0.1 M</a:t>
+            </a:r>
+            <a:r>
+              <a:rPr lang="en-US" sz="2000" dirty="0"/>
+              <a:t> </a:t>
+            </a:r>
+            <a:r>
+              <a:rPr lang="en-US" sz="2000" dirty="0">
+                <a:solidFill>
+                  <a:schemeClr val="accent1">
+                    <a:lumMod val="60000"/>
+                    <a:lumOff val="40000"/>
+                  </a:schemeClr>
+                </a:solidFill>
+              </a:rPr>
+              <a:t>BaCl</a:t>
+            </a:r>
+            <a:r>
+              <a:rPr lang="en-US" sz="2000" baseline="-25000" dirty="0">
+                <a:solidFill>
+                  <a:schemeClr val="accent1">
+                    <a:lumMod val="60000"/>
+                    <a:lumOff val="40000"/>
+                  </a:schemeClr>
+                </a:solidFill>
+              </a:rPr>
+              <a:t>2</a:t>
+            </a:r>
+            <a:r>
+              <a:rPr lang="en-US" sz="2000" dirty="0"/>
+              <a:t> in tube</a:t>
+            </a:r>
+          </a:p>
+          <a:p>
+            <a:pPr marL="457200" indent="-457200">
+              <a:buFont typeface="+mj-lt"/>
+              <a:buAutoNum type="alphaLcParenR"/>
+            </a:pPr>
+            <a:r>
+              <a:rPr lang="en-US" sz="2000" dirty="0"/>
+              <a:t>Add </a:t>
+            </a:r>
+            <a:r>
+              <a:rPr lang="en-US" sz="2000" b="1" dirty="0">
+                <a:solidFill>
+                  <a:srgbClr val="00FF00"/>
+                </a:solidFill>
+              </a:rPr>
+              <a:t>1 mL</a:t>
+            </a:r>
+            <a:r>
+              <a:rPr lang="en-US" sz="2000" dirty="0"/>
+              <a:t> </a:t>
+            </a:r>
+            <a:r>
+              <a:rPr lang="en-US" sz="2000" dirty="0">
+                <a:solidFill>
+                  <a:srgbClr val="FFC000"/>
+                </a:solidFill>
+              </a:rPr>
+              <a:t>0.1 M</a:t>
+            </a:r>
+            <a:r>
+              <a:rPr lang="en-US" sz="2000" dirty="0"/>
+              <a:t> </a:t>
+            </a:r>
+            <a:r>
+              <a:rPr lang="en-US" sz="2000" dirty="0">
+                <a:solidFill>
+                  <a:schemeClr val="accent1">
+                    <a:lumMod val="60000"/>
+                    <a:lumOff val="40000"/>
+                  </a:schemeClr>
+                </a:solidFill>
+              </a:rPr>
+              <a:t>Na</a:t>
+            </a:r>
+            <a:r>
+              <a:rPr lang="en-US" sz="2000" baseline="-25000" dirty="0">
+                <a:solidFill>
+                  <a:schemeClr val="accent1">
+                    <a:lumMod val="60000"/>
+                    <a:lumOff val="40000"/>
+                  </a:schemeClr>
+                </a:solidFill>
+              </a:rPr>
+              <a:t>2</a:t>
+            </a:r>
+            <a:r>
+              <a:rPr lang="en-US" sz="2000" dirty="0">
+                <a:solidFill>
+                  <a:schemeClr val="accent1">
+                    <a:lumMod val="60000"/>
+                    <a:lumOff val="40000"/>
+                  </a:schemeClr>
+                </a:solidFill>
+              </a:rPr>
+              <a:t>SO</a:t>
+            </a:r>
+            <a:r>
+              <a:rPr lang="en-US" sz="2000" baseline="-25000" dirty="0">
+                <a:solidFill>
+                  <a:schemeClr val="accent1">
+                    <a:lumMod val="60000"/>
+                    <a:lumOff val="40000"/>
+                  </a:schemeClr>
+                </a:solidFill>
+              </a:rPr>
+              <a:t>4</a:t>
+            </a:r>
+            <a:r>
+              <a:rPr lang="en-US" sz="2000" dirty="0"/>
+              <a:t> to it, and mix/swirl. Record observation</a:t>
+            </a:r>
+          </a:p>
+          <a:p>
+            <a:pPr marL="457200" indent="-457200">
+              <a:buFont typeface="+mj-lt"/>
+              <a:buAutoNum type="alphaLcParenR"/>
+            </a:pPr>
+            <a:r>
+              <a:rPr lang="en-US" sz="2000" dirty="0"/>
+              <a:t>Wait 3-5 minutes and record observation: what is the insoluble product?</a:t>
+            </a:r>
+          </a:p>
+          <a:p>
+            <a:pPr marL="0" indent="0">
+              <a:buNone/>
+            </a:pPr>
+            <a:r>
+              <a:rPr lang="en-US" sz="2000" dirty="0"/>
+              <a:t>While you are waiting at last step, perhaps go to another station and start that experiment</a:t>
+            </a:r>
+          </a:p>
+        </p:txBody>
+      </p:sp>
+    </p:spTree>
+    <p:extLst>
+      <p:ext uri="{BB962C8B-B14F-4D97-AF65-F5344CB8AC3E}">
+        <p14:creationId xmlns:p14="http://schemas.microsoft.com/office/powerpoint/2010/main" val="1368553105"/>
+      </p:ext>
+    </p:extLst>
+  </p:cSld>
+  <p:clrMapOvr>
+    <a:masterClrMapping/>
+  </p:clrMapOvr>
+</p:sld>
+</file>
+
+<file path=ppt/slides/slide12.xml><?xml version="1.0" encoding="utf-8"?>
+<p:sld xmlns:a="http://schemas.openxmlformats.org/drawingml/2006/main" xmlns:r="http://schemas.openxmlformats.org/officeDocument/2006/relationships" xmlns:p="http://schemas.openxmlformats.org/presentationml/2006/main">
+  <p:cSld>
+    <p:spTree>
+      <p:nvGrpSpPr>
+        <p:cNvPr id="1" name="">
+          <a:extLst>
+            <a:ext uri="{FF2B5EF4-FFF2-40B4-BE49-F238E27FC236}">
+              <a16:creationId xmlns:a16="http://schemas.microsoft.com/office/drawing/2014/main" id="{3A534F17-5D11-59C4-823B-12D640B55E1D}"/>
+            </a:ext>
+          </a:extLst>
+        </p:cNvPr>
+        <p:cNvGrpSpPr/>
+        <p:nvPr/>
+      </p:nvGrpSpPr>
+      <p:grpSpPr>
+        <a:xfrm>
+          <a:off x="0" y="0"/>
+          <a:ext cx="0" cy="0"/>
+          <a:chOff x="0" y="0"/>
+          <a:chExt cx="0" cy="0"/>
+        </a:xfrm>
+      </p:grpSpPr>
+      <p:sp>
+        <p:nvSpPr>
+          <p:cNvPr id="2" name="Title 1">
+            <a:extLst>
+              <a:ext uri="{FF2B5EF4-FFF2-40B4-BE49-F238E27FC236}">
+                <a16:creationId xmlns:a16="http://schemas.microsoft.com/office/drawing/2014/main" id="{955E233D-6597-FE69-8DFB-F2189D72E7F3}"/>
+              </a:ext>
+            </a:extLst>
+          </p:cNvPr>
+          <p:cNvSpPr>
+            <a:spLocks noGrp="1"/>
+          </p:cNvSpPr>
+          <p:nvPr>
+            <p:ph type="title"/>
+          </p:nvPr>
+        </p:nvSpPr>
+        <p:spPr>
+          <a:xfrm>
+            <a:off x="338666" y="183025"/>
+            <a:ext cx="8421512" cy="769441"/>
+          </a:xfrm>
+        </p:spPr>
+        <p:txBody>
+          <a:bodyPr/>
+          <a:lstStyle/>
+          <a:p>
+            <a:r>
+              <a:rPr lang="en-US" sz="4400" dirty="0"/>
+              <a:t>Procedure</a:t>
+            </a:r>
+          </a:p>
+        </p:txBody>
+      </p:sp>
+      <p:sp>
+        <p:nvSpPr>
+          <p:cNvPr id="6" name="Content Placeholder 5">
+            <a:extLst>
+              <a:ext uri="{FF2B5EF4-FFF2-40B4-BE49-F238E27FC236}">
+                <a16:creationId xmlns:a16="http://schemas.microsoft.com/office/drawing/2014/main" id="{41B3AEC8-0D44-B017-1ADC-A6D4DD0F75DF}"/>
+              </a:ext>
+            </a:extLst>
+          </p:cNvPr>
+          <p:cNvSpPr>
+            <a:spLocks noGrp="1"/>
+          </p:cNvSpPr>
+          <p:nvPr>
+            <p:ph idx="1"/>
+          </p:nvPr>
+        </p:nvSpPr>
+        <p:spPr>
+          <a:xfrm>
+            <a:off x="372533" y="952466"/>
+            <a:ext cx="8387645" cy="5595089"/>
+          </a:xfrm>
+        </p:spPr>
+        <p:txBody>
+          <a:bodyPr/>
+          <a:lstStyle/>
+          <a:p>
+            <a:pPr marL="0" indent="0">
+              <a:buNone/>
+            </a:pPr>
+            <a:r>
+              <a:rPr lang="en-US" b="1" i="1" dirty="0">
+                <a:solidFill>
+                  <a:srgbClr val="FFFF00"/>
+                </a:solidFill>
+              </a:rPr>
+              <a:t>Station 3</a:t>
+            </a:r>
+          </a:p>
+          <a:p>
+            <a:pPr marL="457200" indent="-457200">
+              <a:buFont typeface="+mj-lt"/>
+              <a:buAutoNum type="alphaLcParenR"/>
+            </a:pPr>
+            <a:r>
+              <a:rPr lang="en-US" sz="2000" dirty="0"/>
+              <a:t>Place </a:t>
+            </a:r>
+            <a:r>
+              <a:rPr lang="en-US" sz="2000" b="1" dirty="0">
+                <a:solidFill>
+                  <a:srgbClr val="00FF00"/>
+                </a:solidFill>
+              </a:rPr>
+              <a:t>1 mL </a:t>
+            </a:r>
+            <a:r>
+              <a:rPr lang="en-US" sz="2000" dirty="0">
+                <a:solidFill>
+                  <a:srgbClr val="FFC000"/>
+                </a:solidFill>
+              </a:rPr>
+              <a:t>0.1 M</a:t>
+            </a:r>
+            <a:r>
+              <a:rPr lang="en-US" sz="2000" dirty="0"/>
+              <a:t> </a:t>
+            </a:r>
+            <a:r>
+              <a:rPr lang="en-US" sz="2000" dirty="0">
+                <a:solidFill>
+                  <a:schemeClr val="accent1">
+                    <a:lumMod val="60000"/>
+                    <a:lumOff val="40000"/>
+                  </a:schemeClr>
+                </a:solidFill>
+              </a:rPr>
+              <a:t>BaCl</a:t>
+            </a:r>
+            <a:r>
+              <a:rPr lang="en-US" sz="2000" baseline="-25000" dirty="0">
+                <a:solidFill>
+                  <a:schemeClr val="accent1">
+                    <a:lumMod val="60000"/>
+                    <a:lumOff val="40000"/>
+                  </a:schemeClr>
+                </a:solidFill>
+              </a:rPr>
+              <a:t>2</a:t>
+            </a:r>
+            <a:r>
+              <a:rPr lang="en-US" sz="2000" dirty="0"/>
+              <a:t> in tube</a:t>
+            </a:r>
+          </a:p>
+          <a:p>
+            <a:pPr marL="457200" indent="-457200">
+              <a:buFont typeface="+mj-lt"/>
+              <a:buAutoNum type="alphaLcParenR"/>
+            </a:pPr>
+            <a:r>
+              <a:rPr lang="en-US" sz="2000" dirty="0"/>
+              <a:t>Add </a:t>
+            </a:r>
+            <a:r>
+              <a:rPr lang="en-US" sz="2000" b="1" dirty="0">
+                <a:solidFill>
+                  <a:srgbClr val="00FF00"/>
+                </a:solidFill>
+              </a:rPr>
+              <a:t>1 mL</a:t>
+            </a:r>
+            <a:r>
+              <a:rPr lang="en-US" sz="2000" dirty="0">
+                <a:solidFill>
+                  <a:srgbClr val="00FF00"/>
+                </a:solidFill>
+              </a:rPr>
+              <a:t> </a:t>
+            </a:r>
+            <a:r>
+              <a:rPr lang="en-US" sz="2000" dirty="0">
+                <a:solidFill>
+                  <a:srgbClr val="FFC000"/>
+                </a:solidFill>
+              </a:rPr>
+              <a:t>0.1 M</a:t>
+            </a:r>
+            <a:r>
+              <a:rPr lang="en-US" sz="2000" dirty="0"/>
+              <a:t> </a:t>
+            </a:r>
+            <a:r>
+              <a:rPr lang="en-US" sz="2000" dirty="0">
+                <a:solidFill>
+                  <a:schemeClr val="accent1">
+                    <a:lumMod val="60000"/>
+                    <a:lumOff val="40000"/>
+                  </a:schemeClr>
+                </a:solidFill>
+              </a:rPr>
+              <a:t>Na</a:t>
+            </a:r>
+            <a:r>
+              <a:rPr lang="en-US" sz="2000" baseline="-25000" dirty="0">
+                <a:solidFill>
+                  <a:schemeClr val="accent1">
+                    <a:lumMod val="60000"/>
+                    <a:lumOff val="40000"/>
+                  </a:schemeClr>
+                </a:solidFill>
+              </a:rPr>
+              <a:t>3</a:t>
+            </a:r>
+            <a:r>
+              <a:rPr lang="en-US" sz="2000" dirty="0">
+                <a:solidFill>
+                  <a:schemeClr val="accent1">
+                    <a:lumMod val="60000"/>
+                    <a:lumOff val="40000"/>
+                  </a:schemeClr>
+                </a:solidFill>
+              </a:rPr>
+              <a:t>PO</a:t>
+            </a:r>
+            <a:r>
+              <a:rPr lang="en-US" sz="2000" baseline="-25000" dirty="0">
+                <a:solidFill>
+                  <a:schemeClr val="accent1">
+                    <a:lumMod val="60000"/>
+                    <a:lumOff val="40000"/>
+                  </a:schemeClr>
+                </a:solidFill>
+              </a:rPr>
+              <a:t>4</a:t>
+            </a:r>
+            <a:r>
+              <a:rPr lang="en-US" sz="2000" dirty="0"/>
+              <a:t> to it, and mix/swirl. Record observation</a:t>
+            </a:r>
+          </a:p>
+          <a:p>
+            <a:pPr marL="457200" indent="-457200">
+              <a:buFont typeface="+mj-lt"/>
+              <a:buAutoNum type="alphaLcParenR"/>
+            </a:pPr>
+            <a:r>
+              <a:rPr lang="en-US" sz="2000" dirty="0"/>
+              <a:t>Wait 3-5 minutes and record observation: what is the insoluble product?</a:t>
+            </a:r>
+          </a:p>
+          <a:p>
+            <a:pPr marL="0" indent="0">
+              <a:buNone/>
+            </a:pPr>
+            <a:r>
+              <a:rPr lang="en-US" sz="2000" dirty="0"/>
+              <a:t>While you are waiting at last step, perhaps go to another station and start that experiment</a:t>
+            </a:r>
+          </a:p>
+          <a:p>
+            <a:pPr marL="0" indent="0">
+              <a:buNone/>
+            </a:pPr>
+            <a:endParaRPr lang="en-US" sz="2000" dirty="0"/>
+          </a:p>
+          <a:p>
+            <a:pPr marL="0" indent="0">
+              <a:buNone/>
+            </a:pPr>
+            <a:r>
+              <a:rPr lang="en-US" sz="2000" b="1" i="1" dirty="0">
+                <a:solidFill>
+                  <a:srgbClr val="FFFF00"/>
+                </a:solidFill>
+              </a:rPr>
+              <a:t>Station 4</a:t>
+            </a:r>
+          </a:p>
+          <a:p>
+            <a:pPr marL="457200" indent="-457200">
+              <a:buFont typeface="+mj-lt"/>
+              <a:buAutoNum type="alphaLcParenR"/>
+            </a:pPr>
+            <a:r>
+              <a:rPr lang="en-US" sz="2000" dirty="0"/>
+              <a:t>Place </a:t>
+            </a:r>
+            <a:r>
+              <a:rPr lang="en-US" sz="2000" b="1" dirty="0">
+                <a:solidFill>
+                  <a:srgbClr val="00FF00"/>
+                </a:solidFill>
+              </a:rPr>
+              <a:t>2 mL</a:t>
+            </a:r>
+            <a:r>
+              <a:rPr lang="en-US" sz="2000" dirty="0">
+                <a:solidFill>
+                  <a:srgbClr val="00FF00"/>
+                </a:solidFill>
+              </a:rPr>
+              <a:t> </a:t>
+            </a:r>
+            <a:r>
+              <a:rPr lang="en-US" sz="2000" dirty="0">
+                <a:solidFill>
+                  <a:srgbClr val="FFC000"/>
+                </a:solidFill>
+              </a:rPr>
+              <a:t>1.0 M</a:t>
+            </a:r>
+            <a:r>
+              <a:rPr lang="en-US" sz="2000" dirty="0"/>
+              <a:t> </a:t>
+            </a:r>
+            <a:r>
+              <a:rPr lang="en-US" sz="2000" dirty="0">
+                <a:solidFill>
+                  <a:schemeClr val="accent1">
+                    <a:lumMod val="60000"/>
+                    <a:lumOff val="40000"/>
+                  </a:schemeClr>
+                </a:solidFill>
+              </a:rPr>
+              <a:t>Na</a:t>
+            </a:r>
+            <a:r>
+              <a:rPr lang="en-US" sz="2000" baseline="-25000" dirty="0">
+                <a:solidFill>
+                  <a:schemeClr val="accent1">
+                    <a:lumMod val="60000"/>
+                    <a:lumOff val="40000"/>
+                  </a:schemeClr>
+                </a:solidFill>
+              </a:rPr>
+              <a:t>2</a:t>
+            </a:r>
+            <a:r>
+              <a:rPr lang="en-US" sz="2000" dirty="0">
+                <a:solidFill>
+                  <a:schemeClr val="accent1">
+                    <a:lumMod val="60000"/>
+                    <a:lumOff val="40000"/>
+                  </a:schemeClr>
+                </a:solidFill>
+              </a:rPr>
+              <a:t>CO</a:t>
+            </a:r>
+            <a:r>
+              <a:rPr lang="en-US" sz="2000" baseline="-25000" dirty="0">
+                <a:solidFill>
+                  <a:schemeClr val="accent1">
+                    <a:lumMod val="60000"/>
+                    <a:lumOff val="40000"/>
+                  </a:schemeClr>
+                </a:solidFill>
+              </a:rPr>
+              <a:t>3</a:t>
+            </a:r>
+            <a:r>
+              <a:rPr lang="en-US" sz="2000" dirty="0"/>
+              <a:t> in tube</a:t>
+            </a:r>
+          </a:p>
+          <a:p>
+            <a:pPr marL="457200" indent="-457200">
+              <a:buFont typeface="+mj-lt"/>
+              <a:buAutoNum type="alphaLcParenR"/>
+            </a:pPr>
+            <a:r>
+              <a:rPr lang="en-US" sz="2000" dirty="0"/>
+              <a:t>Add </a:t>
+            </a:r>
+            <a:r>
+              <a:rPr lang="en-US" sz="2000" b="1" dirty="0">
+                <a:solidFill>
+                  <a:srgbClr val="00FF00"/>
+                </a:solidFill>
+              </a:rPr>
+              <a:t>1 mL</a:t>
+            </a:r>
+            <a:r>
+              <a:rPr lang="en-US" sz="2000" dirty="0">
+                <a:solidFill>
+                  <a:srgbClr val="00FF00"/>
+                </a:solidFill>
+              </a:rPr>
+              <a:t> </a:t>
+            </a:r>
+            <a:r>
+              <a:rPr lang="en-US" sz="2000" dirty="0">
+                <a:solidFill>
+                  <a:srgbClr val="FFC000"/>
+                </a:solidFill>
+              </a:rPr>
+              <a:t>6 M </a:t>
+            </a:r>
+            <a:r>
+              <a:rPr lang="en-US" sz="2000" dirty="0">
+                <a:solidFill>
+                  <a:schemeClr val="accent1">
+                    <a:lumMod val="60000"/>
+                    <a:lumOff val="40000"/>
+                  </a:schemeClr>
+                </a:solidFill>
+              </a:rPr>
+              <a:t>HCl</a:t>
+            </a:r>
+            <a:r>
+              <a:rPr lang="en-US" sz="2000" dirty="0"/>
+              <a:t> to it, and mix/swirl. Record observation</a:t>
+            </a:r>
+          </a:p>
+          <a:p>
+            <a:pPr marL="0" indent="0">
+              <a:buNone/>
+            </a:pPr>
+            <a:r>
+              <a:rPr lang="en-US" sz="2000" dirty="0"/>
+              <a:t>If you observe a gas, what is the gas. What is the reaction equation?</a:t>
+            </a:r>
+          </a:p>
+        </p:txBody>
+      </p:sp>
+    </p:spTree>
+    <p:extLst>
+      <p:ext uri="{BB962C8B-B14F-4D97-AF65-F5344CB8AC3E}">
+        <p14:creationId xmlns:p14="http://schemas.microsoft.com/office/powerpoint/2010/main" val="2712066979"/>
+      </p:ext>
+    </p:extLst>
+  </p:cSld>
+  <p:clrMapOvr>
+    <a:masterClrMapping/>
+  </p:clrMapOvr>
+</p:sld>
+</file>
+
+<file path=ppt/slides/slide13.xml><?xml version="1.0" encoding="utf-8"?>
+<p:sld xmlns:a="http://schemas.openxmlformats.org/drawingml/2006/main" xmlns:r="http://schemas.openxmlformats.org/officeDocument/2006/relationships" xmlns:p="http://schemas.openxmlformats.org/presentationml/2006/main">
+  <p:cSld>
+    <p:spTree>
+      <p:nvGrpSpPr>
+        <p:cNvPr id="1" name="">
+          <a:extLst>
+            <a:ext uri="{FF2B5EF4-FFF2-40B4-BE49-F238E27FC236}">
+              <a16:creationId xmlns:a16="http://schemas.microsoft.com/office/drawing/2014/main" id="{A45571B8-C1F7-004C-0786-BDAF5C34FB8B}"/>
+            </a:ext>
+          </a:extLst>
+        </p:cNvPr>
+        <p:cNvGrpSpPr/>
+        <p:nvPr/>
+      </p:nvGrpSpPr>
+      <p:grpSpPr>
+        <a:xfrm>
+          <a:off x="0" y="0"/>
+          <a:ext cx="0" cy="0"/>
+          <a:chOff x="0" y="0"/>
+          <a:chExt cx="0" cy="0"/>
+        </a:xfrm>
+      </p:grpSpPr>
+      <p:sp>
+        <p:nvSpPr>
+          <p:cNvPr id="2" name="Title 1">
+            <a:extLst>
+              <a:ext uri="{FF2B5EF4-FFF2-40B4-BE49-F238E27FC236}">
+                <a16:creationId xmlns:a16="http://schemas.microsoft.com/office/drawing/2014/main" id="{12D23498-4788-BFA4-CDD1-4969E2AAF9DC}"/>
+              </a:ext>
+            </a:extLst>
+          </p:cNvPr>
+          <p:cNvSpPr>
+            <a:spLocks noGrp="1"/>
+          </p:cNvSpPr>
+          <p:nvPr>
+            <p:ph type="title"/>
+          </p:nvPr>
+        </p:nvSpPr>
+        <p:spPr>
+          <a:xfrm>
+            <a:off x="338666" y="183025"/>
+            <a:ext cx="8421512" cy="769441"/>
+          </a:xfrm>
+        </p:spPr>
+        <p:txBody>
+          <a:bodyPr/>
+          <a:lstStyle/>
+          <a:p>
+            <a:r>
+              <a:rPr lang="en-US" sz="4400" dirty="0"/>
+              <a:t>Procedure</a:t>
+            </a:r>
+          </a:p>
+        </p:txBody>
+      </p:sp>
+      <p:sp>
+        <p:nvSpPr>
+          <p:cNvPr id="6" name="Content Placeholder 5">
+            <a:extLst>
+              <a:ext uri="{FF2B5EF4-FFF2-40B4-BE49-F238E27FC236}">
+                <a16:creationId xmlns:a16="http://schemas.microsoft.com/office/drawing/2014/main" id="{03A80F8D-4551-49A3-96A9-72B0BD57AD30}"/>
+              </a:ext>
+            </a:extLst>
+          </p:cNvPr>
+          <p:cNvSpPr>
+            <a:spLocks noGrp="1"/>
+          </p:cNvSpPr>
+          <p:nvPr>
+            <p:ph idx="1"/>
+          </p:nvPr>
+        </p:nvSpPr>
+        <p:spPr>
+          <a:xfrm>
+            <a:off x="372533" y="952466"/>
+            <a:ext cx="8387645" cy="5595089"/>
+          </a:xfrm>
+        </p:spPr>
+        <p:txBody>
+          <a:bodyPr/>
+          <a:lstStyle/>
+          <a:p>
+            <a:pPr marL="0" indent="0">
+              <a:buNone/>
+            </a:pPr>
+            <a:r>
+              <a:rPr lang="en-US" b="1" i="1" dirty="0">
+                <a:solidFill>
+                  <a:srgbClr val="FFFF00"/>
+                </a:solidFill>
+              </a:rPr>
+              <a:t>Station 5</a:t>
+            </a:r>
+          </a:p>
+          <a:p>
+            <a:pPr marL="457200" indent="-457200">
+              <a:buFont typeface="+mj-lt"/>
+              <a:buAutoNum type="alphaLcParenR"/>
+            </a:pPr>
+            <a:r>
+              <a:rPr lang="en-US" sz="2000" dirty="0"/>
+              <a:t>Place </a:t>
+            </a:r>
+            <a:r>
+              <a:rPr lang="en-US" sz="2000" b="1" dirty="0">
+                <a:solidFill>
+                  <a:srgbClr val="00FF00"/>
+                </a:solidFill>
+              </a:rPr>
+              <a:t>~1 g</a:t>
+            </a:r>
+            <a:r>
+              <a:rPr lang="en-US" sz="2000" dirty="0"/>
+              <a:t> (small scoop) of </a:t>
+            </a:r>
+            <a:r>
+              <a:rPr lang="en-US" sz="2000" dirty="0">
+                <a:solidFill>
+                  <a:schemeClr val="accent1">
+                    <a:lumMod val="60000"/>
+                    <a:lumOff val="40000"/>
+                  </a:schemeClr>
+                </a:solidFill>
+              </a:rPr>
+              <a:t>KClO</a:t>
+            </a:r>
+            <a:r>
+              <a:rPr lang="en-US" sz="2000" baseline="-25000" dirty="0">
+                <a:solidFill>
+                  <a:schemeClr val="accent1">
+                    <a:lumMod val="60000"/>
+                    <a:lumOff val="40000"/>
+                  </a:schemeClr>
+                </a:solidFill>
+              </a:rPr>
+              <a:t>3</a:t>
+            </a:r>
+            <a:r>
+              <a:rPr lang="en-US" sz="2000" dirty="0"/>
+              <a:t> in tube.</a:t>
+            </a:r>
+          </a:p>
+          <a:p>
+            <a:pPr marL="457200" indent="-457200">
+              <a:buFont typeface="+mj-lt"/>
+              <a:buAutoNum type="alphaLcParenR"/>
+            </a:pPr>
+            <a:r>
+              <a:rPr lang="en-US" sz="2000" dirty="0"/>
+              <a:t>Grab the tube with a clamp at the TOP of the tube</a:t>
+            </a:r>
+          </a:p>
+          <a:p>
+            <a:pPr marL="457200" indent="-457200">
+              <a:buFont typeface="+mj-lt"/>
+              <a:buAutoNum type="alphaLcParenR"/>
+            </a:pPr>
+            <a:r>
+              <a:rPr lang="en-US" sz="2000" dirty="0"/>
+              <a:t>In the fume hood, hold the tube at an angle and heat ONLY the bottom of the tube with blue cone flame of Bunsen burner. Let the </a:t>
+            </a:r>
+            <a:r>
+              <a:rPr lang="en-US" sz="2000" dirty="0">
+                <a:solidFill>
+                  <a:schemeClr val="accent1">
+                    <a:lumMod val="60000"/>
+                    <a:lumOff val="40000"/>
+                  </a:schemeClr>
+                </a:solidFill>
+              </a:rPr>
+              <a:t>KClO</a:t>
+            </a:r>
+            <a:r>
+              <a:rPr lang="en-US" sz="2000" baseline="-25000" dirty="0">
+                <a:solidFill>
+                  <a:schemeClr val="accent1">
+                    <a:lumMod val="60000"/>
+                    <a:lumOff val="40000"/>
+                  </a:schemeClr>
+                </a:solidFill>
+              </a:rPr>
+              <a:t>3</a:t>
+            </a:r>
+            <a:r>
+              <a:rPr lang="en-US" sz="2000" dirty="0"/>
+              <a:t> melt, let it bubble, and heat until nothing happens</a:t>
+            </a:r>
+          </a:p>
+          <a:p>
+            <a:pPr marL="0" indent="0">
+              <a:buNone/>
+            </a:pPr>
+            <a:r>
+              <a:rPr lang="en-US" sz="2000" dirty="0"/>
+              <a:t>Did anything come out of tube. Record observations.</a:t>
+            </a:r>
+          </a:p>
+          <a:p>
+            <a:pPr marL="0" indent="0">
+              <a:buNone/>
+            </a:pPr>
+            <a:endParaRPr lang="en-US" sz="2000" dirty="0"/>
+          </a:p>
+          <a:p>
+            <a:pPr marL="0" indent="0">
+              <a:buNone/>
+            </a:pPr>
+            <a:r>
+              <a:rPr lang="en-US" sz="2000" b="1" i="1" dirty="0">
+                <a:solidFill>
+                  <a:srgbClr val="FFFF00"/>
+                </a:solidFill>
+              </a:rPr>
+              <a:t>Station 6</a:t>
+            </a:r>
+          </a:p>
+          <a:p>
+            <a:pPr marL="457200" indent="-457200">
+              <a:buFont typeface="+mj-lt"/>
+              <a:buAutoNum type="alphaLcParenR"/>
+            </a:pPr>
+            <a:r>
+              <a:rPr lang="en-US" sz="2000" dirty="0"/>
+              <a:t>Mix </a:t>
+            </a:r>
+            <a:r>
+              <a:rPr lang="en-US" sz="2000" b="1" dirty="0">
+                <a:solidFill>
+                  <a:srgbClr val="00FF00"/>
+                </a:solidFill>
+              </a:rPr>
+              <a:t>1 mL </a:t>
+            </a:r>
+            <a:r>
+              <a:rPr lang="en-US" sz="2000" dirty="0">
+                <a:solidFill>
+                  <a:srgbClr val="FFC000"/>
+                </a:solidFill>
+              </a:rPr>
+              <a:t>0.1 M</a:t>
+            </a:r>
+            <a:r>
+              <a:rPr lang="en-US" sz="2000" dirty="0"/>
+              <a:t> </a:t>
+            </a:r>
+            <a:r>
+              <a:rPr lang="en-US" sz="2000" dirty="0">
+                <a:solidFill>
+                  <a:schemeClr val="accent1">
+                    <a:lumMod val="60000"/>
+                    <a:lumOff val="40000"/>
+                  </a:schemeClr>
+                </a:solidFill>
+              </a:rPr>
+              <a:t>CaCl</a:t>
+            </a:r>
+            <a:r>
+              <a:rPr lang="en-US" sz="2000" baseline="-25000" dirty="0">
+                <a:solidFill>
+                  <a:schemeClr val="accent1">
+                    <a:lumMod val="60000"/>
+                    <a:lumOff val="40000"/>
+                  </a:schemeClr>
+                </a:solidFill>
+              </a:rPr>
+              <a:t>2</a:t>
+            </a:r>
+            <a:r>
+              <a:rPr lang="en-US" sz="2000" dirty="0"/>
+              <a:t> with </a:t>
+            </a:r>
+            <a:r>
+              <a:rPr lang="en-US" sz="2000" dirty="0">
+                <a:solidFill>
+                  <a:srgbClr val="00FF00"/>
+                </a:solidFill>
+              </a:rPr>
+              <a:t>1 mL </a:t>
+            </a:r>
+            <a:r>
+              <a:rPr lang="en-US" sz="2000" dirty="0">
+                <a:solidFill>
+                  <a:srgbClr val="FFC000"/>
+                </a:solidFill>
+              </a:rPr>
+              <a:t>0.1 M</a:t>
+            </a:r>
+            <a:r>
+              <a:rPr lang="en-US" sz="2000" dirty="0"/>
+              <a:t> </a:t>
+            </a:r>
+            <a:r>
+              <a:rPr lang="en-US" sz="2000" dirty="0">
+                <a:solidFill>
+                  <a:schemeClr val="accent1">
+                    <a:lumMod val="60000"/>
+                    <a:lumOff val="40000"/>
+                  </a:schemeClr>
+                </a:solidFill>
+              </a:rPr>
+              <a:t>Na</a:t>
+            </a:r>
+            <a:r>
+              <a:rPr lang="en-US" sz="2000" baseline="-25000" dirty="0">
+                <a:solidFill>
+                  <a:schemeClr val="accent1">
+                    <a:lumMod val="60000"/>
+                    <a:lumOff val="40000"/>
+                  </a:schemeClr>
+                </a:solidFill>
+              </a:rPr>
+              <a:t>2</a:t>
+            </a:r>
+            <a:r>
+              <a:rPr lang="en-US" sz="2000" dirty="0">
+                <a:solidFill>
+                  <a:schemeClr val="accent1">
+                    <a:lumMod val="60000"/>
+                    <a:lumOff val="40000"/>
+                  </a:schemeClr>
+                </a:solidFill>
+              </a:rPr>
+              <a:t>CO</a:t>
+            </a:r>
+            <a:r>
+              <a:rPr lang="en-US" sz="2000" baseline="-25000" dirty="0">
+                <a:solidFill>
+                  <a:schemeClr val="accent1">
+                    <a:lumMod val="60000"/>
+                    <a:lumOff val="40000"/>
+                  </a:schemeClr>
+                </a:solidFill>
+              </a:rPr>
+              <a:t>3</a:t>
+            </a:r>
+          </a:p>
+          <a:p>
+            <a:pPr marL="0" indent="0">
+              <a:buNone/>
+            </a:pPr>
+            <a:r>
+              <a:rPr lang="en-US" sz="2000" dirty="0"/>
+              <a:t>Record immediate observations. Then record observations after 3-5 minutes. Use the solubility tables to determine what product formed.</a:t>
+            </a:r>
+          </a:p>
+        </p:txBody>
+      </p:sp>
+    </p:spTree>
+    <p:extLst>
+      <p:ext uri="{BB962C8B-B14F-4D97-AF65-F5344CB8AC3E}">
+        <p14:creationId xmlns:p14="http://schemas.microsoft.com/office/powerpoint/2010/main" val="1120054341"/>
+      </p:ext>
+    </p:extLst>
+  </p:cSld>
+  <p:clrMapOvr>
+    <a:masterClrMapping/>
+  </p:clrMapOvr>
+</p:sld>
+</file>
+
+<file path=ppt/slides/slide14.xml><?xml version="1.0" encoding="utf-8"?>
+<p:sld xmlns:a="http://schemas.openxmlformats.org/drawingml/2006/main" xmlns:r="http://schemas.openxmlformats.org/officeDocument/2006/relationships" xmlns:p="http://schemas.openxmlformats.org/presentationml/2006/main">
+  <p:cSld>
+    <p:spTree>
+      <p:nvGrpSpPr>
+        <p:cNvPr id="1" name="">
+          <a:extLst>
+            <a:ext uri="{FF2B5EF4-FFF2-40B4-BE49-F238E27FC236}">
+              <a16:creationId xmlns:a16="http://schemas.microsoft.com/office/drawing/2014/main" id="{861084D9-1718-CD82-7014-6BA0ECA6C655}"/>
+            </a:ext>
+          </a:extLst>
+        </p:cNvPr>
+        <p:cNvGrpSpPr/>
+        <p:nvPr/>
+      </p:nvGrpSpPr>
+      <p:grpSpPr>
+        <a:xfrm>
+          <a:off x="0" y="0"/>
+          <a:ext cx="0" cy="0"/>
+          <a:chOff x="0" y="0"/>
+          <a:chExt cx="0" cy="0"/>
+        </a:xfrm>
+      </p:grpSpPr>
+      <p:sp>
+        <p:nvSpPr>
+          <p:cNvPr id="2" name="Title 1">
+            <a:extLst>
+              <a:ext uri="{FF2B5EF4-FFF2-40B4-BE49-F238E27FC236}">
+                <a16:creationId xmlns:a16="http://schemas.microsoft.com/office/drawing/2014/main" id="{CB4F8F40-B503-BDF6-560D-DCA7ED1D1EE0}"/>
+              </a:ext>
+            </a:extLst>
+          </p:cNvPr>
+          <p:cNvSpPr>
+            <a:spLocks noGrp="1"/>
+          </p:cNvSpPr>
+          <p:nvPr>
+            <p:ph type="title"/>
+          </p:nvPr>
+        </p:nvSpPr>
+        <p:spPr>
+          <a:xfrm>
+            <a:off x="338666" y="183025"/>
+            <a:ext cx="8421512" cy="769441"/>
+          </a:xfrm>
+        </p:spPr>
+        <p:txBody>
+          <a:bodyPr/>
+          <a:lstStyle/>
+          <a:p>
+            <a:r>
+              <a:rPr lang="en-US" sz="4400" dirty="0"/>
+              <a:t>Procedure</a:t>
+            </a:r>
+          </a:p>
+        </p:txBody>
+      </p:sp>
+      <p:sp>
+        <p:nvSpPr>
+          <p:cNvPr id="6" name="Content Placeholder 5">
+            <a:extLst>
+              <a:ext uri="{FF2B5EF4-FFF2-40B4-BE49-F238E27FC236}">
+                <a16:creationId xmlns:a16="http://schemas.microsoft.com/office/drawing/2014/main" id="{C0C6BCC5-7E61-D31C-B4B0-383D79617FB3}"/>
+              </a:ext>
+            </a:extLst>
+          </p:cNvPr>
+          <p:cNvSpPr>
+            <a:spLocks noGrp="1"/>
+          </p:cNvSpPr>
+          <p:nvPr>
+            <p:ph idx="1"/>
+          </p:nvPr>
+        </p:nvSpPr>
+        <p:spPr>
+          <a:xfrm>
+            <a:off x="372533" y="952466"/>
+            <a:ext cx="8387645" cy="5595089"/>
+          </a:xfrm>
+        </p:spPr>
+        <p:txBody>
+          <a:bodyPr/>
+          <a:lstStyle/>
+          <a:p>
+            <a:pPr marL="0" indent="0">
+              <a:buNone/>
+            </a:pPr>
+            <a:r>
+              <a:rPr lang="en-US" b="1" i="1" dirty="0">
+                <a:solidFill>
+                  <a:srgbClr val="FFFF00"/>
+                </a:solidFill>
+              </a:rPr>
+              <a:t>Station 7</a:t>
+            </a:r>
+          </a:p>
+          <a:p>
+            <a:pPr marL="457200" indent="-457200">
+              <a:buFont typeface="+mj-lt"/>
+              <a:buAutoNum type="alphaLcParenR"/>
+            </a:pPr>
+            <a:r>
+              <a:rPr lang="en-US" sz="2000" dirty="0"/>
+              <a:t>Mix </a:t>
+            </a:r>
+            <a:r>
+              <a:rPr lang="en-US" sz="2000" b="1" dirty="0">
+                <a:solidFill>
+                  <a:srgbClr val="00FF00"/>
+                </a:solidFill>
+              </a:rPr>
+              <a:t>1 mL</a:t>
+            </a:r>
+            <a:r>
+              <a:rPr lang="en-US" sz="2000" dirty="0">
+                <a:solidFill>
+                  <a:srgbClr val="00FF00"/>
+                </a:solidFill>
+              </a:rPr>
+              <a:t> </a:t>
+            </a:r>
+            <a:r>
+              <a:rPr lang="en-US" sz="2000" dirty="0">
+                <a:solidFill>
+                  <a:srgbClr val="FFC000"/>
+                </a:solidFill>
+              </a:rPr>
+              <a:t>6.0 M</a:t>
+            </a:r>
+            <a:r>
+              <a:rPr lang="en-US" sz="2000" dirty="0"/>
+              <a:t> </a:t>
+            </a:r>
+            <a:r>
+              <a:rPr lang="en-US" sz="2000" dirty="0">
+                <a:solidFill>
+                  <a:schemeClr val="accent1">
+                    <a:lumMod val="60000"/>
+                    <a:lumOff val="40000"/>
+                  </a:schemeClr>
+                </a:solidFill>
+              </a:rPr>
+              <a:t>HCl</a:t>
+            </a:r>
+            <a:r>
+              <a:rPr lang="en-US" sz="2000" dirty="0"/>
+              <a:t> with </a:t>
+            </a:r>
+            <a:r>
+              <a:rPr lang="en-US" sz="2000" b="1" dirty="0">
+                <a:solidFill>
+                  <a:srgbClr val="00FF00"/>
+                </a:solidFill>
+              </a:rPr>
+              <a:t>2 mL</a:t>
+            </a:r>
+            <a:r>
+              <a:rPr lang="en-US" sz="2000" dirty="0"/>
+              <a:t> </a:t>
+            </a:r>
+            <a:r>
+              <a:rPr lang="en-US" sz="2000" dirty="0">
+                <a:solidFill>
+                  <a:srgbClr val="FFC000"/>
+                </a:solidFill>
+              </a:rPr>
+              <a:t>3.0 M</a:t>
+            </a:r>
+            <a:r>
+              <a:rPr lang="en-US" sz="2000" dirty="0"/>
+              <a:t> </a:t>
+            </a:r>
+            <a:r>
+              <a:rPr lang="en-US" sz="2000" dirty="0">
+                <a:solidFill>
+                  <a:schemeClr val="accent1">
+                    <a:lumMod val="60000"/>
+                    <a:lumOff val="40000"/>
+                  </a:schemeClr>
+                </a:solidFill>
+              </a:rPr>
+              <a:t>NaOH</a:t>
+            </a:r>
+          </a:p>
+          <a:p>
+            <a:pPr marL="457200" indent="-457200">
+              <a:buFont typeface="+mj-lt"/>
+              <a:buAutoNum type="alphaLcParenR"/>
+            </a:pPr>
+            <a:r>
+              <a:rPr lang="en-US" sz="2000" dirty="0"/>
+              <a:t>Record observations. Were there temperature changes (use your hand/fingers carefully to see if the mixture is cold or hot). Use understanding of chemistry to predict product(s)</a:t>
+            </a:r>
+          </a:p>
+          <a:p>
+            <a:pPr marL="0" indent="0">
+              <a:buNone/>
+            </a:pPr>
+            <a:endParaRPr lang="en-US" sz="2000" dirty="0"/>
+          </a:p>
+          <a:p>
+            <a:pPr marL="0" indent="0">
+              <a:buNone/>
+            </a:pPr>
+            <a:r>
+              <a:rPr lang="en-US" sz="2000" b="1" i="1" dirty="0">
+                <a:solidFill>
+                  <a:srgbClr val="FFFF00"/>
+                </a:solidFill>
+              </a:rPr>
+              <a:t>Station 8</a:t>
+            </a:r>
+          </a:p>
+          <a:p>
+            <a:pPr marL="457200" indent="-457200">
+              <a:buFont typeface="+mj-lt"/>
+              <a:buAutoNum type="alphaLcParenR"/>
+            </a:pPr>
+            <a:r>
+              <a:rPr lang="en-US" sz="2000" dirty="0"/>
+              <a:t>Mix </a:t>
+            </a:r>
+            <a:r>
+              <a:rPr lang="en-US" sz="2000" b="1" dirty="0">
+                <a:solidFill>
+                  <a:srgbClr val="00FF00"/>
+                </a:solidFill>
+              </a:rPr>
+              <a:t>1 mL</a:t>
+            </a:r>
+            <a:r>
+              <a:rPr lang="en-US" sz="2000" dirty="0"/>
+              <a:t> </a:t>
+            </a:r>
+            <a:r>
+              <a:rPr lang="en-US" sz="2000" dirty="0">
+                <a:solidFill>
+                  <a:srgbClr val="FFC000"/>
+                </a:solidFill>
+              </a:rPr>
+              <a:t>0.1 M</a:t>
+            </a:r>
+            <a:r>
+              <a:rPr lang="en-US" sz="2000" dirty="0"/>
+              <a:t> </a:t>
+            </a:r>
+            <a:r>
+              <a:rPr lang="en-US" sz="2000" dirty="0">
+                <a:solidFill>
+                  <a:schemeClr val="accent1">
+                    <a:lumMod val="60000"/>
+                    <a:lumOff val="40000"/>
+                  </a:schemeClr>
+                </a:solidFill>
+              </a:rPr>
+              <a:t>KNO</a:t>
+            </a:r>
+            <a:r>
+              <a:rPr lang="en-US" sz="2000" baseline="-25000" dirty="0">
+                <a:solidFill>
+                  <a:schemeClr val="accent1">
+                    <a:lumMod val="60000"/>
+                    <a:lumOff val="40000"/>
+                  </a:schemeClr>
+                </a:solidFill>
+              </a:rPr>
+              <a:t>3</a:t>
+            </a:r>
+            <a:r>
+              <a:rPr lang="en-US" sz="2000" dirty="0"/>
+              <a:t> with </a:t>
+            </a:r>
+            <a:r>
+              <a:rPr lang="en-US" sz="2000" dirty="0">
+                <a:solidFill>
+                  <a:srgbClr val="00FF00"/>
+                </a:solidFill>
+              </a:rPr>
+              <a:t>1 mL </a:t>
+            </a:r>
+            <a:r>
+              <a:rPr lang="en-US" sz="2000" dirty="0">
+                <a:solidFill>
+                  <a:srgbClr val="FFC000"/>
+                </a:solidFill>
+              </a:rPr>
+              <a:t>0.1 M</a:t>
+            </a:r>
+            <a:r>
+              <a:rPr lang="en-US" sz="2000" dirty="0"/>
+              <a:t> </a:t>
+            </a:r>
+            <a:r>
+              <a:rPr lang="en-US" sz="2000" dirty="0">
+                <a:solidFill>
+                  <a:schemeClr val="accent1">
+                    <a:lumMod val="60000"/>
+                    <a:lumOff val="40000"/>
+                  </a:schemeClr>
+                </a:solidFill>
+              </a:rPr>
+              <a:t>BaCl</a:t>
+            </a:r>
+            <a:r>
+              <a:rPr lang="en-US" sz="2000" baseline="-25000" dirty="0">
+                <a:solidFill>
+                  <a:schemeClr val="accent1">
+                    <a:lumMod val="60000"/>
+                    <a:lumOff val="40000"/>
+                  </a:schemeClr>
+                </a:solidFill>
+              </a:rPr>
+              <a:t>2</a:t>
+            </a:r>
+          </a:p>
+          <a:p>
+            <a:pPr marL="0" indent="0">
+              <a:buNone/>
+            </a:pPr>
+            <a:r>
+              <a:rPr lang="en-US" sz="2000" dirty="0"/>
+              <a:t>Record immediate observations. Then record observations after 3-5 minutes. Use the solubility tables to determine what product formed.</a:t>
+            </a:r>
+          </a:p>
+        </p:txBody>
+      </p:sp>
+    </p:spTree>
+    <p:extLst>
+      <p:ext uri="{BB962C8B-B14F-4D97-AF65-F5344CB8AC3E}">
+        <p14:creationId xmlns:p14="http://schemas.microsoft.com/office/powerpoint/2010/main" val="1741693150"/>
+      </p:ext>
+    </p:extLst>
+  </p:cSld>
+  <p:clrMapOvr>
+    <a:masterClrMapping/>
+  </p:clrMapOvr>
+</p:sld>
+</file>
+
+<file path=ppt/slides/slide15.xml><?xml version="1.0" encoding="utf-8"?>
+<p:sld xmlns:a="http://schemas.openxmlformats.org/drawingml/2006/main" xmlns:r="http://schemas.openxmlformats.org/officeDocument/2006/relationships" xmlns:p="http://schemas.openxmlformats.org/presentationml/2006/main">
+  <p:cSld>
+    <p:spTree>
+      <p:nvGrpSpPr>
+        <p:cNvPr id="1" name="">
+          <a:extLst>
+            <a:ext uri="{FF2B5EF4-FFF2-40B4-BE49-F238E27FC236}">
+              <a16:creationId xmlns:a16="http://schemas.microsoft.com/office/drawing/2014/main" id="{4D5515A7-EB2E-6346-DBD2-F70A1B1DAA5C}"/>
+            </a:ext>
+          </a:extLst>
+        </p:cNvPr>
+        <p:cNvGrpSpPr/>
+        <p:nvPr/>
+      </p:nvGrpSpPr>
+      <p:grpSpPr>
+        <a:xfrm>
+          <a:off x="0" y="0"/>
+          <a:ext cx="0" cy="0"/>
+          <a:chOff x="0" y="0"/>
+          <a:chExt cx="0" cy="0"/>
+        </a:xfrm>
+      </p:grpSpPr>
+      <p:sp>
+        <p:nvSpPr>
+          <p:cNvPr id="2" name="Title 1">
+            <a:extLst>
+              <a:ext uri="{FF2B5EF4-FFF2-40B4-BE49-F238E27FC236}">
+                <a16:creationId xmlns:a16="http://schemas.microsoft.com/office/drawing/2014/main" id="{4A17F7B4-544F-7853-CFED-D81F603060B7}"/>
+              </a:ext>
+            </a:extLst>
+          </p:cNvPr>
+          <p:cNvSpPr>
+            <a:spLocks noGrp="1"/>
+          </p:cNvSpPr>
+          <p:nvPr>
+            <p:ph type="title"/>
+          </p:nvPr>
+        </p:nvSpPr>
+        <p:spPr>
+          <a:xfrm>
+            <a:off x="338666" y="183025"/>
+            <a:ext cx="8421512" cy="769441"/>
+          </a:xfrm>
+        </p:spPr>
+        <p:txBody>
+          <a:bodyPr/>
+          <a:lstStyle/>
+          <a:p>
+            <a:r>
+              <a:rPr lang="en-US" sz="4400" dirty="0"/>
+              <a:t>Procedure</a:t>
+            </a:r>
+          </a:p>
+        </p:txBody>
+      </p:sp>
+      <p:sp>
+        <p:nvSpPr>
+          <p:cNvPr id="6" name="Content Placeholder 5">
+            <a:extLst>
+              <a:ext uri="{FF2B5EF4-FFF2-40B4-BE49-F238E27FC236}">
+                <a16:creationId xmlns:a16="http://schemas.microsoft.com/office/drawing/2014/main" id="{CE746364-602D-46B8-05D6-C534E505AF58}"/>
+              </a:ext>
+            </a:extLst>
+          </p:cNvPr>
+          <p:cNvSpPr>
+            <a:spLocks noGrp="1"/>
+          </p:cNvSpPr>
+          <p:nvPr>
+            <p:ph idx="1"/>
+          </p:nvPr>
+        </p:nvSpPr>
+        <p:spPr>
+          <a:xfrm>
+            <a:off x="372533" y="952466"/>
+            <a:ext cx="8387645" cy="5595089"/>
+          </a:xfrm>
+        </p:spPr>
+        <p:txBody>
+          <a:bodyPr/>
+          <a:lstStyle/>
+          <a:p>
+            <a:pPr marL="0" indent="0">
+              <a:buNone/>
+            </a:pPr>
+            <a:r>
+              <a:rPr lang="en-US" b="1" i="1" dirty="0">
+                <a:solidFill>
+                  <a:srgbClr val="FFFF00"/>
+                </a:solidFill>
+              </a:rPr>
+              <a:t>Station 9</a:t>
+            </a:r>
+          </a:p>
+          <a:p>
+            <a:pPr marL="457200" indent="-457200">
+              <a:buFont typeface="+mj-lt"/>
+              <a:buAutoNum type="alphaLcParenR"/>
+            </a:pPr>
+            <a:r>
+              <a:rPr lang="en-US" sz="2000" dirty="0"/>
+              <a:t>Transfer </a:t>
+            </a:r>
+            <a:r>
+              <a:rPr lang="en-US" sz="2000" b="1" dirty="0">
+                <a:solidFill>
+                  <a:srgbClr val="00FF00"/>
+                </a:solidFill>
+              </a:rPr>
+              <a:t>2 mL </a:t>
+            </a:r>
+            <a:r>
+              <a:rPr lang="en-US" sz="2000" dirty="0"/>
+              <a:t>of </a:t>
+            </a:r>
+            <a:r>
+              <a:rPr lang="en-US" sz="2000" dirty="0">
+                <a:solidFill>
+                  <a:srgbClr val="FFC000"/>
+                </a:solidFill>
+              </a:rPr>
+              <a:t>0.1 M</a:t>
+            </a:r>
+            <a:r>
+              <a:rPr lang="en-US" sz="2000" dirty="0"/>
+              <a:t> </a:t>
+            </a:r>
+            <a:r>
+              <a:rPr lang="en-US" sz="2000" dirty="0">
+                <a:solidFill>
+                  <a:schemeClr val="accent1">
+                    <a:lumMod val="60000"/>
+                    <a:lumOff val="40000"/>
+                  </a:schemeClr>
+                </a:solidFill>
+              </a:rPr>
+              <a:t>CuSO</a:t>
+            </a:r>
+            <a:r>
+              <a:rPr lang="en-US" sz="2000" baseline="-25000" dirty="0">
+                <a:solidFill>
+                  <a:schemeClr val="accent1">
+                    <a:lumMod val="60000"/>
+                    <a:lumOff val="40000"/>
+                  </a:schemeClr>
+                </a:solidFill>
+              </a:rPr>
+              <a:t>4</a:t>
+            </a:r>
+            <a:r>
+              <a:rPr lang="en-US" sz="2000" dirty="0"/>
+              <a:t> to tube</a:t>
+            </a:r>
+          </a:p>
+          <a:p>
+            <a:pPr marL="457200" indent="-457200">
+              <a:buFont typeface="+mj-lt"/>
+              <a:buAutoNum type="alphaLcParenR"/>
+            </a:pPr>
+            <a:r>
+              <a:rPr lang="en-US" sz="2000" dirty="0"/>
+              <a:t>Add a few </a:t>
+            </a:r>
+            <a:r>
+              <a:rPr lang="en-US" sz="2000" b="1" dirty="0">
+                <a:solidFill>
+                  <a:schemeClr val="accent1">
+                    <a:lumMod val="60000"/>
+                    <a:lumOff val="40000"/>
+                  </a:schemeClr>
+                </a:solidFill>
+              </a:rPr>
+              <a:t>Zn</a:t>
+            </a:r>
+            <a:r>
+              <a:rPr lang="en-US" sz="2000" dirty="0"/>
+              <a:t> pellets. Record immediate observations and after 3-5 minutes. Check if there are solid products what they look like. What accounts for the blue color?</a:t>
+            </a:r>
+          </a:p>
+          <a:p>
+            <a:pPr marL="0" indent="0">
+              <a:buNone/>
+            </a:pPr>
+            <a:endParaRPr lang="en-US" sz="2000" dirty="0"/>
+          </a:p>
+          <a:p>
+            <a:pPr marL="0" indent="0">
+              <a:buNone/>
+            </a:pPr>
+            <a:r>
+              <a:rPr lang="en-US" sz="2000" b="1" i="1" dirty="0">
+                <a:solidFill>
+                  <a:srgbClr val="FFFF00"/>
+                </a:solidFill>
+              </a:rPr>
+              <a:t>Station 10</a:t>
+            </a:r>
+          </a:p>
+          <a:p>
+            <a:pPr marL="457200" indent="-457200">
+              <a:buFont typeface="+mj-lt"/>
+              <a:buAutoNum type="alphaLcParenR"/>
+            </a:pPr>
+            <a:r>
+              <a:rPr lang="en-US" sz="2000" dirty="0"/>
+              <a:t>Mix </a:t>
+            </a:r>
+            <a:r>
+              <a:rPr lang="en-US" sz="2000" b="1" dirty="0">
+                <a:solidFill>
+                  <a:srgbClr val="00FF00"/>
+                </a:solidFill>
+              </a:rPr>
+              <a:t>1 mL</a:t>
+            </a:r>
+            <a:r>
+              <a:rPr lang="en-US" sz="2000" dirty="0"/>
+              <a:t> </a:t>
+            </a:r>
+            <a:r>
+              <a:rPr lang="en-US" sz="2000" dirty="0">
+                <a:solidFill>
+                  <a:srgbClr val="FFC000"/>
+                </a:solidFill>
+              </a:rPr>
+              <a:t>4.0 M</a:t>
+            </a:r>
+            <a:r>
+              <a:rPr lang="en-US" sz="2000" dirty="0"/>
+              <a:t> </a:t>
+            </a:r>
+            <a:r>
+              <a:rPr lang="en-US" sz="2000" dirty="0">
+                <a:solidFill>
+                  <a:schemeClr val="accent1">
+                    <a:lumMod val="60000"/>
+                    <a:lumOff val="40000"/>
+                  </a:schemeClr>
+                </a:solidFill>
+              </a:rPr>
+              <a:t>NH</a:t>
+            </a:r>
+            <a:r>
+              <a:rPr lang="en-US" sz="2000" baseline="-25000" dirty="0">
+                <a:solidFill>
+                  <a:schemeClr val="accent1">
+                    <a:lumMod val="60000"/>
+                    <a:lumOff val="40000"/>
+                  </a:schemeClr>
+                </a:solidFill>
+              </a:rPr>
+              <a:t>4</a:t>
+            </a:r>
+            <a:r>
+              <a:rPr lang="en-US" sz="2000" dirty="0">
+                <a:solidFill>
+                  <a:schemeClr val="accent1">
+                    <a:lumMod val="60000"/>
+                    <a:lumOff val="40000"/>
+                  </a:schemeClr>
+                </a:solidFill>
+              </a:rPr>
+              <a:t>Cl</a:t>
+            </a:r>
+            <a:r>
+              <a:rPr lang="en-US" sz="2000" dirty="0"/>
+              <a:t> with </a:t>
+            </a:r>
+            <a:r>
+              <a:rPr lang="en-US" sz="2000" b="1" dirty="0">
+                <a:solidFill>
+                  <a:srgbClr val="00FF00"/>
+                </a:solidFill>
+              </a:rPr>
+              <a:t>1 mL </a:t>
+            </a:r>
+            <a:r>
+              <a:rPr lang="en-US" sz="2000" dirty="0">
+                <a:solidFill>
+                  <a:srgbClr val="FFC000"/>
+                </a:solidFill>
+              </a:rPr>
+              <a:t>3.0 M</a:t>
+            </a:r>
+            <a:r>
+              <a:rPr lang="en-US" sz="2000" dirty="0"/>
+              <a:t> </a:t>
+            </a:r>
+            <a:r>
+              <a:rPr lang="en-US" sz="2000" dirty="0">
+                <a:solidFill>
+                  <a:schemeClr val="accent1">
+                    <a:lumMod val="60000"/>
+                    <a:lumOff val="40000"/>
+                  </a:schemeClr>
+                </a:solidFill>
+              </a:rPr>
+              <a:t>NaOH</a:t>
+            </a:r>
+            <a:r>
+              <a:rPr lang="en-US" sz="2000" dirty="0"/>
+              <a:t>. If there is a gas, what is it?</a:t>
+            </a:r>
+          </a:p>
+          <a:p>
+            <a:pPr marL="457200" indent="-457200">
+              <a:buFont typeface="+mj-lt"/>
+              <a:buAutoNum type="alphaLcParenR"/>
+            </a:pPr>
+            <a:r>
+              <a:rPr lang="en-US" sz="2000" dirty="0"/>
+              <a:t>Moisten red litmus and hold it over the mouth of the tube: what is the color change and what causes it?</a:t>
+            </a:r>
+          </a:p>
+          <a:p>
+            <a:pPr marL="457200" indent="-457200">
+              <a:buFont typeface="+mj-lt"/>
+              <a:buAutoNum type="alphaLcParenR"/>
+            </a:pPr>
+            <a:r>
+              <a:rPr lang="en-US" sz="2000" dirty="0"/>
+              <a:t>Take 2 fingers and waft the air from tube toward yourself: is there any strong odor? Do NOT put your nose or face over the tube!</a:t>
+            </a:r>
+          </a:p>
+        </p:txBody>
+      </p:sp>
+    </p:spTree>
+    <p:extLst>
+      <p:ext uri="{BB962C8B-B14F-4D97-AF65-F5344CB8AC3E}">
+        <p14:creationId xmlns:p14="http://schemas.microsoft.com/office/powerpoint/2010/main" val="142608454"/>
+      </p:ext>
+    </p:extLst>
+  </p:cSld>
+  <p:clrMapOvr>
+    <a:masterClrMapping/>
+  </p:clrMapOvr>
+</p:sld>
+</file>
+
+<file path=ppt/slides/slide16.xml><?xml version="1.0" encoding="utf-8"?>
+<p:sld xmlns:a="http://schemas.openxmlformats.org/drawingml/2006/main" xmlns:r="http://schemas.openxmlformats.org/officeDocument/2006/relationships" xmlns:p="http://schemas.openxmlformats.org/presentationml/2006/main">
+  <p:cSld>
+    <p:spTree>
+      <p:nvGrpSpPr>
+        <p:cNvPr id="1" name="">
+          <a:extLst>
+            <a:ext uri="{FF2B5EF4-FFF2-40B4-BE49-F238E27FC236}">
+              <a16:creationId xmlns:a16="http://schemas.microsoft.com/office/drawing/2014/main" id="{BA86FC53-DF32-CE64-DFB5-7C8645A52D75}"/>
+            </a:ext>
+          </a:extLst>
+        </p:cNvPr>
+        <p:cNvGrpSpPr/>
+        <p:nvPr/>
+      </p:nvGrpSpPr>
+      <p:grpSpPr>
+        <a:xfrm>
+          <a:off x="0" y="0"/>
+          <a:ext cx="0" cy="0"/>
+          <a:chOff x="0" y="0"/>
+          <a:chExt cx="0" cy="0"/>
+        </a:xfrm>
+      </p:grpSpPr>
+      <p:sp>
+        <p:nvSpPr>
+          <p:cNvPr id="2" name="Title 1">
+            <a:extLst>
+              <a:ext uri="{FF2B5EF4-FFF2-40B4-BE49-F238E27FC236}">
+                <a16:creationId xmlns:a16="http://schemas.microsoft.com/office/drawing/2014/main" id="{C16FF693-5E30-D813-D298-9AB46F923D33}"/>
+              </a:ext>
+            </a:extLst>
+          </p:cNvPr>
+          <p:cNvSpPr>
+            <a:spLocks noGrp="1"/>
+          </p:cNvSpPr>
+          <p:nvPr>
+            <p:ph type="title"/>
+          </p:nvPr>
+        </p:nvSpPr>
+        <p:spPr>
+          <a:xfrm>
+            <a:off x="338666" y="183025"/>
+            <a:ext cx="8421512" cy="769441"/>
+          </a:xfrm>
+        </p:spPr>
+        <p:txBody>
+          <a:bodyPr/>
+          <a:lstStyle/>
+          <a:p>
+            <a:r>
+              <a:rPr lang="en-US" sz="4400" dirty="0"/>
+              <a:t>Example Data Analysis</a:t>
+            </a:r>
+          </a:p>
+        </p:txBody>
+      </p:sp>
+      <p:sp>
+        <p:nvSpPr>
+          <p:cNvPr id="6" name="Content Placeholder 5">
+            <a:extLst>
+              <a:ext uri="{FF2B5EF4-FFF2-40B4-BE49-F238E27FC236}">
+                <a16:creationId xmlns:a16="http://schemas.microsoft.com/office/drawing/2014/main" id="{584FB2EA-A75D-4ADA-B03B-899868167CF9}"/>
+              </a:ext>
+            </a:extLst>
+          </p:cNvPr>
+          <p:cNvSpPr>
+            <a:spLocks noGrp="1"/>
+          </p:cNvSpPr>
+          <p:nvPr>
+            <p:ph idx="1"/>
+          </p:nvPr>
+        </p:nvSpPr>
+        <p:spPr>
+          <a:xfrm>
+            <a:off x="372533" y="952466"/>
+            <a:ext cx="8387645" cy="5595089"/>
+          </a:xfrm>
+        </p:spPr>
+        <p:txBody>
+          <a:bodyPr/>
+          <a:lstStyle/>
+          <a:p>
+            <a:pPr marL="0" indent="0">
+              <a:buNone/>
+            </a:pPr>
+            <a:r>
+              <a:rPr lang="en-US" dirty="0"/>
+              <a:t>No example data is available for this laboratory since this is basically an in-lab exam of your knowledge of chemical reactions and the ability to write and balance chemical equations</a:t>
+            </a:r>
+          </a:p>
+          <a:p>
+            <a:pPr marL="0" indent="0">
+              <a:buNone/>
+            </a:pPr>
+            <a:endParaRPr lang="en-US" dirty="0"/>
+          </a:p>
+          <a:p>
+            <a:pPr marL="0" indent="0">
+              <a:buNone/>
+            </a:pPr>
+            <a:r>
+              <a:rPr lang="en-US" dirty="0"/>
+              <a:t>So giving you the answers directly does not help the learning process</a:t>
+            </a:r>
+          </a:p>
+          <a:p>
+            <a:pPr marL="0" indent="0">
+              <a:buNone/>
+            </a:pPr>
+            <a:endParaRPr lang="en-US" dirty="0"/>
+          </a:p>
+          <a:p>
+            <a:pPr marL="0" indent="0">
+              <a:buNone/>
+            </a:pPr>
+            <a:r>
+              <a:rPr lang="en-US" dirty="0"/>
+              <a:t>After the reports are submitted, the answers will be supplied for the report if they are not provided otherwise during the laboratory session</a:t>
+            </a:r>
+          </a:p>
+        </p:txBody>
+      </p:sp>
+    </p:spTree>
+    <p:extLst>
+      <p:ext uri="{BB962C8B-B14F-4D97-AF65-F5344CB8AC3E}">
+        <p14:creationId xmlns:p14="http://schemas.microsoft.com/office/powerpoint/2010/main" val="2049909912"/>
+      </p:ext>
+    </p:extLst>
+  </p:cSld>
+  <p:clrMapOvr>
+    <a:masterClrMapping/>
+  </p:clrMapOvr>
+</p:sld>
+</file>
+
+<file path=ppt/slides/slide17.xml><?xml version="1.0" encoding="utf-8"?>
 <p:sld xmlns:a="http://schemas.openxmlformats.org/drawingml/2006/main" xmlns:r="http://schemas.openxmlformats.org/officeDocument/2006/relationships" xmlns:p="http://schemas.openxmlformats.org/presentationml/2006/main">
   <p:cSld>
     <p:spTree>
@@ -10954,26 +12506,31 @@
           <a:p>
             <a:r>
               <a:rPr lang="en-US" dirty="0"/>
-              <a:t>The copper sulfide product goes into solids waste container</a:t>
+              <a:t>The contents of the test tubes you make are to be dumped into waste beakers provided at each station</a:t>
             </a:r>
           </a:p>
           <a:p>
             <a:r>
               <a:rPr lang="en-US" dirty="0"/>
-              <a:t>WITHOUT AT ALL GETTING CRUCIBLE WET WITH ANY WATER, wipe crucible with dry paper towel</a:t>
+              <a:t>Wash the Zn pellets with DI water, remove with forceps. The pellets will probably be collected by instructor in larger beaker, rewashed, prepared for drying and later re-use</a:t>
             </a:r>
           </a:p>
           <a:p>
             <a:r>
               <a:rPr lang="en-US" dirty="0"/>
-              <a:t>Use soapy water to clean the watch glass</a:t>
+              <a:t>Most test tubes will likely be put in aqueous inorganic waste</a:t>
             </a:r>
           </a:p>
           <a:p>
             <a:r>
               <a:rPr lang="en-US" dirty="0"/>
-              <a:t>Place all other items in appropriate locations</a:t>
-            </a:r>
+              <a:t>Solids can be flushed from tubes into waste container with minimal </a:t>
+            </a:r>
+            <a:r>
+              <a:rPr lang="en-US"/>
+              <a:t>water flushing</a:t>
+            </a:r>
+            <a:endParaRPr lang="en-US" dirty="0"/>
           </a:p>
         </p:txBody>
       </p:sp>
@@ -11371,11 +12928,993 @@
             </a:pPr>
             <a:r>
               <a:rPr lang="en-US" sz="1800" dirty="0"/>
-              <a:t>Scheme 1 is “what happens with atoms?” Scheme 2 is about process</a:t>
-            </a:r>
+              <a:t>Scheme 1 is “what happens with atoms?”</a:t>
+            </a:r>
+          </a:p>
+          <a:p>
+            <a:pPr marL="0" indent="0">
+              <a:buNone/>
+            </a:pPr>
+            <a:r>
+              <a:rPr lang="en-US" sz="1800" dirty="0"/>
+              <a:t>Double displacement (DD), single displacement (SD), combination, decomposition</a:t>
+            </a:r>
+          </a:p>
+          <a:p>
+            <a:pPr marL="0" indent="0">
+              <a:buNone/>
+            </a:pPr>
+            <a:r>
+              <a:rPr lang="en-US" sz="1800" dirty="0"/>
+              <a:t>Scheme 2 is about process: precipitation (DD), neutralization (DD), gas evolution (DD), dissolution only; redox, combustion</a:t>
+            </a:r>
+          </a:p>
+          <a:p>
+            <a:pPr marL="0" indent="0">
+              <a:buNone/>
+            </a:pPr>
+            <a:endParaRPr lang="en-US" sz="1800" dirty="0"/>
           </a:p>
         </p:txBody>
       </p:sp>
+      <p:graphicFrame>
+        <p:nvGraphicFramePr>
+          <p:cNvPr id="4" name="Table 3">
+            <a:extLst>
+              <a:ext uri="{FF2B5EF4-FFF2-40B4-BE49-F238E27FC236}">
+                <a16:creationId xmlns:a16="http://schemas.microsoft.com/office/drawing/2014/main" id="{269A48BB-8733-17AC-8BF0-0BC20456FF5F}"/>
+              </a:ext>
+            </a:extLst>
+          </p:cNvPr>
+          <p:cNvGraphicFramePr>
+            <a:graphicFrameLocks noGrp="1"/>
+          </p:cNvGraphicFramePr>
+          <p:nvPr>
+            <p:extLst>
+              <p:ext uri="{D42A27DB-BD31-4B8C-83A1-F6EECF244321}">
+                <p14:modId xmlns:p14="http://schemas.microsoft.com/office/powerpoint/2010/main" val="1412805683"/>
+              </p:ext>
+            </p:extLst>
+          </p:nvPr>
+        </p:nvGraphicFramePr>
+        <p:xfrm>
+          <a:off x="565855" y="3340101"/>
+          <a:ext cx="8000999" cy="1076960"/>
+        </p:xfrm>
+        <a:graphic>
+          <a:graphicData uri="http://schemas.openxmlformats.org/drawingml/2006/table">
+            <a:tbl>
+              <a:tblPr firstRow="1" bandRow="1">
+                <a:tableStyleId>{073A0DAA-6AF3-43AB-8588-CEC1D06C72B9}</a:tableStyleId>
+              </a:tblPr>
+              <a:tblGrid>
+                <a:gridCol w="3755572">
+                  <a:extLst>
+                    <a:ext uri="{9D8B030D-6E8A-4147-A177-3AD203B41FA5}">
+                      <a16:colId xmlns:a16="http://schemas.microsoft.com/office/drawing/2014/main" val="3005107910"/>
+                    </a:ext>
+                  </a:extLst>
+                </a:gridCol>
+                <a:gridCol w="424542">
+                  <a:extLst>
+                    <a:ext uri="{9D8B030D-6E8A-4147-A177-3AD203B41FA5}">
+                      <a16:colId xmlns:a16="http://schemas.microsoft.com/office/drawing/2014/main" val="3744328796"/>
+                    </a:ext>
+                  </a:extLst>
+                </a:gridCol>
+                <a:gridCol w="3820885">
+                  <a:extLst>
+                    <a:ext uri="{9D8B030D-6E8A-4147-A177-3AD203B41FA5}">
+                      <a16:colId xmlns:a16="http://schemas.microsoft.com/office/drawing/2014/main" val="3681666652"/>
+                    </a:ext>
+                  </a:extLst>
+                </a:gridCol>
+              </a:tblGrid>
+              <a:tr h="370840">
+                <a:tc gridSpan="3">
+                  <a:txBody>
+                    <a:bodyPr/>
+                    <a:lstStyle/>
+                    <a:p>
+                      <a:pPr marL="0" marR="0" lvl="0" indent="0" algn="l" defTabSz="914400" rtl="0" eaLnBrk="1" fontAlgn="auto" latinLnBrk="0" hangingPunct="1">
+                        <a:lnSpc>
+                          <a:spcPct val="100000"/>
+                        </a:lnSpc>
+                        <a:spcBef>
+                          <a:spcPts val="0"/>
+                        </a:spcBef>
+                        <a:spcAft>
+                          <a:spcPts val="0"/>
+                        </a:spcAft>
+                        <a:buClrTx/>
+                        <a:buSzTx/>
+                        <a:buFontTx/>
+                        <a:buNone/>
+                        <a:tabLst/>
+                        <a:defRPr/>
+                      </a:pPr>
+                      <a:r>
+                        <a:rPr lang="en-US" sz="1800" dirty="0"/>
+                        <a:t>Precipitation</a:t>
+                      </a:r>
+                    </a:p>
+                  </a:txBody>
+                  <a:tcPr/>
+                </a:tc>
+                <a:tc hMerge="1">
+                  <a:txBody>
+                    <a:bodyPr/>
+                    <a:lstStyle/>
+                    <a:p>
+                      <a:endParaRPr lang="en-US" dirty="0"/>
+                    </a:p>
+                  </a:txBody>
+                  <a:tcPr/>
+                </a:tc>
+                <a:tc hMerge="1">
+                  <a:txBody>
+                    <a:bodyPr/>
+                    <a:lstStyle/>
+                    <a:p>
+                      <a:endParaRPr lang="en-US" dirty="0"/>
+                    </a:p>
+                  </a:txBody>
+                  <a:tcPr/>
+                </a:tc>
+                <a:extLst>
+                  <a:ext uri="{0D108BD9-81ED-4DB2-BD59-A6C34878D82A}">
+                    <a16:rowId xmlns:a16="http://schemas.microsoft.com/office/drawing/2014/main" val="3606507504"/>
+                  </a:ext>
+                </a:extLst>
+              </a:tr>
+              <a:tr h="0">
+                <a:tc>
+                  <a:txBody>
+                    <a:bodyPr/>
+                    <a:lstStyle/>
+                    <a:p>
+                      <a:pPr algn="r"/>
+                      <a:r>
+                        <a:rPr lang="en-US" sz="1600" dirty="0">
+                          <a:solidFill>
+                            <a:srgbClr val="0070C0"/>
+                          </a:solidFill>
+                        </a:rPr>
+                        <a:t>Salt</a:t>
+                      </a:r>
+                      <a:r>
+                        <a:rPr lang="en-US" sz="1600" dirty="0"/>
+                        <a:t> (</a:t>
+                      </a:r>
+                      <a:r>
+                        <a:rPr lang="en-US" sz="1600" i="1" dirty="0" err="1"/>
+                        <a:t>aq</a:t>
+                      </a:r>
+                      <a:r>
+                        <a:rPr lang="en-US" sz="1600" dirty="0"/>
+                        <a:t>) + </a:t>
+                      </a:r>
+                      <a:r>
+                        <a:rPr lang="en-US" sz="1600" dirty="0">
+                          <a:solidFill>
+                            <a:srgbClr val="0070C0"/>
+                          </a:solidFill>
+                        </a:rPr>
+                        <a:t>Salt</a:t>
+                      </a:r>
+                      <a:r>
+                        <a:rPr lang="en-US" sz="1600" dirty="0"/>
+                        <a:t> (</a:t>
+                      </a:r>
+                      <a:r>
+                        <a:rPr lang="en-US" sz="1600" i="1" dirty="0" err="1"/>
+                        <a:t>aq</a:t>
+                      </a:r>
+                      <a:r>
+                        <a:rPr lang="en-US" sz="1600" dirty="0"/>
+                        <a:t>)</a:t>
+                      </a:r>
+                    </a:p>
+                  </a:txBody>
+                  <a:tcPr/>
+                </a:tc>
+                <a:tc>
+                  <a:txBody>
+                    <a:bodyPr/>
+                    <a:lstStyle/>
+                    <a:p>
+                      <a:r>
+                        <a:rPr lang="en-US" sz="1600" dirty="0">
+                          <a:sym typeface="Wingdings" panose="05000000000000000000" pitchFamily="2" charset="2"/>
+                        </a:rPr>
+                        <a:t></a:t>
+                      </a:r>
+                      <a:endParaRPr lang="en-US" sz="1600" dirty="0"/>
+                    </a:p>
+                  </a:txBody>
+                  <a:tcPr/>
+                </a:tc>
+                <a:tc>
+                  <a:txBody>
+                    <a:bodyPr/>
+                    <a:lstStyle/>
+                    <a:p>
+                      <a:pPr marL="0" marR="0" lvl="0" indent="0" algn="l" defTabSz="914400" rtl="0" eaLnBrk="1" fontAlgn="auto" latinLnBrk="0" hangingPunct="1">
+                        <a:lnSpc>
+                          <a:spcPct val="100000"/>
+                        </a:lnSpc>
+                        <a:spcBef>
+                          <a:spcPts val="0"/>
+                        </a:spcBef>
+                        <a:spcAft>
+                          <a:spcPts val="0"/>
+                        </a:spcAft>
+                        <a:buClrTx/>
+                        <a:buSzTx/>
+                        <a:buFontTx/>
+                        <a:buNone/>
+                        <a:tabLst/>
+                        <a:defRPr/>
+                      </a:pPr>
+                      <a:r>
+                        <a:rPr lang="en-US" sz="1600" dirty="0">
+                          <a:solidFill>
+                            <a:srgbClr val="0070C0"/>
+                          </a:solidFill>
+                          <a:sym typeface="Wingdings" panose="05000000000000000000" pitchFamily="2" charset="2"/>
+                        </a:rPr>
+                        <a:t>New</a:t>
+                      </a:r>
+                      <a:r>
+                        <a:rPr lang="en-US" sz="1600" dirty="0">
+                          <a:sym typeface="Wingdings" panose="05000000000000000000" pitchFamily="2" charset="2"/>
+                        </a:rPr>
+                        <a:t> </a:t>
+                      </a:r>
+                      <a:r>
+                        <a:rPr lang="en-US" sz="1600" dirty="0">
+                          <a:solidFill>
+                            <a:srgbClr val="0070C0"/>
+                          </a:solidFill>
+                          <a:sym typeface="Wingdings" panose="05000000000000000000" pitchFamily="2" charset="2"/>
+                        </a:rPr>
+                        <a:t>Salt</a:t>
+                      </a:r>
+                      <a:r>
+                        <a:rPr lang="en-US" sz="1600" dirty="0">
+                          <a:sym typeface="Wingdings" panose="05000000000000000000" pitchFamily="2" charset="2"/>
+                        </a:rPr>
+                        <a:t> (</a:t>
+                      </a:r>
+                      <a:r>
+                        <a:rPr lang="en-US" sz="1600" i="1" dirty="0">
+                          <a:sym typeface="Wingdings" panose="05000000000000000000" pitchFamily="2" charset="2"/>
+                        </a:rPr>
+                        <a:t>s</a:t>
+                      </a:r>
+                      <a:r>
+                        <a:rPr lang="en-US" sz="1600" dirty="0">
+                          <a:sym typeface="Wingdings" panose="05000000000000000000" pitchFamily="2" charset="2"/>
+                        </a:rPr>
+                        <a:t>) + </a:t>
+                      </a:r>
+                      <a:r>
+                        <a:rPr lang="en-US" sz="1600" dirty="0">
+                          <a:solidFill>
+                            <a:srgbClr val="0070C0"/>
+                          </a:solidFill>
+                          <a:sym typeface="Wingdings" panose="05000000000000000000" pitchFamily="2" charset="2"/>
+                        </a:rPr>
+                        <a:t>New</a:t>
+                      </a:r>
+                      <a:r>
+                        <a:rPr lang="en-US" sz="1600" dirty="0">
+                          <a:sym typeface="Wingdings" panose="05000000000000000000" pitchFamily="2" charset="2"/>
+                        </a:rPr>
+                        <a:t> </a:t>
+                      </a:r>
+                      <a:r>
+                        <a:rPr lang="en-US" sz="1600" dirty="0">
+                          <a:solidFill>
+                            <a:srgbClr val="0070C0"/>
+                          </a:solidFill>
+                          <a:sym typeface="Wingdings" panose="05000000000000000000" pitchFamily="2" charset="2"/>
+                        </a:rPr>
+                        <a:t>Salt</a:t>
+                      </a:r>
+                      <a:r>
+                        <a:rPr lang="en-US" sz="1600" dirty="0">
+                          <a:sym typeface="Wingdings" panose="05000000000000000000" pitchFamily="2" charset="2"/>
+                        </a:rPr>
+                        <a:t> (</a:t>
+                      </a:r>
+                      <a:r>
+                        <a:rPr lang="en-US" sz="1600" i="1" dirty="0" err="1">
+                          <a:sym typeface="Wingdings" panose="05000000000000000000" pitchFamily="2" charset="2"/>
+                        </a:rPr>
+                        <a:t>aq</a:t>
+                      </a:r>
+                      <a:r>
+                        <a:rPr lang="en-US" sz="1600" dirty="0">
+                          <a:sym typeface="Wingdings" panose="05000000000000000000" pitchFamily="2" charset="2"/>
+                        </a:rPr>
+                        <a:t>)</a:t>
+                      </a:r>
+                      <a:endParaRPr lang="en-US" sz="1600" dirty="0"/>
+                    </a:p>
+                  </a:txBody>
+                  <a:tcPr/>
+                </a:tc>
+                <a:extLst>
+                  <a:ext uri="{0D108BD9-81ED-4DB2-BD59-A6C34878D82A}">
+                    <a16:rowId xmlns:a16="http://schemas.microsoft.com/office/drawing/2014/main" val="3957596281"/>
+                  </a:ext>
+                </a:extLst>
+              </a:tr>
+              <a:tr h="370840">
+                <a:tc>
+                  <a:txBody>
+                    <a:bodyPr/>
+                    <a:lstStyle/>
+                    <a:p>
+                      <a:pPr marL="0" marR="0" lvl="0" indent="0" algn="r" defTabSz="914400" rtl="0" eaLnBrk="1" fontAlgn="auto" latinLnBrk="0" hangingPunct="1">
+                        <a:lnSpc>
+                          <a:spcPct val="100000"/>
+                        </a:lnSpc>
+                        <a:spcBef>
+                          <a:spcPts val="0"/>
+                        </a:spcBef>
+                        <a:spcAft>
+                          <a:spcPts val="0"/>
+                        </a:spcAft>
+                        <a:buClrTx/>
+                        <a:buSzTx/>
+                        <a:buFontTx/>
+                        <a:buNone/>
+                        <a:tabLst/>
+                        <a:defRPr/>
+                      </a:pPr>
+                      <a:r>
+                        <a:rPr lang="en-US" sz="1800" dirty="0">
+                          <a:sym typeface="Wingdings" panose="05000000000000000000" pitchFamily="2" charset="2"/>
+                        </a:rPr>
+                        <a:t>2 NaCl (</a:t>
+                      </a:r>
+                      <a:r>
+                        <a:rPr lang="en-US" sz="1800" i="1" dirty="0" err="1">
+                          <a:sym typeface="Wingdings" panose="05000000000000000000" pitchFamily="2" charset="2"/>
+                        </a:rPr>
+                        <a:t>aq</a:t>
+                      </a:r>
+                      <a:r>
+                        <a:rPr lang="en-US" sz="1800" dirty="0">
+                          <a:sym typeface="Wingdings" panose="05000000000000000000" pitchFamily="2" charset="2"/>
+                        </a:rPr>
+                        <a:t>) + Pb(NO</a:t>
+                      </a:r>
+                      <a:r>
+                        <a:rPr lang="en-US" sz="1800" baseline="-25000" dirty="0">
+                          <a:sym typeface="Wingdings" panose="05000000000000000000" pitchFamily="2" charset="2"/>
+                        </a:rPr>
+                        <a:t>3</a:t>
+                      </a:r>
+                      <a:r>
+                        <a:rPr lang="en-US" sz="1800" dirty="0">
+                          <a:sym typeface="Wingdings" panose="05000000000000000000" pitchFamily="2" charset="2"/>
+                        </a:rPr>
+                        <a:t>)</a:t>
+                      </a:r>
+                      <a:r>
+                        <a:rPr lang="en-US" sz="1800" baseline="-25000" dirty="0">
+                          <a:sym typeface="Wingdings" panose="05000000000000000000" pitchFamily="2" charset="2"/>
+                        </a:rPr>
+                        <a:t>2</a:t>
+                      </a:r>
+                      <a:r>
+                        <a:rPr lang="en-US" sz="1800" dirty="0">
+                          <a:sym typeface="Wingdings" panose="05000000000000000000" pitchFamily="2" charset="2"/>
+                        </a:rPr>
+                        <a:t> (</a:t>
+                      </a:r>
+                      <a:r>
+                        <a:rPr lang="en-US" sz="1800" i="1" dirty="0" err="1">
+                          <a:sym typeface="Wingdings" panose="05000000000000000000" pitchFamily="2" charset="2"/>
+                        </a:rPr>
+                        <a:t>aq</a:t>
+                      </a:r>
+                      <a:r>
+                        <a:rPr lang="en-US" sz="1800" dirty="0">
+                          <a:sym typeface="Wingdings" panose="05000000000000000000" pitchFamily="2" charset="2"/>
+                        </a:rPr>
+                        <a:t>)</a:t>
+                      </a:r>
+                      <a:endParaRPr lang="en-US" dirty="0"/>
+                    </a:p>
+                  </a:txBody>
+                  <a:tcPr/>
+                </a:tc>
+                <a:tc>
+                  <a:txBody>
+                    <a:bodyPr/>
+                    <a:lstStyle/>
+                    <a:p>
+                      <a:pPr marL="0" marR="0" lvl="0" indent="0" algn="l" defTabSz="914400" rtl="0" eaLnBrk="1" fontAlgn="auto" latinLnBrk="0" hangingPunct="1">
+                        <a:lnSpc>
+                          <a:spcPct val="100000"/>
+                        </a:lnSpc>
+                        <a:spcBef>
+                          <a:spcPts val="0"/>
+                        </a:spcBef>
+                        <a:spcAft>
+                          <a:spcPts val="0"/>
+                        </a:spcAft>
+                        <a:buClrTx/>
+                        <a:buSzTx/>
+                        <a:buFontTx/>
+                        <a:buNone/>
+                        <a:tabLst/>
+                        <a:defRPr/>
+                      </a:pPr>
+                      <a:r>
+                        <a:rPr lang="en-US" sz="1800" dirty="0">
+                          <a:sym typeface="Wingdings" panose="05000000000000000000" pitchFamily="2" charset="2"/>
+                        </a:rPr>
+                        <a:t></a:t>
+                      </a:r>
+                      <a:endParaRPr lang="en-US" dirty="0"/>
+                    </a:p>
+                  </a:txBody>
+                  <a:tcPr/>
+                </a:tc>
+                <a:tc>
+                  <a:txBody>
+                    <a:bodyPr/>
+                    <a:lstStyle/>
+                    <a:p>
+                      <a:pPr marL="0" marR="0" lvl="0" indent="0" algn="l" defTabSz="914400" rtl="0" eaLnBrk="1" fontAlgn="auto" latinLnBrk="0" hangingPunct="1">
+                        <a:lnSpc>
+                          <a:spcPct val="100000"/>
+                        </a:lnSpc>
+                        <a:spcBef>
+                          <a:spcPts val="0"/>
+                        </a:spcBef>
+                        <a:spcAft>
+                          <a:spcPts val="0"/>
+                        </a:spcAft>
+                        <a:buClrTx/>
+                        <a:buSzTx/>
+                        <a:buFontTx/>
+                        <a:buNone/>
+                        <a:tabLst/>
+                        <a:defRPr/>
+                      </a:pPr>
+                      <a:r>
+                        <a:rPr lang="en-US" sz="1800" dirty="0">
+                          <a:sym typeface="Wingdings" panose="05000000000000000000" pitchFamily="2" charset="2"/>
+                        </a:rPr>
+                        <a:t>PbCl</a:t>
+                      </a:r>
+                      <a:r>
+                        <a:rPr lang="en-US" sz="1800" baseline="-25000" dirty="0">
+                          <a:sym typeface="Wingdings" panose="05000000000000000000" pitchFamily="2" charset="2"/>
+                        </a:rPr>
+                        <a:t>2</a:t>
+                      </a:r>
+                      <a:r>
+                        <a:rPr lang="en-US" sz="1800" dirty="0">
+                          <a:sym typeface="Wingdings" panose="05000000000000000000" pitchFamily="2" charset="2"/>
+                        </a:rPr>
+                        <a:t> (</a:t>
+                      </a:r>
+                      <a:r>
+                        <a:rPr lang="en-US" sz="1800" i="1" dirty="0" err="1">
+                          <a:sym typeface="Wingdings" panose="05000000000000000000" pitchFamily="2" charset="2"/>
+                        </a:rPr>
+                        <a:t>aq</a:t>
+                      </a:r>
+                      <a:r>
+                        <a:rPr lang="en-US" sz="1800" dirty="0">
+                          <a:sym typeface="Wingdings" panose="05000000000000000000" pitchFamily="2" charset="2"/>
+                        </a:rPr>
+                        <a:t>) + 2 NaNO</a:t>
+                      </a:r>
+                      <a:r>
+                        <a:rPr lang="en-US" sz="1800" baseline="-25000" dirty="0">
+                          <a:sym typeface="Wingdings" panose="05000000000000000000" pitchFamily="2" charset="2"/>
+                        </a:rPr>
+                        <a:t>3</a:t>
+                      </a:r>
+                      <a:r>
+                        <a:rPr lang="en-US" sz="1800" dirty="0">
+                          <a:sym typeface="Wingdings" panose="05000000000000000000" pitchFamily="2" charset="2"/>
+                        </a:rPr>
+                        <a:t> (</a:t>
+                      </a:r>
+                      <a:r>
+                        <a:rPr lang="en-US" sz="1800" i="1" dirty="0" err="1">
+                          <a:sym typeface="Wingdings" panose="05000000000000000000" pitchFamily="2" charset="2"/>
+                        </a:rPr>
+                        <a:t>aq</a:t>
+                      </a:r>
+                      <a:r>
+                        <a:rPr lang="en-US" sz="1800" dirty="0">
+                          <a:sym typeface="Wingdings" panose="05000000000000000000" pitchFamily="2" charset="2"/>
+                        </a:rPr>
+                        <a:t>)</a:t>
+                      </a:r>
+                      <a:endParaRPr lang="en-US" dirty="0"/>
+                    </a:p>
+                  </a:txBody>
+                  <a:tcPr/>
+                </a:tc>
+                <a:extLst>
+                  <a:ext uri="{0D108BD9-81ED-4DB2-BD59-A6C34878D82A}">
+                    <a16:rowId xmlns:a16="http://schemas.microsoft.com/office/drawing/2014/main" val="1860315577"/>
+                  </a:ext>
+                </a:extLst>
+              </a:tr>
+            </a:tbl>
+          </a:graphicData>
+        </a:graphic>
+      </p:graphicFrame>
+      <p:graphicFrame>
+        <p:nvGraphicFramePr>
+          <p:cNvPr id="5" name="Table 4">
+            <a:extLst>
+              <a:ext uri="{FF2B5EF4-FFF2-40B4-BE49-F238E27FC236}">
+                <a16:creationId xmlns:a16="http://schemas.microsoft.com/office/drawing/2014/main" id="{2B77C2AC-EAD0-5E2C-83D3-950D74E1B961}"/>
+              </a:ext>
+            </a:extLst>
+          </p:cNvPr>
+          <p:cNvGraphicFramePr>
+            <a:graphicFrameLocks noGrp="1"/>
+          </p:cNvGraphicFramePr>
+          <p:nvPr>
+            <p:extLst>
+              <p:ext uri="{D42A27DB-BD31-4B8C-83A1-F6EECF244321}">
+                <p14:modId xmlns:p14="http://schemas.microsoft.com/office/powerpoint/2010/main" val="4126703336"/>
+              </p:ext>
+            </p:extLst>
+          </p:nvPr>
+        </p:nvGraphicFramePr>
+        <p:xfrm>
+          <a:off x="565854" y="4777016"/>
+          <a:ext cx="8000999" cy="1076960"/>
+        </p:xfrm>
+        <a:graphic>
+          <a:graphicData uri="http://schemas.openxmlformats.org/drawingml/2006/table">
+            <a:tbl>
+              <a:tblPr firstRow="1" bandRow="1">
+                <a:tableStyleId>{073A0DAA-6AF3-43AB-8588-CEC1D06C72B9}</a:tableStyleId>
+              </a:tblPr>
+              <a:tblGrid>
+                <a:gridCol w="3755572">
+                  <a:extLst>
+                    <a:ext uri="{9D8B030D-6E8A-4147-A177-3AD203B41FA5}">
+                      <a16:colId xmlns:a16="http://schemas.microsoft.com/office/drawing/2014/main" val="3005107910"/>
+                    </a:ext>
+                  </a:extLst>
+                </a:gridCol>
+                <a:gridCol w="424542">
+                  <a:extLst>
+                    <a:ext uri="{9D8B030D-6E8A-4147-A177-3AD203B41FA5}">
+                      <a16:colId xmlns:a16="http://schemas.microsoft.com/office/drawing/2014/main" val="3744328796"/>
+                    </a:ext>
+                  </a:extLst>
+                </a:gridCol>
+                <a:gridCol w="3820885">
+                  <a:extLst>
+                    <a:ext uri="{9D8B030D-6E8A-4147-A177-3AD203B41FA5}">
+                      <a16:colId xmlns:a16="http://schemas.microsoft.com/office/drawing/2014/main" val="3681666652"/>
+                    </a:ext>
+                  </a:extLst>
+                </a:gridCol>
+              </a:tblGrid>
+              <a:tr h="370840">
+                <a:tc gridSpan="3">
+                  <a:txBody>
+                    <a:bodyPr/>
+                    <a:lstStyle/>
+                    <a:p>
+                      <a:pPr marL="0" marR="0" lvl="0" indent="0" algn="l" defTabSz="914400" rtl="0" eaLnBrk="1" fontAlgn="auto" latinLnBrk="0" hangingPunct="1">
+                        <a:lnSpc>
+                          <a:spcPct val="100000"/>
+                        </a:lnSpc>
+                        <a:spcBef>
+                          <a:spcPts val="0"/>
+                        </a:spcBef>
+                        <a:spcAft>
+                          <a:spcPts val="0"/>
+                        </a:spcAft>
+                        <a:buClrTx/>
+                        <a:buSzTx/>
+                        <a:buFontTx/>
+                        <a:buNone/>
+                        <a:tabLst/>
+                        <a:defRPr/>
+                      </a:pPr>
+                      <a:r>
+                        <a:rPr lang="en-US" sz="1800" dirty="0"/>
+                        <a:t>Acid-Base / Neutralization</a:t>
+                      </a:r>
+                    </a:p>
+                  </a:txBody>
+                  <a:tcPr/>
+                </a:tc>
+                <a:tc hMerge="1">
+                  <a:txBody>
+                    <a:bodyPr/>
+                    <a:lstStyle/>
+                    <a:p>
+                      <a:endParaRPr lang="en-US" dirty="0"/>
+                    </a:p>
+                  </a:txBody>
+                  <a:tcPr/>
+                </a:tc>
+                <a:tc hMerge="1">
+                  <a:txBody>
+                    <a:bodyPr/>
+                    <a:lstStyle/>
+                    <a:p>
+                      <a:endParaRPr lang="en-US" dirty="0"/>
+                    </a:p>
+                  </a:txBody>
+                  <a:tcPr/>
+                </a:tc>
+                <a:extLst>
+                  <a:ext uri="{0D108BD9-81ED-4DB2-BD59-A6C34878D82A}">
+                    <a16:rowId xmlns:a16="http://schemas.microsoft.com/office/drawing/2014/main" val="3606507504"/>
+                  </a:ext>
+                </a:extLst>
+              </a:tr>
+              <a:tr h="0">
+                <a:tc>
+                  <a:txBody>
+                    <a:bodyPr/>
+                    <a:lstStyle/>
+                    <a:p>
+                      <a:pPr algn="r"/>
+                      <a:r>
+                        <a:rPr lang="en-US" sz="1600" dirty="0">
+                          <a:solidFill>
+                            <a:srgbClr val="0070C0"/>
+                          </a:solidFill>
+                        </a:rPr>
+                        <a:t>Acid</a:t>
+                      </a:r>
+                      <a:r>
+                        <a:rPr lang="en-US" sz="1600" dirty="0"/>
+                        <a:t> (</a:t>
+                      </a:r>
+                      <a:r>
+                        <a:rPr lang="en-US" sz="1600" i="1" dirty="0" err="1"/>
+                        <a:t>aq</a:t>
+                      </a:r>
+                      <a:r>
+                        <a:rPr lang="en-US" sz="1600" dirty="0"/>
+                        <a:t>) + </a:t>
+                      </a:r>
+                      <a:r>
+                        <a:rPr lang="en-US" sz="1600" dirty="0">
+                          <a:solidFill>
+                            <a:srgbClr val="0070C0"/>
+                          </a:solidFill>
+                        </a:rPr>
+                        <a:t>Base</a:t>
+                      </a:r>
+                      <a:r>
+                        <a:rPr lang="en-US" sz="1600" dirty="0"/>
+                        <a:t> (</a:t>
+                      </a:r>
+                      <a:r>
+                        <a:rPr lang="en-US" sz="1600" i="1" dirty="0" err="1"/>
+                        <a:t>aq</a:t>
+                      </a:r>
+                      <a:r>
+                        <a:rPr lang="en-US" sz="1600" dirty="0"/>
+                        <a:t>)</a:t>
+                      </a:r>
+                    </a:p>
+                  </a:txBody>
+                  <a:tcPr/>
+                </a:tc>
+                <a:tc>
+                  <a:txBody>
+                    <a:bodyPr/>
+                    <a:lstStyle/>
+                    <a:p>
+                      <a:r>
+                        <a:rPr lang="en-US" sz="1600" dirty="0">
+                          <a:sym typeface="Wingdings" panose="05000000000000000000" pitchFamily="2" charset="2"/>
+                        </a:rPr>
+                        <a:t></a:t>
+                      </a:r>
+                      <a:endParaRPr lang="en-US" sz="1600" dirty="0"/>
+                    </a:p>
+                  </a:txBody>
+                  <a:tcPr/>
+                </a:tc>
+                <a:tc>
+                  <a:txBody>
+                    <a:bodyPr/>
+                    <a:lstStyle/>
+                    <a:p>
+                      <a:pPr marL="0" marR="0" lvl="0" indent="0" algn="l" defTabSz="914400" rtl="0" eaLnBrk="1" fontAlgn="auto" latinLnBrk="0" hangingPunct="1">
+                        <a:lnSpc>
+                          <a:spcPct val="100000"/>
+                        </a:lnSpc>
+                        <a:spcBef>
+                          <a:spcPts val="0"/>
+                        </a:spcBef>
+                        <a:spcAft>
+                          <a:spcPts val="0"/>
+                        </a:spcAft>
+                        <a:buClrTx/>
+                        <a:buSzTx/>
+                        <a:buFontTx/>
+                        <a:buNone/>
+                        <a:tabLst/>
+                        <a:defRPr/>
+                      </a:pPr>
+                      <a:r>
+                        <a:rPr lang="en-US" sz="1600" dirty="0">
+                          <a:solidFill>
+                            <a:srgbClr val="0070C0"/>
+                          </a:solidFill>
+                          <a:sym typeface="Wingdings" panose="05000000000000000000" pitchFamily="2" charset="2"/>
+                        </a:rPr>
+                        <a:t>Salt</a:t>
+                      </a:r>
+                      <a:r>
+                        <a:rPr lang="en-US" sz="1600" dirty="0">
+                          <a:sym typeface="Wingdings" panose="05000000000000000000" pitchFamily="2" charset="2"/>
+                        </a:rPr>
+                        <a:t> (</a:t>
+                      </a:r>
+                      <a:r>
+                        <a:rPr lang="en-US" sz="1600" i="1" dirty="0" err="1">
+                          <a:sym typeface="Wingdings" panose="05000000000000000000" pitchFamily="2" charset="2"/>
+                        </a:rPr>
+                        <a:t>aq</a:t>
+                      </a:r>
+                      <a:r>
+                        <a:rPr lang="en-US" sz="1600" dirty="0">
+                          <a:sym typeface="Wingdings" panose="05000000000000000000" pitchFamily="2" charset="2"/>
+                        </a:rPr>
+                        <a:t>) + </a:t>
+                      </a:r>
+                      <a:r>
+                        <a:rPr lang="en-US" sz="1600" dirty="0">
+                          <a:solidFill>
+                            <a:srgbClr val="0070C0"/>
+                          </a:solidFill>
+                          <a:sym typeface="Wingdings" panose="05000000000000000000" pitchFamily="2" charset="2"/>
+                        </a:rPr>
+                        <a:t>Water </a:t>
+                      </a:r>
+                      <a:r>
+                        <a:rPr lang="en-US" sz="1600" dirty="0">
+                          <a:sym typeface="Wingdings" panose="05000000000000000000" pitchFamily="2" charset="2"/>
+                        </a:rPr>
+                        <a:t>(</a:t>
+                      </a:r>
+                      <a:r>
+                        <a:rPr lang="en-US" sz="1600" i="1" dirty="0">
+                          <a:sym typeface="Wingdings" panose="05000000000000000000" pitchFamily="2" charset="2"/>
+                        </a:rPr>
+                        <a:t>l</a:t>
+                      </a:r>
+                      <a:r>
+                        <a:rPr lang="en-US" sz="1600" dirty="0">
+                          <a:sym typeface="Wingdings" panose="05000000000000000000" pitchFamily="2" charset="2"/>
+                        </a:rPr>
+                        <a:t>)</a:t>
+                      </a:r>
+                      <a:endParaRPr lang="en-US" sz="1600" dirty="0"/>
+                    </a:p>
+                  </a:txBody>
+                  <a:tcPr/>
+                </a:tc>
+                <a:extLst>
+                  <a:ext uri="{0D108BD9-81ED-4DB2-BD59-A6C34878D82A}">
+                    <a16:rowId xmlns:a16="http://schemas.microsoft.com/office/drawing/2014/main" val="3957596281"/>
+                  </a:ext>
+                </a:extLst>
+              </a:tr>
+              <a:tr h="370840">
+                <a:tc>
+                  <a:txBody>
+                    <a:bodyPr/>
+                    <a:lstStyle/>
+                    <a:p>
+                      <a:pPr marL="0" marR="0" lvl="0" indent="0" algn="r" defTabSz="914400" rtl="0" eaLnBrk="1" fontAlgn="auto" latinLnBrk="0" hangingPunct="1">
+                        <a:lnSpc>
+                          <a:spcPct val="100000"/>
+                        </a:lnSpc>
+                        <a:spcBef>
+                          <a:spcPts val="0"/>
+                        </a:spcBef>
+                        <a:spcAft>
+                          <a:spcPts val="0"/>
+                        </a:spcAft>
+                        <a:buClrTx/>
+                        <a:buSzTx/>
+                        <a:buFontTx/>
+                        <a:buNone/>
+                        <a:tabLst/>
+                        <a:defRPr/>
+                      </a:pPr>
+                      <a:r>
+                        <a:rPr lang="en-US" sz="1800" dirty="0">
+                          <a:sym typeface="Wingdings" panose="05000000000000000000" pitchFamily="2" charset="2"/>
+                        </a:rPr>
+                        <a:t>HNO</a:t>
+                      </a:r>
+                      <a:r>
+                        <a:rPr lang="en-US" sz="1800" baseline="-25000" dirty="0">
+                          <a:sym typeface="Wingdings" panose="05000000000000000000" pitchFamily="2" charset="2"/>
+                        </a:rPr>
+                        <a:t>3</a:t>
+                      </a:r>
+                      <a:r>
+                        <a:rPr lang="en-US" sz="1800" dirty="0">
+                          <a:sym typeface="Wingdings" panose="05000000000000000000" pitchFamily="2" charset="2"/>
+                        </a:rPr>
+                        <a:t> (</a:t>
+                      </a:r>
+                      <a:r>
+                        <a:rPr lang="en-US" sz="1800" i="1" dirty="0" err="1">
+                          <a:sym typeface="Wingdings" panose="05000000000000000000" pitchFamily="2" charset="2"/>
+                        </a:rPr>
+                        <a:t>aq</a:t>
+                      </a:r>
+                      <a:r>
+                        <a:rPr lang="en-US" sz="1800" dirty="0">
+                          <a:sym typeface="Wingdings" panose="05000000000000000000" pitchFamily="2" charset="2"/>
+                        </a:rPr>
+                        <a:t>) + KOH (</a:t>
+                      </a:r>
+                      <a:r>
+                        <a:rPr lang="en-US" sz="1800" i="1" dirty="0" err="1">
+                          <a:sym typeface="Wingdings" panose="05000000000000000000" pitchFamily="2" charset="2"/>
+                        </a:rPr>
+                        <a:t>aq</a:t>
+                      </a:r>
+                      <a:r>
+                        <a:rPr lang="en-US" sz="1800" dirty="0">
+                          <a:sym typeface="Wingdings" panose="05000000000000000000" pitchFamily="2" charset="2"/>
+                        </a:rPr>
+                        <a:t>)</a:t>
+                      </a:r>
+                      <a:endParaRPr lang="en-US" dirty="0"/>
+                    </a:p>
+                  </a:txBody>
+                  <a:tcPr/>
+                </a:tc>
+                <a:tc>
+                  <a:txBody>
+                    <a:bodyPr/>
+                    <a:lstStyle/>
+                    <a:p>
+                      <a:pPr marL="0" marR="0" lvl="0" indent="0" algn="l" defTabSz="914400" rtl="0" eaLnBrk="1" fontAlgn="auto" latinLnBrk="0" hangingPunct="1">
+                        <a:lnSpc>
+                          <a:spcPct val="100000"/>
+                        </a:lnSpc>
+                        <a:spcBef>
+                          <a:spcPts val="0"/>
+                        </a:spcBef>
+                        <a:spcAft>
+                          <a:spcPts val="0"/>
+                        </a:spcAft>
+                        <a:buClrTx/>
+                        <a:buSzTx/>
+                        <a:buFontTx/>
+                        <a:buNone/>
+                        <a:tabLst/>
+                        <a:defRPr/>
+                      </a:pPr>
+                      <a:r>
+                        <a:rPr lang="en-US" sz="1800" dirty="0">
+                          <a:sym typeface="Wingdings" panose="05000000000000000000" pitchFamily="2" charset="2"/>
+                        </a:rPr>
+                        <a:t></a:t>
+                      </a:r>
+                      <a:endParaRPr lang="en-US" dirty="0"/>
+                    </a:p>
+                  </a:txBody>
+                  <a:tcPr/>
+                </a:tc>
+                <a:tc>
+                  <a:txBody>
+                    <a:bodyPr/>
+                    <a:lstStyle/>
+                    <a:p>
+                      <a:pPr marL="0" marR="0" lvl="0" indent="0" algn="l" defTabSz="914400" rtl="0" eaLnBrk="1" fontAlgn="auto" latinLnBrk="0" hangingPunct="1">
+                        <a:lnSpc>
+                          <a:spcPct val="100000"/>
+                        </a:lnSpc>
+                        <a:spcBef>
+                          <a:spcPts val="0"/>
+                        </a:spcBef>
+                        <a:spcAft>
+                          <a:spcPts val="0"/>
+                        </a:spcAft>
+                        <a:buClrTx/>
+                        <a:buSzTx/>
+                        <a:buFontTx/>
+                        <a:buNone/>
+                        <a:tabLst/>
+                        <a:defRPr/>
+                      </a:pPr>
+                      <a:r>
+                        <a:rPr lang="en-US" sz="1800" dirty="0">
+                          <a:sym typeface="Wingdings" panose="05000000000000000000" pitchFamily="2" charset="2"/>
+                        </a:rPr>
+                        <a:t>KNO</a:t>
+                      </a:r>
+                      <a:r>
+                        <a:rPr lang="en-US" sz="1800" baseline="-25000" dirty="0">
+                          <a:sym typeface="Wingdings" panose="05000000000000000000" pitchFamily="2" charset="2"/>
+                        </a:rPr>
+                        <a:t>3</a:t>
+                      </a:r>
+                      <a:r>
+                        <a:rPr lang="en-US" sz="1800" dirty="0">
+                          <a:sym typeface="Wingdings" panose="05000000000000000000" pitchFamily="2" charset="2"/>
+                        </a:rPr>
+                        <a:t> (</a:t>
+                      </a:r>
+                      <a:r>
+                        <a:rPr lang="en-US" sz="1800" i="1" dirty="0" err="1">
+                          <a:sym typeface="Wingdings" panose="05000000000000000000" pitchFamily="2" charset="2"/>
+                        </a:rPr>
+                        <a:t>aq</a:t>
+                      </a:r>
+                      <a:r>
+                        <a:rPr lang="en-US" sz="1800" dirty="0">
+                          <a:sym typeface="Wingdings" panose="05000000000000000000" pitchFamily="2" charset="2"/>
+                        </a:rPr>
+                        <a:t>) + H</a:t>
+                      </a:r>
+                      <a:r>
+                        <a:rPr lang="en-US" sz="1800" baseline="-25000" dirty="0">
+                          <a:sym typeface="Wingdings" panose="05000000000000000000" pitchFamily="2" charset="2"/>
+                        </a:rPr>
+                        <a:t>2</a:t>
+                      </a:r>
+                      <a:r>
+                        <a:rPr lang="en-US" sz="1800" dirty="0">
+                          <a:sym typeface="Wingdings" panose="05000000000000000000" pitchFamily="2" charset="2"/>
+                        </a:rPr>
+                        <a:t>O (</a:t>
+                      </a:r>
+                      <a:r>
+                        <a:rPr lang="en-US" sz="1800" i="1" dirty="0">
+                          <a:sym typeface="Wingdings" panose="05000000000000000000" pitchFamily="2" charset="2"/>
+                        </a:rPr>
+                        <a:t>l</a:t>
+                      </a:r>
+                      <a:r>
+                        <a:rPr lang="en-US" sz="1800" dirty="0">
+                          <a:sym typeface="Wingdings" panose="05000000000000000000" pitchFamily="2" charset="2"/>
+                        </a:rPr>
+                        <a:t>)</a:t>
+                      </a:r>
+                      <a:endParaRPr lang="en-US" dirty="0"/>
+                    </a:p>
+                  </a:txBody>
+                  <a:tcPr/>
+                </a:tc>
+                <a:extLst>
+                  <a:ext uri="{0D108BD9-81ED-4DB2-BD59-A6C34878D82A}">
+                    <a16:rowId xmlns:a16="http://schemas.microsoft.com/office/drawing/2014/main" val="1860315577"/>
+                  </a:ext>
+                </a:extLst>
+              </a:tr>
+            </a:tbl>
+          </a:graphicData>
+        </a:graphic>
+      </p:graphicFrame>
     </p:spTree>
     <p:extLst>
       <p:ext uri="{BB962C8B-B14F-4D97-AF65-F5344CB8AC3E}">
@@ -11390,6 +13929,2675 @@
 </file>
 
 <file path=ppt/slides/slide5.xml><?xml version="1.0" encoding="utf-8"?>
+<p:sld xmlns:a="http://schemas.openxmlformats.org/drawingml/2006/main" xmlns:r="http://schemas.openxmlformats.org/officeDocument/2006/relationships" xmlns:p="http://schemas.openxmlformats.org/presentationml/2006/main">
+  <p:cSld>
+    <p:spTree>
+      <p:nvGrpSpPr>
+        <p:cNvPr id="1" name="">
+          <a:extLst>
+            <a:ext uri="{FF2B5EF4-FFF2-40B4-BE49-F238E27FC236}">
+              <a16:creationId xmlns:a16="http://schemas.microsoft.com/office/drawing/2014/main" id="{BA3691EC-7159-13CF-929F-FB2EECBB2250}"/>
+            </a:ext>
+          </a:extLst>
+        </p:cNvPr>
+        <p:cNvGrpSpPr/>
+        <p:nvPr/>
+      </p:nvGrpSpPr>
+      <p:grpSpPr>
+        <a:xfrm>
+          <a:off x="0" y="0"/>
+          <a:ext cx="0" cy="0"/>
+          <a:chOff x="0" y="0"/>
+          <a:chExt cx="0" cy="0"/>
+        </a:xfrm>
+      </p:grpSpPr>
+      <p:sp>
+        <p:nvSpPr>
+          <p:cNvPr id="2" name="Title 1">
+            <a:extLst>
+              <a:ext uri="{FF2B5EF4-FFF2-40B4-BE49-F238E27FC236}">
+                <a16:creationId xmlns:a16="http://schemas.microsoft.com/office/drawing/2014/main" id="{9A927D01-6DE5-165D-3493-ECADF03509D9}"/>
+              </a:ext>
+            </a:extLst>
+          </p:cNvPr>
+          <p:cNvSpPr>
+            <a:spLocks noGrp="1"/>
+          </p:cNvSpPr>
+          <p:nvPr>
+            <p:ph type="title"/>
+          </p:nvPr>
+        </p:nvSpPr>
+        <p:spPr>
+          <a:xfrm>
+            <a:off x="355599" y="173140"/>
+            <a:ext cx="8421512" cy="830997"/>
+          </a:xfrm>
+        </p:spPr>
+        <p:txBody>
+          <a:bodyPr/>
+          <a:lstStyle/>
+          <a:p>
+            <a:r>
+              <a:rPr lang="en-US" dirty="0"/>
+              <a:t>Background</a:t>
+            </a:r>
+          </a:p>
+        </p:txBody>
+      </p:sp>
+      <p:sp>
+        <p:nvSpPr>
+          <p:cNvPr id="3" name="Content Placeholder 2">
+            <a:extLst>
+              <a:ext uri="{FF2B5EF4-FFF2-40B4-BE49-F238E27FC236}">
+                <a16:creationId xmlns:a16="http://schemas.microsoft.com/office/drawing/2014/main" id="{9EB9229D-4E8B-30F2-20C2-622357C43B3B}"/>
+              </a:ext>
+            </a:extLst>
+          </p:cNvPr>
+          <p:cNvSpPr>
+            <a:spLocks noGrp="1"/>
+          </p:cNvSpPr>
+          <p:nvPr>
+            <p:ph idx="1"/>
+          </p:nvPr>
+        </p:nvSpPr>
+        <p:spPr>
+          <a:xfrm>
+            <a:off x="372533" y="1149790"/>
+            <a:ext cx="8387645" cy="5397765"/>
+          </a:xfrm>
+        </p:spPr>
+        <p:txBody>
+          <a:bodyPr/>
+          <a:lstStyle/>
+          <a:p>
+            <a:pPr marL="0" indent="0">
+              <a:buNone/>
+            </a:pPr>
+            <a:endParaRPr lang="en-US" sz="1800" dirty="0"/>
+          </a:p>
+        </p:txBody>
+      </p:sp>
+      <p:graphicFrame>
+        <p:nvGraphicFramePr>
+          <p:cNvPr id="4" name="Table 3">
+            <a:extLst>
+              <a:ext uri="{FF2B5EF4-FFF2-40B4-BE49-F238E27FC236}">
+                <a16:creationId xmlns:a16="http://schemas.microsoft.com/office/drawing/2014/main" id="{2E5436B7-2368-D6D1-73B9-14E8D69A954E}"/>
+              </a:ext>
+            </a:extLst>
+          </p:cNvPr>
+          <p:cNvGraphicFramePr>
+            <a:graphicFrameLocks noGrp="1"/>
+          </p:cNvGraphicFramePr>
+          <p:nvPr>
+            <p:extLst>
+              <p:ext uri="{D42A27DB-BD31-4B8C-83A1-F6EECF244321}">
+                <p14:modId xmlns:p14="http://schemas.microsoft.com/office/powerpoint/2010/main" val="2071039956"/>
+              </p:ext>
+            </p:extLst>
+          </p:nvPr>
+        </p:nvGraphicFramePr>
+        <p:xfrm>
+          <a:off x="565853" y="1347963"/>
+          <a:ext cx="8000999" cy="1818640"/>
+        </p:xfrm>
+        <a:graphic>
+          <a:graphicData uri="http://schemas.openxmlformats.org/drawingml/2006/table">
+            <a:tbl>
+              <a:tblPr firstRow="1" bandRow="1">
+                <a:tableStyleId>{073A0DAA-6AF3-43AB-8588-CEC1D06C72B9}</a:tableStyleId>
+              </a:tblPr>
+              <a:tblGrid>
+                <a:gridCol w="3755572">
+                  <a:extLst>
+                    <a:ext uri="{9D8B030D-6E8A-4147-A177-3AD203B41FA5}">
+                      <a16:colId xmlns:a16="http://schemas.microsoft.com/office/drawing/2014/main" val="3005107910"/>
+                    </a:ext>
+                  </a:extLst>
+                </a:gridCol>
+                <a:gridCol w="424542">
+                  <a:extLst>
+                    <a:ext uri="{9D8B030D-6E8A-4147-A177-3AD203B41FA5}">
+                      <a16:colId xmlns:a16="http://schemas.microsoft.com/office/drawing/2014/main" val="3744328796"/>
+                    </a:ext>
+                  </a:extLst>
+                </a:gridCol>
+                <a:gridCol w="3820885">
+                  <a:extLst>
+                    <a:ext uri="{9D8B030D-6E8A-4147-A177-3AD203B41FA5}">
+                      <a16:colId xmlns:a16="http://schemas.microsoft.com/office/drawing/2014/main" val="3681666652"/>
+                    </a:ext>
+                  </a:extLst>
+                </a:gridCol>
+              </a:tblGrid>
+              <a:tr h="370840">
+                <a:tc gridSpan="3">
+                  <a:txBody>
+                    <a:bodyPr/>
+                    <a:lstStyle/>
+                    <a:p>
+                      <a:pPr marL="0" marR="0" lvl="0" indent="0" algn="l" defTabSz="914400" rtl="0" eaLnBrk="1" fontAlgn="auto" latinLnBrk="0" hangingPunct="1">
+                        <a:lnSpc>
+                          <a:spcPct val="100000"/>
+                        </a:lnSpc>
+                        <a:spcBef>
+                          <a:spcPts val="0"/>
+                        </a:spcBef>
+                        <a:spcAft>
+                          <a:spcPts val="0"/>
+                        </a:spcAft>
+                        <a:buClrTx/>
+                        <a:buSzTx/>
+                        <a:buFontTx/>
+                        <a:buNone/>
+                        <a:tabLst/>
+                        <a:defRPr/>
+                      </a:pPr>
+                      <a:r>
+                        <a:rPr lang="en-US" sz="1800" dirty="0"/>
+                        <a:t>Gas Evolution</a:t>
+                      </a:r>
+                    </a:p>
+                  </a:txBody>
+                  <a:tcPr/>
+                </a:tc>
+                <a:tc hMerge="1">
+                  <a:txBody>
+                    <a:bodyPr/>
+                    <a:lstStyle/>
+                    <a:p>
+                      <a:endParaRPr lang="en-US" dirty="0"/>
+                    </a:p>
+                  </a:txBody>
+                  <a:tcPr/>
+                </a:tc>
+                <a:tc hMerge="1">
+                  <a:txBody>
+                    <a:bodyPr/>
+                    <a:lstStyle/>
+                    <a:p>
+                      <a:endParaRPr lang="en-US" dirty="0"/>
+                    </a:p>
+                  </a:txBody>
+                  <a:tcPr/>
+                </a:tc>
+                <a:extLst>
+                  <a:ext uri="{0D108BD9-81ED-4DB2-BD59-A6C34878D82A}">
+                    <a16:rowId xmlns:a16="http://schemas.microsoft.com/office/drawing/2014/main" val="3606507504"/>
+                  </a:ext>
+                </a:extLst>
+              </a:tr>
+              <a:tr h="0">
+                <a:tc>
+                  <a:txBody>
+                    <a:bodyPr/>
+                    <a:lstStyle/>
+                    <a:p>
+                      <a:pPr algn="r"/>
+                      <a:r>
+                        <a:rPr lang="en-US" sz="1600" dirty="0">
+                          <a:solidFill>
+                            <a:srgbClr val="0070C0"/>
+                          </a:solidFill>
+                        </a:rPr>
+                        <a:t>Salt</a:t>
+                      </a:r>
+                      <a:r>
+                        <a:rPr lang="en-US" sz="1600" dirty="0"/>
+                        <a:t> (</a:t>
+                      </a:r>
+                      <a:r>
+                        <a:rPr lang="en-US" sz="1600" i="1" dirty="0" err="1"/>
+                        <a:t>aq</a:t>
+                      </a:r>
+                      <a:r>
+                        <a:rPr lang="en-US" sz="1600" dirty="0"/>
+                        <a:t>) + </a:t>
+                      </a:r>
+                      <a:r>
+                        <a:rPr lang="en-US" sz="1600" dirty="0">
+                          <a:solidFill>
+                            <a:srgbClr val="0070C0"/>
+                          </a:solidFill>
+                        </a:rPr>
+                        <a:t>Acid</a:t>
+                      </a:r>
+                      <a:r>
+                        <a:rPr lang="en-US" sz="1600" dirty="0"/>
+                        <a:t> (</a:t>
+                      </a:r>
+                      <a:r>
+                        <a:rPr lang="en-US" sz="1600" i="1" dirty="0" err="1"/>
+                        <a:t>aq</a:t>
+                      </a:r>
+                      <a:r>
+                        <a:rPr lang="en-US" sz="1600" dirty="0"/>
+                        <a:t>)</a:t>
+                      </a:r>
+                    </a:p>
+                  </a:txBody>
+                  <a:tcPr/>
+                </a:tc>
+                <a:tc>
+                  <a:txBody>
+                    <a:bodyPr/>
+                    <a:lstStyle/>
+                    <a:p>
+                      <a:r>
+                        <a:rPr lang="en-US" sz="1600" dirty="0">
+                          <a:sym typeface="Wingdings" panose="05000000000000000000" pitchFamily="2" charset="2"/>
+                        </a:rPr>
+                        <a:t></a:t>
+                      </a:r>
+                      <a:endParaRPr lang="en-US" sz="1600" dirty="0"/>
+                    </a:p>
+                  </a:txBody>
+                  <a:tcPr/>
+                </a:tc>
+                <a:tc>
+                  <a:txBody>
+                    <a:bodyPr/>
+                    <a:lstStyle/>
+                    <a:p>
+                      <a:pPr marL="0" marR="0" lvl="0" indent="0" algn="l" defTabSz="914400" rtl="0" eaLnBrk="1" fontAlgn="auto" latinLnBrk="0" hangingPunct="1">
+                        <a:lnSpc>
+                          <a:spcPct val="100000"/>
+                        </a:lnSpc>
+                        <a:spcBef>
+                          <a:spcPts val="0"/>
+                        </a:spcBef>
+                        <a:spcAft>
+                          <a:spcPts val="0"/>
+                        </a:spcAft>
+                        <a:buClrTx/>
+                        <a:buSzTx/>
+                        <a:buFontTx/>
+                        <a:buNone/>
+                        <a:tabLst/>
+                        <a:defRPr/>
+                      </a:pPr>
+                      <a:r>
+                        <a:rPr lang="en-US" sz="1600" dirty="0">
+                          <a:solidFill>
+                            <a:srgbClr val="0070C0"/>
+                          </a:solidFill>
+                          <a:sym typeface="Wingdings" panose="05000000000000000000" pitchFamily="2" charset="2"/>
+                        </a:rPr>
+                        <a:t>New</a:t>
+                      </a:r>
+                      <a:r>
+                        <a:rPr lang="en-US" sz="1600" dirty="0">
+                          <a:sym typeface="Wingdings" panose="05000000000000000000" pitchFamily="2" charset="2"/>
+                        </a:rPr>
+                        <a:t> </a:t>
+                      </a:r>
+                      <a:r>
+                        <a:rPr lang="en-US" sz="1600" dirty="0">
+                          <a:solidFill>
+                            <a:srgbClr val="0070C0"/>
+                          </a:solidFill>
+                          <a:sym typeface="Wingdings" panose="05000000000000000000" pitchFamily="2" charset="2"/>
+                        </a:rPr>
+                        <a:t>Acid</a:t>
+                      </a:r>
+                      <a:r>
+                        <a:rPr lang="en-US" sz="1600" dirty="0">
+                          <a:sym typeface="Wingdings" panose="05000000000000000000" pitchFamily="2" charset="2"/>
+                        </a:rPr>
+                        <a:t> (</a:t>
+                      </a:r>
+                      <a:r>
+                        <a:rPr lang="en-US" sz="1600" i="1" dirty="0">
+                          <a:sym typeface="Wingdings" panose="05000000000000000000" pitchFamily="2" charset="2"/>
+                        </a:rPr>
+                        <a:t>s</a:t>
+                      </a:r>
+                      <a:r>
+                        <a:rPr lang="en-US" sz="1600" dirty="0">
+                          <a:sym typeface="Wingdings" panose="05000000000000000000" pitchFamily="2" charset="2"/>
+                        </a:rPr>
+                        <a:t>) + </a:t>
+                      </a:r>
+                      <a:r>
+                        <a:rPr lang="en-US" sz="1600" dirty="0">
+                          <a:solidFill>
+                            <a:srgbClr val="0070C0"/>
+                          </a:solidFill>
+                          <a:sym typeface="Wingdings" panose="05000000000000000000" pitchFamily="2" charset="2"/>
+                        </a:rPr>
+                        <a:t>New</a:t>
+                      </a:r>
+                      <a:r>
+                        <a:rPr lang="en-US" sz="1600" dirty="0">
+                          <a:sym typeface="Wingdings" panose="05000000000000000000" pitchFamily="2" charset="2"/>
+                        </a:rPr>
+                        <a:t> </a:t>
+                      </a:r>
+                      <a:r>
+                        <a:rPr lang="en-US" sz="1600" dirty="0">
+                          <a:solidFill>
+                            <a:srgbClr val="0070C0"/>
+                          </a:solidFill>
+                          <a:sym typeface="Wingdings" panose="05000000000000000000" pitchFamily="2" charset="2"/>
+                        </a:rPr>
+                        <a:t>Salt</a:t>
+                      </a:r>
+                      <a:r>
+                        <a:rPr lang="en-US" sz="1600" dirty="0">
+                          <a:sym typeface="Wingdings" panose="05000000000000000000" pitchFamily="2" charset="2"/>
+                        </a:rPr>
+                        <a:t> (</a:t>
+                      </a:r>
+                      <a:r>
+                        <a:rPr lang="en-US" sz="1600" i="1" dirty="0" err="1">
+                          <a:sym typeface="Wingdings" panose="05000000000000000000" pitchFamily="2" charset="2"/>
+                        </a:rPr>
+                        <a:t>aq</a:t>
+                      </a:r>
+                      <a:r>
+                        <a:rPr lang="en-US" sz="1600" dirty="0">
+                          <a:sym typeface="Wingdings" panose="05000000000000000000" pitchFamily="2" charset="2"/>
+                        </a:rPr>
+                        <a:t>)</a:t>
+                      </a:r>
+                      <a:endParaRPr lang="en-US" sz="1600" dirty="0"/>
+                    </a:p>
+                  </a:txBody>
+                  <a:tcPr/>
+                </a:tc>
+                <a:extLst>
+                  <a:ext uri="{0D108BD9-81ED-4DB2-BD59-A6C34878D82A}">
+                    <a16:rowId xmlns:a16="http://schemas.microsoft.com/office/drawing/2014/main" val="3957596281"/>
+                  </a:ext>
+                </a:extLst>
+              </a:tr>
+              <a:tr h="370840">
+                <a:tc>
+                  <a:txBody>
+                    <a:bodyPr/>
+                    <a:lstStyle/>
+                    <a:p>
+                      <a:pPr algn="r"/>
+                      <a:r>
+                        <a:rPr lang="en-US" sz="1600" dirty="0">
+                          <a:solidFill>
+                            <a:srgbClr val="0070C0"/>
+                          </a:solidFill>
+                        </a:rPr>
+                        <a:t>New Acid</a:t>
+                      </a:r>
+                      <a:r>
+                        <a:rPr lang="en-US" sz="1600" dirty="0"/>
+                        <a:t> (</a:t>
+                      </a:r>
+                      <a:r>
+                        <a:rPr lang="en-US" sz="1600" i="1" dirty="0" err="1"/>
+                        <a:t>aq</a:t>
+                      </a:r>
+                      <a:r>
+                        <a:rPr lang="en-US" sz="1600" dirty="0"/>
+                        <a:t>)</a:t>
+                      </a:r>
+                    </a:p>
+                  </a:txBody>
+                  <a:tcPr/>
+                </a:tc>
+                <a:tc>
+                  <a:txBody>
+                    <a:bodyPr/>
+                    <a:lstStyle/>
+                    <a:p>
+                      <a:r>
+                        <a:rPr lang="en-US" sz="1600" dirty="0">
+                          <a:sym typeface="Wingdings" panose="05000000000000000000" pitchFamily="2" charset="2"/>
+                        </a:rPr>
+                        <a:t></a:t>
+                      </a:r>
+                      <a:endParaRPr lang="en-US" sz="1600" dirty="0"/>
+                    </a:p>
+                  </a:txBody>
+                  <a:tcPr/>
+                </a:tc>
+                <a:tc>
+                  <a:txBody>
+                    <a:bodyPr/>
+                    <a:lstStyle/>
+                    <a:p>
+                      <a:pPr marL="0" marR="0" lvl="0" indent="0" algn="l" defTabSz="914400" rtl="0" eaLnBrk="1" fontAlgn="auto" latinLnBrk="0" hangingPunct="1">
+                        <a:lnSpc>
+                          <a:spcPct val="100000"/>
+                        </a:lnSpc>
+                        <a:spcBef>
+                          <a:spcPts val="0"/>
+                        </a:spcBef>
+                        <a:spcAft>
+                          <a:spcPts val="0"/>
+                        </a:spcAft>
+                        <a:buClrTx/>
+                        <a:buSzTx/>
+                        <a:buFontTx/>
+                        <a:buNone/>
+                        <a:tabLst/>
+                        <a:defRPr/>
+                      </a:pPr>
+                      <a:r>
+                        <a:rPr lang="en-US" sz="1600" dirty="0">
+                          <a:solidFill>
+                            <a:srgbClr val="0070C0"/>
+                          </a:solidFill>
+                          <a:sym typeface="Wingdings" panose="05000000000000000000" pitchFamily="2" charset="2"/>
+                        </a:rPr>
+                        <a:t>Gas </a:t>
+                      </a:r>
+                      <a:r>
+                        <a:rPr lang="en-US" sz="1600" dirty="0">
+                          <a:sym typeface="Wingdings" panose="05000000000000000000" pitchFamily="2" charset="2"/>
+                        </a:rPr>
+                        <a:t>(</a:t>
+                      </a:r>
+                      <a:r>
+                        <a:rPr lang="en-US" sz="1600" i="1" dirty="0">
+                          <a:sym typeface="Wingdings" panose="05000000000000000000" pitchFamily="2" charset="2"/>
+                        </a:rPr>
+                        <a:t>g</a:t>
+                      </a:r>
+                      <a:r>
+                        <a:rPr lang="en-US" sz="1600" dirty="0">
+                          <a:sym typeface="Wingdings" panose="05000000000000000000" pitchFamily="2" charset="2"/>
+                        </a:rPr>
+                        <a:t>) + </a:t>
+                      </a:r>
+                      <a:r>
+                        <a:rPr lang="en-US" sz="1600" dirty="0">
+                          <a:solidFill>
+                            <a:srgbClr val="0070C0"/>
+                          </a:solidFill>
+                          <a:sym typeface="Wingdings" panose="05000000000000000000" pitchFamily="2" charset="2"/>
+                        </a:rPr>
+                        <a:t>Water</a:t>
+                      </a:r>
+                      <a:r>
+                        <a:rPr lang="en-US" sz="1600" dirty="0">
+                          <a:sym typeface="Wingdings" panose="05000000000000000000" pitchFamily="2" charset="2"/>
+                        </a:rPr>
+                        <a:t> (</a:t>
+                      </a:r>
+                      <a:r>
+                        <a:rPr lang="en-US" sz="1600" i="1" dirty="0">
+                          <a:sym typeface="Wingdings" panose="05000000000000000000" pitchFamily="2" charset="2"/>
+                        </a:rPr>
+                        <a:t>l</a:t>
+                      </a:r>
+                      <a:r>
+                        <a:rPr lang="en-US" sz="1600" dirty="0">
+                          <a:sym typeface="Wingdings" panose="05000000000000000000" pitchFamily="2" charset="2"/>
+                        </a:rPr>
+                        <a:t>)</a:t>
+                      </a:r>
+                      <a:endParaRPr lang="en-US" sz="1600" dirty="0"/>
+                    </a:p>
+                  </a:txBody>
+                  <a:tcPr/>
+                </a:tc>
+                <a:extLst>
+                  <a:ext uri="{0D108BD9-81ED-4DB2-BD59-A6C34878D82A}">
+                    <a16:rowId xmlns:a16="http://schemas.microsoft.com/office/drawing/2014/main" val="860038046"/>
+                  </a:ext>
+                </a:extLst>
+              </a:tr>
+              <a:tr h="370840">
+                <a:tc>
+                  <a:txBody>
+                    <a:bodyPr/>
+                    <a:lstStyle/>
+                    <a:p>
+                      <a:pPr marL="0" marR="0" lvl="0" indent="0" algn="r" defTabSz="914400" rtl="0" eaLnBrk="1" fontAlgn="auto" latinLnBrk="0" hangingPunct="1">
+                        <a:lnSpc>
+                          <a:spcPct val="100000"/>
+                        </a:lnSpc>
+                        <a:spcBef>
+                          <a:spcPts val="0"/>
+                        </a:spcBef>
+                        <a:spcAft>
+                          <a:spcPts val="0"/>
+                        </a:spcAft>
+                        <a:buClrTx/>
+                        <a:buSzTx/>
+                        <a:buFontTx/>
+                        <a:buNone/>
+                        <a:tabLst/>
+                        <a:defRPr/>
+                      </a:pPr>
+                      <a:r>
+                        <a:rPr lang="en-US" sz="1800" dirty="0">
+                          <a:sym typeface="Wingdings" panose="05000000000000000000" pitchFamily="2" charset="2"/>
+                        </a:rPr>
+                        <a:t>Na</a:t>
+                      </a:r>
+                      <a:r>
+                        <a:rPr lang="en-US" sz="1800" baseline="-25000" dirty="0">
+                          <a:sym typeface="Wingdings" panose="05000000000000000000" pitchFamily="2" charset="2"/>
+                        </a:rPr>
+                        <a:t>2</a:t>
+                      </a:r>
+                      <a:r>
+                        <a:rPr lang="en-US" sz="1800" dirty="0">
+                          <a:sym typeface="Wingdings" panose="05000000000000000000" pitchFamily="2" charset="2"/>
+                        </a:rPr>
+                        <a:t>SO</a:t>
+                      </a:r>
+                      <a:r>
+                        <a:rPr lang="en-US" sz="1800" baseline="-25000" dirty="0">
+                          <a:sym typeface="Wingdings" panose="05000000000000000000" pitchFamily="2" charset="2"/>
+                        </a:rPr>
+                        <a:t>3</a:t>
+                      </a:r>
+                      <a:r>
+                        <a:rPr lang="en-US" sz="1800" dirty="0">
+                          <a:sym typeface="Wingdings" panose="05000000000000000000" pitchFamily="2" charset="2"/>
+                        </a:rPr>
+                        <a:t> (</a:t>
+                      </a:r>
+                      <a:r>
+                        <a:rPr lang="en-US" sz="1800" i="1" dirty="0" err="1">
+                          <a:sym typeface="Wingdings" panose="05000000000000000000" pitchFamily="2" charset="2"/>
+                        </a:rPr>
+                        <a:t>aq</a:t>
+                      </a:r>
+                      <a:r>
+                        <a:rPr lang="en-US" sz="1800" dirty="0">
+                          <a:sym typeface="Wingdings" panose="05000000000000000000" pitchFamily="2" charset="2"/>
+                        </a:rPr>
+                        <a:t>) + 2 HCl (</a:t>
+                      </a:r>
+                      <a:r>
+                        <a:rPr lang="en-US" sz="1800" i="1" dirty="0" err="1">
+                          <a:sym typeface="Wingdings" panose="05000000000000000000" pitchFamily="2" charset="2"/>
+                        </a:rPr>
+                        <a:t>aq</a:t>
+                      </a:r>
+                      <a:r>
+                        <a:rPr lang="en-US" sz="1800" dirty="0">
+                          <a:sym typeface="Wingdings" panose="05000000000000000000" pitchFamily="2" charset="2"/>
+                        </a:rPr>
+                        <a:t>)</a:t>
+                      </a:r>
+                      <a:endParaRPr lang="en-US" dirty="0"/>
+                    </a:p>
+                  </a:txBody>
+                  <a:tcPr/>
+                </a:tc>
+                <a:tc>
+                  <a:txBody>
+                    <a:bodyPr/>
+                    <a:lstStyle/>
+                    <a:p>
+                      <a:pPr marL="0" marR="0" lvl="0" indent="0" algn="l" defTabSz="914400" rtl="0" eaLnBrk="1" fontAlgn="auto" latinLnBrk="0" hangingPunct="1">
+                        <a:lnSpc>
+                          <a:spcPct val="100000"/>
+                        </a:lnSpc>
+                        <a:spcBef>
+                          <a:spcPts val="0"/>
+                        </a:spcBef>
+                        <a:spcAft>
+                          <a:spcPts val="0"/>
+                        </a:spcAft>
+                        <a:buClrTx/>
+                        <a:buSzTx/>
+                        <a:buFontTx/>
+                        <a:buNone/>
+                        <a:tabLst/>
+                        <a:defRPr/>
+                      </a:pPr>
+                      <a:r>
+                        <a:rPr lang="en-US" sz="1800" dirty="0">
+                          <a:sym typeface="Wingdings" panose="05000000000000000000" pitchFamily="2" charset="2"/>
+                        </a:rPr>
+                        <a:t></a:t>
+                      </a:r>
+                      <a:endParaRPr lang="en-US" dirty="0"/>
+                    </a:p>
+                  </a:txBody>
+                  <a:tcPr/>
+                </a:tc>
+                <a:tc>
+                  <a:txBody>
+                    <a:bodyPr/>
+                    <a:lstStyle/>
+                    <a:p>
+                      <a:pPr marL="0" marR="0" lvl="0" indent="0" algn="l" defTabSz="914400" rtl="0" eaLnBrk="1" fontAlgn="auto" latinLnBrk="0" hangingPunct="1">
+                        <a:lnSpc>
+                          <a:spcPct val="100000"/>
+                        </a:lnSpc>
+                        <a:spcBef>
+                          <a:spcPts val="0"/>
+                        </a:spcBef>
+                        <a:spcAft>
+                          <a:spcPts val="0"/>
+                        </a:spcAft>
+                        <a:buClrTx/>
+                        <a:buSzTx/>
+                        <a:buFontTx/>
+                        <a:buNone/>
+                        <a:tabLst/>
+                        <a:defRPr/>
+                      </a:pPr>
+                      <a:r>
+                        <a:rPr lang="en-US" sz="1800" dirty="0">
+                          <a:sym typeface="Wingdings" panose="05000000000000000000" pitchFamily="2" charset="2"/>
+                        </a:rPr>
+                        <a:t>H</a:t>
+                      </a:r>
+                      <a:r>
+                        <a:rPr lang="en-US" sz="1800" baseline="-25000" dirty="0">
+                          <a:sym typeface="Wingdings" panose="05000000000000000000" pitchFamily="2" charset="2"/>
+                        </a:rPr>
+                        <a:t>2</a:t>
+                      </a:r>
+                      <a:r>
+                        <a:rPr lang="en-US" sz="1800" dirty="0">
+                          <a:sym typeface="Wingdings" panose="05000000000000000000" pitchFamily="2" charset="2"/>
+                        </a:rPr>
+                        <a:t>SO</a:t>
+                      </a:r>
+                      <a:r>
+                        <a:rPr lang="en-US" sz="1800" baseline="-25000" dirty="0">
+                          <a:sym typeface="Wingdings" panose="05000000000000000000" pitchFamily="2" charset="2"/>
+                        </a:rPr>
+                        <a:t>3</a:t>
+                      </a:r>
+                      <a:r>
+                        <a:rPr lang="en-US" sz="1800" dirty="0">
+                          <a:sym typeface="Wingdings" panose="05000000000000000000" pitchFamily="2" charset="2"/>
+                        </a:rPr>
+                        <a:t> (</a:t>
+                      </a:r>
+                      <a:r>
+                        <a:rPr lang="en-US" sz="1800" i="1" dirty="0" err="1">
+                          <a:sym typeface="Wingdings" panose="05000000000000000000" pitchFamily="2" charset="2"/>
+                        </a:rPr>
+                        <a:t>aq</a:t>
+                      </a:r>
+                      <a:r>
+                        <a:rPr lang="en-US" sz="1800" dirty="0">
+                          <a:sym typeface="Wingdings" panose="05000000000000000000" pitchFamily="2" charset="2"/>
+                        </a:rPr>
+                        <a:t>) + 2 NaCl (</a:t>
+                      </a:r>
+                      <a:r>
+                        <a:rPr lang="en-US" sz="1800" i="1" dirty="0" err="1">
+                          <a:sym typeface="Wingdings" panose="05000000000000000000" pitchFamily="2" charset="2"/>
+                        </a:rPr>
+                        <a:t>aq</a:t>
+                      </a:r>
+                      <a:r>
+                        <a:rPr lang="en-US" sz="1800" dirty="0">
+                          <a:sym typeface="Wingdings" panose="05000000000000000000" pitchFamily="2" charset="2"/>
+                        </a:rPr>
+                        <a:t>)</a:t>
+                      </a:r>
+                      <a:endParaRPr lang="en-US" dirty="0"/>
+                    </a:p>
+                  </a:txBody>
+                  <a:tcPr/>
+                </a:tc>
+                <a:extLst>
+                  <a:ext uri="{0D108BD9-81ED-4DB2-BD59-A6C34878D82A}">
+                    <a16:rowId xmlns:a16="http://schemas.microsoft.com/office/drawing/2014/main" val="1610164329"/>
+                  </a:ext>
+                </a:extLst>
+              </a:tr>
+              <a:tr h="370840">
+                <a:tc>
+                  <a:txBody>
+                    <a:bodyPr/>
+                    <a:lstStyle/>
+                    <a:p>
+                      <a:pPr marL="0" marR="0" lvl="0" indent="0" algn="r" defTabSz="914400" rtl="0" eaLnBrk="1" fontAlgn="auto" latinLnBrk="0" hangingPunct="1">
+                        <a:lnSpc>
+                          <a:spcPct val="100000"/>
+                        </a:lnSpc>
+                        <a:spcBef>
+                          <a:spcPts val="0"/>
+                        </a:spcBef>
+                        <a:spcAft>
+                          <a:spcPts val="0"/>
+                        </a:spcAft>
+                        <a:buClrTx/>
+                        <a:buSzTx/>
+                        <a:buFontTx/>
+                        <a:buNone/>
+                        <a:tabLst/>
+                        <a:defRPr/>
+                      </a:pPr>
+                      <a:r>
+                        <a:rPr lang="en-US" sz="1800" dirty="0">
+                          <a:sym typeface="Wingdings" panose="05000000000000000000" pitchFamily="2" charset="2"/>
+                        </a:rPr>
+                        <a:t>H</a:t>
+                      </a:r>
+                      <a:r>
+                        <a:rPr lang="en-US" sz="1800" baseline="-25000" dirty="0">
+                          <a:sym typeface="Wingdings" panose="05000000000000000000" pitchFamily="2" charset="2"/>
+                        </a:rPr>
+                        <a:t>2</a:t>
+                      </a:r>
+                      <a:r>
+                        <a:rPr lang="en-US" sz="1800" dirty="0">
+                          <a:sym typeface="Wingdings" panose="05000000000000000000" pitchFamily="2" charset="2"/>
+                        </a:rPr>
+                        <a:t>SO</a:t>
+                      </a:r>
+                      <a:r>
+                        <a:rPr lang="en-US" sz="1800" baseline="-25000" dirty="0">
+                          <a:sym typeface="Wingdings" panose="05000000000000000000" pitchFamily="2" charset="2"/>
+                        </a:rPr>
+                        <a:t>3</a:t>
+                      </a:r>
+                      <a:r>
+                        <a:rPr lang="en-US" sz="1800" dirty="0">
+                          <a:sym typeface="Wingdings" panose="05000000000000000000" pitchFamily="2" charset="2"/>
+                        </a:rPr>
+                        <a:t> (</a:t>
+                      </a:r>
+                      <a:r>
+                        <a:rPr lang="en-US" sz="1800" i="1" dirty="0" err="1">
+                          <a:sym typeface="Wingdings" panose="05000000000000000000" pitchFamily="2" charset="2"/>
+                        </a:rPr>
+                        <a:t>aq</a:t>
+                      </a:r>
+                      <a:r>
+                        <a:rPr lang="en-US" sz="1800" dirty="0">
+                          <a:sym typeface="Wingdings" panose="05000000000000000000" pitchFamily="2" charset="2"/>
+                        </a:rPr>
+                        <a:t>)</a:t>
+                      </a:r>
+                      <a:endParaRPr lang="en-US" dirty="0"/>
+                    </a:p>
+                  </a:txBody>
+                  <a:tcPr/>
+                </a:tc>
+                <a:tc>
+                  <a:txBody>
+                    <a:bodyPr/>
+                    <a:lstStyle/>
+                    <a:p>
+                      <a:pPr marL="0" marR="0" lvl="0" indent="0" algn="l" defTabSz="914400" rtl="0" eaLnBrk="1" fontAlgn="auto" latinLnBrk="0" hangingPunct="1">
+                        <a:lnSpc>
+                          <a:spcPct val="100000"/>
+                        </a:lnSpc>
+                        <a:spcBef>
+                          <a:spcPts val="0"/>
+                        </a:spcBef>
+                        <a:spcAft>
+                          <a:spcPts val="0"/>
+                        </a:spcAft>
+                        <a:buClrTx/>
+                        <a:buSzTx/>
+                        <a:buFontTx/>
+                        <a:buNone/>
+                        <a:tabLst/>
+                        <a:defRPr/>
+                      </a:pPr>
+                      <a:r>
+                        <a:rPr lang="en-US" sz="1800" dirty="0">
+                          <a:sym typeface="Wingdings" panose="05000000000000000000" pitchFamily="2" charset="2"/>
+                        </a:rPr>
+                        <a:t></a:t>
+                      </a:r>
+                      <a:endParaRPr lang="en-US" dirty="0"/>
+                    </a:p>
+                  </a:txBody>
+                  <a:tcPr/>
+                </a:tc>
+                <a:tc>
+                  <a:txBody>
+                    <a:bodyPr/>
+                    <a:lstStyle/>
+                    <a:p>
+                      <a:pPr marL="0" marR="0" lvl="0" indent="0" algn="l" defTabSz="914400" rtl="0" eaLnBrk="1" fontAlgn="auto" latinLnBrk="0" hangingPunct="1">
+                        <a:lnSpc>
+                          <a:spcPct val="100000"/>
+                        </a:lnSpc>
+                        <a:spcBef>
+                          <a:spcPts val="0"/>
+                        </a:spcBef>
+                        <a:spcAft>
+                          <a:spcPts val="0"/>
+                        </a:spcAft>
+                        <a:buClrTx/>
+                        <a:buSzTx/>
+                        <a:buFontTx/>
+                        <a:buNone/>
+                        <a:tabLst/>
+                        <a:defRPr/>
+                      </a:pPr>
+                      <a:r>
+                        <a:rPr lang="en-US" dirty="0"/>
+                        <a:t>SO</a:t>
+                      </a:r>
+                      <a:r>
+                        <a:rPr lang="en-US" baseline="-25000" dirty="0"/>
+                        <a:t>2</a:t>
+                      </a:r>
+                      <a:r>
+                        <a:rPr lang="en-US" dirty="0"/>
+                        <a:t> (</a:t>
+                      </a:r>
+                      <a:r>
+                        <a:rPr lang="en-US" i="1" dirty="0"/>
+                        <a:t>g</a:t>
+                      </a:r>
+                      <a:r>
+                        <a:rPr lang="en-US" dirty="0"/>
+                        <a:t>) + H</a:t>
+                      </a:r>
+                      <a:r>
+                        <a:rPr lang="en-US" baseline="-25000" dirty="0"/>
+                        <a:t>2</a:t>
+                      </a:r>
+                      <a:r>
+                        <a:rPr lang="en-US" dirty="0"/>
+                        <a:t>O (</a:t>
+                      </a:r>
+                      <a:r>
+                        <a:rPr lang="en-US" i="1" dirty="0"/>
+                        <a:t>l</a:t>
+                      </a:r>
+                      <a:r>
+                        <a:rPr lang="en-US" dirty="0"/>
+                        <a:t>)</a:t>
+                      </a:r>
+                    </a:p>
+                  </a:txBody>
+                  <a:tcPr/>
+                </a:tc>
+                <a:extLst>
+                  <a:ext uri="{0D108BD9-81ED-4DB2-BD59-A6C34878D82A}">
+                    <a16:rowId xmlns:a16="http://schemas.microsoft.com/office/drawing/2014/main" val="2404111575"/>
+                  </a:ext>
+                </a:extLst>
+              </a:tr>
+            </a:tbl>
+          </a:graphicData>
+        </a:graphic>
+      </p:graphicFrame>
+      <p:graphicFrame>
+        <p:nvGraphicFramePr>
+          <p:cNvPr id="5" name="Table 4">
+            <a:extLst>
+              <a:ext uri="{FF2B5EF4-FFF2-40B4-BE49-F238E27FC236}">
+                <a16:creationId xmlns:a16="http://schemas.microsoft.com/office/drawing/2014/main" id="{D4AC4D3D-EEDA-7707-9648-146D2AB5DEBB}"/>
+              </a:ext>
+            </a:extLst>
+          </p:cNvPr>
+          <p:cNvGraphicFramePr>
+            <a:graphicFrameLocks noGrp="1"/>
+          </p:cNvGraphicFramePr>
+          <p:nvPr>
+            <p:extLst>
+              <p:ext uri="{D42A27DB-BD31-4B8C-83A1-F6EECF244321}">
+                <p14:modId xmlns:p14="http://schemas.microsoft.com/office/powerpoint/2010/main" val="1720222112"/>
+              </p:ext>
+            </p:extLst>
+          </p:nvPr>
+        </p:nvGraphicFramePr>
+        <p:xfrm>
+          <a:off x="565852" y="3429000"/>
+          <a:ext cx="8000999" cy="949960"/>
+        </p:xfrm>
+        <a:graphic>
+          <a:graphicData uri="http://schemas.openxmlformats.org/drawingml/2006/table">
+            <a:tbl>
+              <a:tblPr firstRow="1" bandRow="1">
+                <a:tableStyleId>{073A0DAA-6AF3-43AB-8588-CEC1D06C72B9}</a:tableStyleId>
+              </a:tblPr>
+              <a:tblGrid>
+                <a:gridCol w="8000999">
+                  <a:extLst>
+                    <a:ext uri="{9D8B030D-6E8A-4147-A177-3AD203B41FA5}">
+                      <a16:colId xmlns:a16="http://schemas.microsoft.com/office/drawing/2014/main" val="3005107910"/>
+                    </a:ext>
+                  </a:extLst>
+                </a:gridCol>
+              </a:tblGrid>
+              <a:tr h="370840">
+                <a:tc>
+                  <a:txBody>
+                    <a:bodyPr/>
+                    <a:lstStyle/>
+                    <a:p>
+                      <a:pPr marL="0" marR="0" lvl="0" indent="0" algn="l" defTabSz="914400" rtl="0" eaLnBrk="1" fontAlgn="auto" latinLnBrk="0" hangingPunct="1">
+                        <a:lnSpc>
+                          <a:spcPct val="100000"/>
+                        </a:lnSpc>
+                        <a:spcBef>
+                          <a:spcPts val="0"/>
+                        </a:spcBef>
+                        <a:spcAft>
+                          <a:spcPts val="0"/>
+                        </a:spcAft>
+                        <a:buClrTx/>
+                        <a:buSzTx/>
+                        <a:buFontTx/>
+                        <a:buNone/>
+                        <a:tabLst/>
+                        <a:defRPr/>
+                      </a:pPr>
+                      <a:r>
+                        <a:rPr lang="en-US" sz="1800" dirty="0"/>
+                        <a:t>No Reaction</a:t>
+                      </a:r>
+                    </a:p>
+                  </a:txBody>
+                  <a:tcPr/>
+                </a:tc>
+                <a:extLst>
+                  <a:ext uri="{0D108BD9-81ED-4DB2-BD59-A6C34878D82A}">
+                    <a16:rowId xmlns:a16="http://schemas.microsoft.com/office/drawing/2014/main" val="3606507504"/>
+                  </a:ext>
+                </a:extLst>
+              </a:tr>
+              <a:tr h="0">
+                <a:tc>
+                  <a:txBody>
+                    <a:bodyPr/>
+                    <a:lstStyle/>
+                    <a:p>
+                      <a:r>
+                        <a:rPr lang="en-US" sz="1600" dirty="0">
+                          <a:solidFill>
+                            <a:srgbClr val="0070C0"/>
+                          </a:solidFill>
+                        </a:rPr>
+                        <a:t>The mixing of compounds in aqueous solution </a:t>
+                      </a:r>
+                      <a:r>
+                        <a:rPr lang="en-US" sz="1600" dirty="0">
+                          <a:solidFill>
+                            <a:srgbClr val="0070C0"/>
+                          </a:solidFill>
+                          <a:sym typeface="Wingdings" panose="05000000000000000000" pitchFamily="2" charset="2"/>
+                        </a:rPr>
+                        <a:t>can sometimes result in none of the reactions mentioned</a:t>
+                      </a:r>
+                      <a:endParaRPr lang="en-US" sz="1600" dirty="0"/>
+                    </a:p>
+                  </a:txBody>
+                  <a:tcPr/>
+                </a:tc>
+                <a:extLst>
+                  <a:ext uri="{0D108BD9-81ED-4DB2-BD59-A6C34878D82A}">
+                    <a16:rowId xmlns:a16="http://schemas.microsoft.com/office/drawing/2014/main" val="3957596281"/>
+                  </a:ext>
+                </a:extLst>
+              </a:tr>
+            </a:tbl>
+          </a:graphicData>
+        </a:graphic>
+      </p:graphicFrame>
+    </p:spTree>
+    <p:extLst>
+      <p:ext uri="{BB962C8B-B14F-4D97-AF65-F5344CB8AC3E}">
+        <p14:creationId xmlns:p14="http://schemas.microsoft.com/office/powerpoint/2010/main" val="560092286"/>
+      </p:ext>
+    </p:extLst>
+  </p:cSld>
+  <p:clrMapOvr>
+    <a:masterClrMapping/>
+  </p:clrMapOvr>
+</p:sld>
+</file>
+
+<file path=ppt/slides/slide6.xml><?xml version="1.0" encoding="utf-8"?>
+<p:sld xmlns:a="http://schemas.openxmlformats.org/drawingml/2006/main" xmlns:r="http://schemas.openxmlformats.org/officeDocument/2006/relationships" xmlns:p="http://schemas.openxmlformats.org/presentationml/2006/main">
+  <p:cSld>
+    <p:spTree>
+      <p:nvGrpSpPr>
+        <p:cNvPr id="1" name="">
+          <a:extLst>
+            <a:ext uri="{FF2B5EF4-FFF2-40B4-BE49-F238E27FC236}">
+              <a16:creationId xmlns:a16="http://schemas.microsoft.com/office/drawing/2014/main" id="{097631D5-D871-02CC-8FFD-707260C83591}"/>
+            </a:ext>
+          </a:extLst>
+        </p:cNvPr>
+        <p:cNvGrpSpPr/>
+        <p:nvPr/>
+      </p:nvGrpSpPr>
+      <p:grpSpPr>
+        <a:xfrm>
+          <a:off x="0" y="0"/>
+          <a:ext cx="0" cy="0"/>
+          <a:chOff x="0" y="0"/>
+          <a:chExt cx="0" cy="0"/>
+        </a:xfrm>
+      </p:grpSpPr>
+      <p:sp>
+        <p:nvSpPr>
+          <p:cNvPr id="2" name="Title 1">
+            <a:extLst>
+              <a:ext uri="{FF2B5EF4-FFF2-40B4-BE49-F238E27FC236}">
+                <a16:creationId xmlns:a16="http://schemas.microsoft.com/office/drawing/2014/main" id="{FEEE5F4B-8008-ED06-1CA9-C7896B9A86B6}"/>
+              </a:ext>
+            </a:extLst>
+          </p:cNvPr>
+          <p:cNvSpPr>
+            <a:spLocks noGrp="1"/>
+          </p:cNvSpPr>
+          <p:nvPr>
+            <p:ph type="title"/>
+          </p:nvPr>
+        </p:nvSpPr>
+        <p:spPr>
+          <a:xfrm>
+            <a:off x="355599" y="173140"/>
+            <a:ext cx="8421512" cy="830997"/>
+          </a:xfrm>
+        </p:spPr>
+        <p:txBody>
+          <a:bodyPr/>
+          <a:lstStyle/>
+          <a:p>
+            <a:r>
+              <a:rPr lang="en-US" dirty="0"/>
+              <a:t>Background</a:t>
+            </a:r>
+          </a:p>
+        </p:txBody>
+      </p:sp>
+      <p:sp>
+        <p:nvSpPr>
+          <p:cNvPr id="3" name="Content Placeholder 2">
+            <a:extLst>
+              <a:ext uri="{FF2B5EF4-FFF2-40B4-BE49-F238E27FC236}">
+                <a16:creationId xmlns:a16="http://schemas.microsoft.com/office/drawing/2014/main" id="{24DF2613-A9BA-A0C5-F1F5-0CF0B2480FFD}"/>
+              </a:ext>
+            </a:extLst>
+          </p:cNvPr>
+          <p:cNvSpPr>
+            <a:spLocks noGrp="1"/>
+          </p:cNvSpPr>
+          <p:nvPr>
+            <p:ph idx="1"/>
+          </p:nvPr>
+        </p:nvSpPr>
+        <p:spPr>
+          <a:xfrm>
+            <a:off x="372533" y="1149790"/>
+            <a:ext cx="8387645" cy="5397765"/>
+          </a:xfrm>
+        </p:spPr>
+        <p:txBody>
+          <a:bodyPr/>
+          <a:lstStyle/>
+          <a:p>
+            <a:pPr marL="0" indent="0">
+              <a:buNone/>
+            </a:pPr>
+            <a:endParaRPr lang="en-US" sz="1800" dirty="0"/>
+          </a:p>
+        </p:txBody>
+      </p:sp>
+      <p:graphicFrame>
+        <p:nvGraphicFramePr>
+          <p:cNvPr id="4" name="Table 3">
+            <a:extLst>
+              <a:ext uri="{FF2B5EF4-FFF2-40B4-BE49-F238E27FC236}">
+                <a16:creationId xmlns:a16="http://schemas.microsoft.com/office/drawing/2014/main" id="{939ADD38-3AC4-51F3-F862-87ACA5FC43E7}"/>
+              </a:ext>
+            </a:extLst>
+          </p:cNvPr>
+          <p:cNvGraphicFramePr>
+            <a:graphicFrameLocks noGrp="1"/>
+          </p:cNvGraphicFramePr>
+          <p:nvPr>
+            <p:extLst>
+              <p:ext uri="{D42A27DB-BD31-4B8C-83A1-F6EECF244321}">
+                <p14:modId xmlns:p14="http://schemas.microsoft.com/office/powerpoint/2010/main" val="185006234"/>
+              </p:ext>
+            </p:extLst>
+          </p:nvPr>
+        </p:nvGraphicFramePr>
+        <p:xfrm>
+          <a:off x="565851" y="1478591"/>
+          <a:ext cx="8000999" cy="1483360"/>
+        </p:xfrm>
+        <a:graphic>
+          <a:graphicData uri="http://schemas.openxmlformats.org/drawingml/2006/table">
+            <a:tbl>
+              <a:tblPr firstRow="1" bandRow="1">
+                <a:tableStyleId>{073A0DAA-6AF3-43AB-8588-CEC1D06C72B9}</a:tableStyleId>
+              </a:tblPr>
+              <a:tblGrid>
+                <a:gridCol w="3755572">
+                  <a:extLst>
+                    <a:ext uri="{9D8B030D-6E8A-4147-A177-3AD203B41FA5}">
+                      <a16:colId xmlns:a16="http://schemas.microsoft.com/office/drawing/2014/main" val="3005107910"/>
+                    </a:ext>
+                  </a:extLst>
+                </a:gridCol>
+                <a:gridCol w="424542">
+                  <a:extLst>
+                    <a:ext uri="{9D8B030D-6E8A-4147-A177-3AD203B41FA5}">
+                      <a16:colId xmlns:a16="http://schemas.microsoft.com/office/drawing/2014/main" val="3744328796"/>
+                    </a:ext>
+                  </a:extLst>
+                </a:gridCol>
+                <a:gridCol w="3820885">
+                  <a:extLst>
+                    <a:ext uri="{9D8B030D-6E8A-4147-A177-3AD203B41FA5}">
+                      <a16:colId xmlns:a16="http://schemas.microsoft.com/office/drawing/2014/main" val="3681666652"/>
+                    </a:ext>
+                  </a:extLst>
+                </a:gridCol>
+              </a:tblGrid>
+              <a:tr h="370840">
+                <a:tc gridSpan="3">
+                  <a:txBody>
+                    <a:bodyPr/>
+                    <a:lstStyle/>
+                    <a:p>
+                      <a:pPr marL="0" marR="0" lvl="0" indent="0" algn="l" defTabSz="914400" rtl="0" eaLnBrk="1" fontAlgn="auto" latinLnBrk="0" hangingPunct="1">
+                        <a:lnSpc>
+                          <a:spcPct val="100000"/>
+                        </a:lnSpc>
+                        <a:spcBef>
+                          <a:spcPts val="0"/>
+                        </a:spcBef>
+                        <a:spcAft>
+                          <a:spcPts val="0"/>
+                        </a:spcAft>
+                        <a:buClrTx/>
+                        <a:buSzTx/>
+                        <a:buFontTx/>
+                        <a:buNone/>
+                        <a:tabLst/>
+                        <a:defRPr/>
+                      </a:pPr>
+                      <a:r>
+                        <a:rPr lang="en-US" sz="1800" dirty="0"/>
+                        <a:t>Oxidation-Reduction (Redox)</a:t>
+                      </a:r>
+                    </a:p>
+                  </a:txBody>
+                  <a:tcPr/>
+                </a:tc>
+                <a:tc hMerge="1">
+                  <a:txBody>
+                    <a:bodyPr/>
+                    <a:lstStyle/>
+                    <a:p>
+                      <a:endParaRPr lang="en-US" dirty="0"/>
+                    </a:p>
+                  </a:txBody>
+                  <a:tcPr/>
+                </a:tc>
+                <a:tc hMerge="1">
+                  <a:txBody>
+                    <a:bodyPr/>
+                    <a:lstStyle/>
+                    <a:p>
+                      <a:endParaRPr lang="en-US" dirty="0"/>
+                    </a:p>
+                  </a:txBody>
+                  <a:tcPr/>
+                </a:tc>
+                <a:extLst>
+                  <a:ext uri="{0D108BD9-81ED-4DB2-BD59-A6C34878D82A}">
+                    <a16:rowId xmlns:a16="http://schemas.microsoft.com/office/drawing/2014/main" val="3606507504"/>
+                  </a:ext>
+                </a:extLst>
+              </a:tr>
+              <a:tr h="370840">
+                <a:tc>
+                  <a:txBody>
+                    <a:bodyPr/>
+                    <a:lstStyle/>
+                    <a:p>
+                      <a:pPr marL="0" marR="0" lvl="0" indent="0" algn="r" defTabSz="914400" rtl="0" eaLnBrk="1" fontAlgn="auto" latinLnBrk="0" hangingPunct="1">
+                        <a:lnSpc>
+                          <a:spcPct val="100000"/>
+                        </a:lnSpc>
+                        <a:spcBef>
+                          <a:spcPts val="0"/>
+                        </a:spcBef>
+                        <a:spcAft>
+                          <a:spcPts val="0"/>
+                        </a:spcAft>
+                        <a:buClrTx/>
+                        <a:buSzTx/>
+                        <a:buFontTx/>
+                        <a:buNone/>
+                        <a:tabLst/>
+                        <a:defRPr/>
+                      </a:pPr>
+                      <a:r>
+                        <a:rPr lang="en-US" sz="1800" dirty="0">
+                          <a:sym typeface="Wingdings" panose="05000000000000000000" pitchFamily="2" charset="2"/>
+                        </a:rPr>
+                        <a:t>2 Na (</a:t>
+                      </a:r>
+                      <a:r>
+                        <a:rPr lang="en-US" sz="1800" i="1" dirty="0">
+                          <a:sym typeface="Wingdings" panose="05000000000000000000" pitchFamily="2" charset="2"/>
+                        </a:rPr>
+                        <a:t>s</a:t>
+                      </a:r>
+                      <a:r>
+                        <a:rPr lang="en-US" sz="1800" dirty="0">
+                          <a:sym typeface="Wingdings" panose="05000000000000000000" pitchFamily="2" charset="2"/>
+                        </a:rPr>
+                        <a:t>) + 2 H</a:t>
+                      </a:r>
+                      <a:r>
+                        <a:rPr lang="en-US" sz="1800" baseline="-25000" dirty="0">
+                          <a:sym typeface="Wingdings" panose="05000000000000000000" pitchFamily="2" charset="2"/>
+                        </a:rPr>
+                        <a:t>2</a:t>
+                      </a:r>
+                      <a:r>
+                        <a:rPr lang="en-US" sz="1800" dirty="0">
+                          <a:sym typeface="Wingdings" panose="05000000000000000000" pitchFamily="2" charset="2"/>
+                        </a:rPr>
+                        <a:t>O (l)</a:t>
+                      </a:r>
+                      <a:endParaRPr lang="en-US" dirty="0"/>
+                    </a:p>
+                  </a:txBody>
+                  <a:tcPr/>
+                </a:tc>
+                <a:tc>
+                  <a:txBody>
+                    <a:bodyPr/>
+                    <a:lstStyle/>
+                    <a:p>
+                      <a:pPr marL="0" marR="0" lvl="0" indent="0" algn="l" defTabSz="914400" rtl="0" eaLnBrk="1" fontAlgn="auto" latinLnBrk="0" hangingPunct="1">
+                        <a:lnSpc>
+                          <a:spcPct val="100000"/>
+                        </a:lnSpc>
+                        <a:spcBef>
+                          <a:spcPts val="0"/>
+                        </a:spcBef>
+                        <a:spcAft>
+                          <a:spcPts val="0"/>
+                        </a:spcAft>
+                        <a:buClrTx/>
+                        <a:buSzTx/>
+                        <a:buFontTx/>
+                        <a:buNone/>
+                        <a:tabLst/>
+                        <a:defRPr/>
+                      </a:pPr>
+                      <a:r>
+                        <a:rPr lang="en-US" sz="1800" dirty="0">
+                          <a:sym typeface="Wingdings" panose="05000000000000000000" pitchFamily="2" charset="2"/>
+                        </a:rPr>
+                        <a:t></a:t>
+                      </a:r>
+                      <a:endParaRPr lang="en-US" dirty="0"/>
+                    </a:p>
+                  </a:txBody>
+                  <a:tcPr/>
+                </a:tc>
+                <a:tc>
+                  <a:txBody>
+                    <a:bodyPr/>
+                    <a:lstStyle/>
+                    <a:p>
+                      <a:pPr marL="0" marR="0" lvl="0" indent="0" algn="l" defTabSz="914400" rtl="0" eaLnBrk="1" fontAlgn="auto" latinLnBrk="0" hangingPunct="1">
+                        <a:lnSpc>
+                          <a:spcPct val="100000"/>
+                        </a:lnSpc>
+                        <a:spcBef>
+                          <a:spcPts val="0"/>
+                        </a:spcBef>
+                        <a:spcAft>
+                          <a:spcPts val="0"/>
+                        </a:spcAft>
+                        <a:buClrTx/>
+                        <a:buSzTx/>
+                        <a:buFontTx/>
+                        <a:buNone/>
+                        <a:tabLst/>
+                        <a:defRPr/>
+                      </a:pPr>
+                      <a:r>
+                        <a:rPr lang="en-US" sz="1800" dirty="0">
+                          <a:sym typeface="Wingdings" panose="05000000000000000000" pitchFamily="2" charset="2"/>
+                        </a:rPr>
+                        <a:t>H</a:t>
+                      </a:r>
+                      <a:r>
+                        <a:rPr lang="en-US" sz="1800" baseline="-25000" dirty="0">
+                          <a:sym typeface="Wingdings" panose="05000000000000000000" pitchFamily="2" charset="2"/>
+                        </a:rPr>
+                        <a:t>2</a:t>
+                      </a:r>
+                      <a:r>
+                        <a:rPr lang="en-US" sz="1800" dirty="0">
+                          <a:sym typeface="Wingdings" panose="05000000000000000000" pitchFamily="2" charset="2"/>
+                        </a:rPr>
+                        <a:t> (</a:t>
+                      </a:r>
+                      <a:r>
+                        <a:rPr lang="en-US" sz="1800" i="1" dirty="0">
+                          <a:sym typeface="Wingdings" panose="05000000000000000000" pitchFamily="2" charset="2"/>
+                        </a:rPr>
+                        <a:t>g</a:t>
+                      </a:r>
+                      <a:r>
+                        <a:rPr lang="en-US" sz="1800" dirty="0">
+                          <a:sym typeface="Wingdings" panose="05000000000000000000" pitchFamily="2" charset="2"/>
+                        </a:rPr>
+                        <a:t>) + 2 NaOH (</a:t>
+                      </a:r>
+                      <a:r>
+                        <a:rPr lang="en-US" sz="1800" i="1" dirty="0" err="1">
+                          <a:sym typeface="Wingdings" panose="05000000000000000000" pitchFamily="2" charset="2"/>
+                        </a:rPr>
+                        <a:t>aq</a:t>
+                      </a:r>
+                      <a:r>
+                        <a:rPr lang="en-US" sz="1800" dirty="0">
+                          <a:sym typeface="Wingdings" panose="05000000000000000000" pitchFamily="2" charset="2"/>
+                        </a:rPr>
+                        <a:t>)</a:t>
+                      </a:r>
+                      <a:endParaRPr lang="en-US" dirty="0"/>
+                    </a:p>
+                  </a:txBody>
+                  <a:tcPr/>
+                </a:tc>
+                <a:extLst>
+                  <a:ext uri="{0D108BD9-81ED-4DB2-BD59-A6C34878D82A}">
+                    <a16:rowId xmlns:a16="http://schemas.microsoft.com/office/drawing/2014/main" val="1610164329"/>
+                  </a:ext>
+                </a:extLst>
+              </a:tr>
+              <a:tr h="370840">
+                <a:tc>
+                  <a:txBody>
+                    <a:bodyPr/>
+                    <a:lstStyle/>
+                    <a:p>
+                      <a:pPr marL="0" marR="0" lvl="0" indent="0" algn="r" defTabSz="914400" rtl="0" eaLnBrk="1" fontAlgn="auto" latinLnBrk="0" hangingPunct="1">
+                        <a:lnSpc>
+                          <a:spcPct val="100000"/>
+                        </a:lnSpc>
+                        <a:spcBef>
+                          <a:spcPts val="0"/>
+                        </a:spcBef>
+                        <a:spcAft>
+                          <a:spcPts val="0"/>
+                        </a:spcAft>
+                        <a:buClrTx/>
+                        <a:buSzTx/>
+                        <a:buFontTx/>
+                        <a:buNone/>
+                        <a:tabLst/>
+                        <a:defRPr/>
+                      </a:pPr>
+                      <a:r>
+                        <a:rPr lang="en-US" sz="1800" dirty="0">
+                          <a:sym typeface="Wingdings" panose="05000000000000000000" pitchFamily="2" charset="2"/>
+                        </a:rPr>
+                        <a:t>2 Al (</a:t>
+                      </a:r>
+                      <a:r>
+                        <a:rPr lang="en-US" sz="1800" i="1" dirty="0">
+                          <a:sym typeface="Wingdings" panose="05000000000000000000" pitchFamily="2" charset="2"/>
+                        </a:rPr>
+                        <a:t>s</a:t>
+                      </a:r>
+                      <a:r>
+                        <a:rPr lang="en-US" sz="1800" dirty="0">
+                          <a:sym typeface="Wingdings" panose="05000000000000000000" pitchFamily="2" charset="2"/>
+                        </a:rPr>
+                        <a:t>) + 3 Cl</a:t>
+                      </a:r>
+                      <a:r>
+                        <a:rPr lang="en-US" sz="1800" baseline="-25000" dirty="0">
+                          <a:sym typeface="Wingdings" panose="05000000000000000000" pitchFamily="2" charset="2"/>
+                        </a:rPr>
+                        <a:t>2</a:t>
+                      </a:r>
+                      <a:r>
+                        <a:rPr lang="en-US" sz="1800" dirty="0">
+                          <a:sym typeface="Wingdings" panose="05000000000000000000" pitchFamily="2" charset="2"/>
+                        </a:rPr>
+                        <a:t> (</a:t>
+                      </a:r>
+                      <a:r>
+                        <a:rPr lang="en-US" sz="1800" i="1" dirty="0">
+                          <a:sym typeface="Wingdings" panose="05000000000000000000" pitchFamily="2" charset="2"/>
+                        </a:rPr>
+                        <a:t>g</a:t>
+                      </a:r>
+                      <a:r>
+                        <a:rPr lang="en-US" sz="1800" dirty="0">
+                          <a:sym typeface="Wingdings" panose="05000000000000000000" pitchFamily="2" charset="2"/>
+                        </a:rPr>
+                        <a:t>)</a:t>
+                      </a:r>
+                      <a:endParaRPr lang="en-US" dirty="0"/>
+                    </a:p>
+                  </a:txBody>
+                  <a:tcPr/>
+                </a:tc>
+                <a:tc>
+                  <a:txBody>
+                    <a:bodyPr/>
+                    <a:lstStyle/>
+                    <a:p>
+                      <a:pPr marL="0" marR="0" lvl="0" indent="0" algn="l" defTabSz="914400" rtl="0" eaLnBrk="1" fontAlgn="auto" latinLnBrk="0" hangingPunct="1">
+                        <a:lnSpc>
+                          <a:spcPct val="100000"/>
+                        </a:lnSpc>
+                        <a:spcBef>
+                          <a:spcPts val="0"/>
+                        </a:spcBef>
+                        <a:spcAft>
+                          <a:spcPts val="0"/>
+                        </a:spcAft>
+                        <a:buClrTx/>
+                        <a:buSzTx/>
+                        <a:buFontTx/>
+                        <a:buNone/>
+                        <a:tabLst/>
+                        <a:defRPr/>
+                      </a:pPr>
+                      <a:r>
+                        <a:rPr lang="en-US" sz="1800" dirty="0">
+                          <a:sym typeface="Wingdings" panose="05000000000000000000" pitchFamily="2" charset="2"/>
+                        </a:rPr>
+                        <a:t></a:t>
+                      </a:r>
+                      <a:endParaRPr lang="en-US" dirty="0"/>
+                    </a:p>
+                  </a:txBody>
+                  <a:tcPr/>
+                </a:tc>
+                <a:tc>
+                  <a:txBody>
+                    <a:bodyPr/>
+                    <a:lstStyle/>
+                    <a:p>
+                      <a:pPr marL="0" marR="0" lvl="0" indent="0" algn="l" defTabSz="914400" rtl="0" eaLnBrk="1" fontAlgn="auto" latinLnBrk="0" hangingPunct="1">
+                        <a:lnSpc>
+                          <a:spcPct val="100000"/>
+                        </a:lnSpc>
+                        <a:spcBef>
+                          <a:spcPts val="0"/>
+                        </a:spcBef>
+                        <a:spcAft>
+                          <a:spcPts val="0"/>
+                        </a:spcAft>
+                        <a:buClrTx/>
+                        <a:buSzTx/>
+                        <a:buFontTx/>
+                        <a:buNone/>
+                        <a:tabLst/>
+                        <a:defRPr/>
+                      </a:pPr>
+                      <a:r>
+                        <a:rPr lang="en-US" sz="1800" dirty="0">
+                          <a:sym typeface="Wingdings" panose="05000000000000000000" pitchFamily="2" charset="2"/>
+                        </a:rPr>
+                        <a:t>2 AlCl</a:t>
+                      </a:r>
+                      <a:r>
+                        <a:rPr lang="en-US" sz="1800" baseline="-25000" dirty="0">
+                          <a:sym typeface="Wingdings" panose="05000000000000000000" pitchFamily="2" charset="2"/>
+                        </a:rPr>
+                        <a:t>3</a:t>
+                      </a:r>
+                      <a:r>
+                        <a:rPr lang="en-US" sz="1800" dirty="0">
+                          <a:sym typeface="Wingdings" panose="05000000000000000000" pitchFamily="2" charset="2"/>
+                        </a:rPr>
+                        <a:t> (</a:t>
+                      </a:r>
+                      <a:r>
+                        <a:rPr lang="en-US" sz="1800" i="1" dirty="0">
+                          <a:sym typeface="Wingdings" panose="05000000000000000000" pitchFamily="2" charset="2"/>
+                        </a:rPr>
+                        <a:t>s</a:t>
+                      </a:r>
+                      <a:r>
+                        <a:rPr lang="en-US" sz="1800" dirty="0">
+                          <a:sym typeface="Wingdings" panose="05000000000000000000" pitchFamily="2" charset="2"/>
+                        </a:rPr>
+                        <a:t>)</a:t>
+                      </a:r>
+                      <a:endParaRPr lang="en-US" dirty="0"/>
+                    </a:p>
+                  </a:txBody>
+                  <a:tcPr/>
+                </a:tc>
+                <a:extLst>
+                  <a:ext uri="{0D108BD9-81ED-4DB2-BD59-A6C34878D82A}">
+                    <a16:rowId xmlns:a16="http://schemas.microsoft.com/office/drawing/2014/main" val="2404111575"/>
+                  </a:ext>
+                </a:extLst>
+              </a:tr>
+              <a:tr h="370840">
+                <a:tc>
+                  <a:txBody>
+                    <a:bodyPr/>
+                    <a:lstStyle/>
+                    <a:p>
+                      <a:pPr marL="0" marR="0" lvl="0" indent="0" algn="r" defTabSz="914400" rtl="0" eaLnBrk="1" fontAlgn="auto" latinLnBrk="0" hangingPunct="1">
+                        <a:lnSpc>
+                          <a:spcPct val="100000"/>
+                        </a:lnSpc>
+                        <a:spcBef>
+                          <a:spcPts val="0"/>
+                        </a:spcBef>
+                        <a:spcAft>
+                          <a:spcPts val="0"/>
+                        </a:spcAft>
+                        <a:buClrTx/>
+                        <a:buSzTx/>
+                        <a:buFontTx/>
+                        <a:buNone/>
+                        <a:tabLst/>
+                        <a:defRPr/>
+                      </a:pPr>
+                      <a:r>
+                        <a:rPr lang="en-US" sz="1800" dirty="0">
+                          <a:sym typeface="Wingdings" panose="05000000000000000000" pitchFamily="2" charset="2"/>
+                        </a:rPr>
+                        <a:t>Cu (</a:t>
+                      </a:r>
+                      <a:r>
+                        <a:rPr lang="en-US" sz="1800" i="1" dirty="0">
+                          <a:sym typeface="Wingdings" panose="05000000000000000000" pitchFamily="2" charset="2"/>
+                        </a:rPr>
+                        <a:t>s</a:t>
+                      </a:r>
+                      <a:r>
+                        <a:rPr lang="en-US" sz="1800" dirty="0">
+                          <a:sym typeface="Wingdings" panose="05000000000000000000" pitchFamily="2" charset="2"/>
+                        </a:rPr>
+                        <a:t>) + Pd(NO</a:t>
+                      </a:r>
+                      <a:r>
+                        <a:rPr lang="en-US" sz="1800" baseline="-25000" dirty="0">
+                          <a:sym typeface="Wingdings" panose="05000000000000000000" pitchFamily="2" charset="2"/>
+                        </a:rPr>
+                        <a:t>3</a:t>
+                      </a:r>
+                      <a:r>
+                        <a:rPr lang="en-US" sz="1800" dirty="0">
+                          <a:sym typeface="Wingdings" panose="05000000000000000000" pitchFamily="2" charset="2"/>
+                        </a:rPr>
+                        <a:t>)</a:t>
+                      </a:r>
+                      <a:r>
+                        <a:rPr lang="en-US" sz="1800" baseline="-25000" dirty="0">
+                          <a:sym typeface="Wingdings" panose="05000000000000000000" pitchFamily="2" charset="2"/>
+                        </a:rPr>
+                        <a:t>2</a:t>
+                      </a:r>
+                      <a:r>
+                        <a:rPr lang="en-US" sz="1800" dirty="0">
+                          <a:sym typeface="Wingdings" panose="05000000000000000000" pitchFamily="2" charset="2"/>
+                        </a:rPr>
+                        <a:t> (</a:t>
+                      </a:r>
+                      <a:r>
+                        <a:rPr lang="en-US" sz="1800" i="1" dirty="0" err="1">
+                          <a:sym typeface="Wingdings" panose="05000000000000000000" pitchFamily="2" charset="2"/>
+                        </a:rPr>
+                        <a:t>aq</a:t>
+                      </a:r>
+                      <a:r>
+                        <a:rPr lang="en-US" sz="1800" dirty="0">
+                          <a:sym typeface="Wingdings" panose="05000000000000000000" pitchFamily="2" charset="2"/>
+                        </a:rPr>
+                        <a:t>)</a:t>
+                      </a:r>
+                      <a:endParaRPr lang="en-US" dirty="0"/>
+                    </a:p>
+                  </a:txBody>
+                  <a:tcPr/>
+                </a:tc>
+                <a:tc>
+                  <a:txBody>
+                    <a:bodyPr/>
+                    <a:lstStyle/>
+                    <a:p>
+                      <a:pPr marL="0" marR="0" lvl="0" indent="0" algn="l" defTabSz="914400" rtl="0" eaLnBrk="1" fontAlgn="auto" latinLnBrk="0" hangingPunct="1">
+                        <a:lnSpc>
+                          <a:spcPct val="100000"/>
+                        </a:lnSpc>
+                        <a:spcBef>
+                          <a:spcPts val="0"/>
+                        </a:spcBef>
+                        <a:spcAft>
+                          <a:spcPts val="0"/>
+                        </a:spcAft>
+                        <a:buClrTx/>
+                        <a:buSzTx/>
+                        <a:buFontTx/>
+                        <a:buNone/>
+                        <a:tabLst/>
+                        <a:defRPr/>
+                      </a:pPr>
+                      <a:r>
+                        <a:rPr lang="en-US" sz="1800" dirty="0">
+                          <a:sym typeface="Wingdings" panose="05000000000000000000" pitchFamily="2" charset="2"/>
+                        </a:rPr>
+                        <a:t></a:t>
+                      </a:r>
+                      <a:endParaRPr lang="en-US" dirty="0"/>
+                    </a:p>
+                  </a:txBody>
+                  <a:tcPr/>
+                </a:tc>
+                <a:tc>
+                  <a:txBody>
+                    <a:bodyPr/>
+                    <a:lstStyle/>
+                    <a:p>
+                      <a:pPr marL="0" marR="0" lvl="0" indent="0" algn="l" defTabSz="914400" rtl="0" eaLnBrk="1" fontAlgn="auto" latinLnBrk="0" hangingPunct="1">
+                        <a:lnSpc>
+                          <a:spcPct val="100000"/>
+                        </a:lnSpc>
+                        <a:spcBef>
+                          <a:spcPts val="0"/>
+                        </a:spcBef>
+                        <a:spcAft>
+                          <a:spcPts val="0"/>
+                        </a:spcAft>
+                        <a:buClrTx/>
+                        <a:buSzTx/>
+                        <a:buFontTx/>
+                        <a:buNone/>
+                        <a:tabLst/>
+                        <a:defRPr/>
+                      </a:pPr>
+                      <a:r>
+                        <a:rPr lang="en-US" sz="1800" dirty="0">
+                          <a:sym typeface="Wingdings" panose="05000000000000000000" pitchFamily="2" charset="2"/>
+                        </a:rPr>
+                        <a:t>Pd (</a:t>
+                      </a:r>
+                      <a:r>
+                        <a:rPr lang="en-US" sz="1800" i="1" dirty="0">
+                          <a:sym typeface="Wingdings" panose="05000000000000000000" pitchFamily="2" charset="2"/>
+                        </a:rPr>
+                        <a:t>s</a:t>
+                      </a:r>
+                      <a:r>
+                        <a:rPr lang="en-US" sz="1800" dirty="0">
+                          <a:sym typeface="Wingdings" panose="05000000000000000000" pitchFamily="2" charset="2"/>
+                        </a:rPr>
+                        <a:t>) + Cu(NO</a:t>
+                      </a:r>
+                      <a:r>
+                        <a:rPr lang="en-US" sz="1800" baseline="-25000" dirty="0">
+                          <a:sym typeface="Wingdings" panose="05000000000000000000" pitchFamily="2" charset="2"/>
+                        </a:rPr>
+                        <a:t>3</a:t>
+                      </a:r>
+                      <a:r>
+                        <a:rPr lang="en-US" sz="1800" dirty="0">
+                          <a:sym typeface="Wingdings" panose="05000000000000000000" pitchFamily="2" charset="2"/>
+                        </a:rPr>
+                        <a:t>)</a:t>
+                      </a:r>
+                      <a:r>
+                        <a:rPr lang="en-US" sz="1800" baseline="-25000" dirty="0">
+                          <a:sym typeface="Wingdings" panose="05000000000000000000" pitchFamily="2" charset="2"/>
+                        </a:rPr>
+                        <a:t>2</a:t>
+                      </a:r>
+                      <a:r>
+                        <a:rPr lang="en-US" sz="1800" dirty="0">
+                          <a:sym typeface="Wingdings" panose="05000000000000000000" pitchFamily="2" charset="2"/>
+                        </a:rPr>
+                        <a:t> (</a:t>
+                      </a:r>
+                      <a:r>
+                        <a:rPr lang="en-US" sz="1800" i="1" dirty="0" err="1">
+                          <a:sym typeface="Wingdings" panose="05000000000000000000" pitchFamily="2" charset="2"/>
+                        </a:rPr>
+                        <a:t>aq</a:t>
+                      </a:r>
+                      <a:r>
+                        <a:rPr lang="en-US" sz="1800" dirty="0">
+                          <a:sym typeface="Wingdings" panose="05000000000000000000" pitchFamily="2" charset="2"/>
+                        </a:rPr>
+                        <a:t>)</a:t>
+                      </a:r>
+                      <a:endParaRPr lang="en-US" dirty="0"/>
+                    </a:p>
+                  </a:txBody>
+                  <a:tcPr/>
+                </a:tc>
+                <a:extLst>
+                  <a:ext uri="{0D108BD9-81ED-4DB2-BD59-A6C34878D82A}">
+                    <a16:rowId xmlns:a16="http://schemas.microsoft.com/office/drawing/2014/main" val="1509741772"/>
+                  </a:ext>
+                </a:extLst>
+              </a:tr>
+            </a:tbl>
+          </a:graphicData>
+        </a:graphic>
+      </p:graphicFrame>
+      <p:graphicFrame>
+        <p:nvGraphicFramePr>
+          <p:cNvPr id="6" name="Table 5">
+            <a:extLst>
+              <a:ext uri="{FF2B5EF4-FFF2-40B4-BE49-F238E27FC236}">
+                <a16:creationId xmlns:a16="http://schemas.microsoft.com/office/drawing/2014/main" id="{DC59B939-E3EA-7CD1-986A-A14D83F1AE90}"/>
+              </a:ext>
+            </a:extLst>
+          </p:cNvPr>
+          <p:cNvGraphicFramePr>
+            <a:graphicFrameLocks noGrp="1"/>
+          </p:cNvGraphicFramePr>
+          <p:nvPr>
+            <p:extLst>
+              <p:ext uri="{D42A27DB-BD31-4B8C-83A1-F6EECF244321}">
+                <p14:modId xmlns:p14="http://schemas.microsoft.com/office/powerpoint/2010/main" val="3037795569"/>
+              </p:ext>
+            </p:extLst>
+          </p:nvPr>
+        </p:nvGraphicFramePr>
+        <p:xfrm>
+          <a:off x="565851" y="3715606"/>
+          <a:ext cx="8000999" cy="1818640"/>
+        </p:xfrm>
+        <a:graphic>
+          <a:graphicData uri="http://schemas.openxmlformats.org/drawingml/2006/table">
+            <a:tbl>
+              <a:tblPr firstRow="1" bandRow="1">
+                <a:tableStyleId>{073A0DAA-6AF3-43AB-8588-CEC1D06C72B9}</a:tableStyleId>
+              </a:tblPr>
+              <a:tblGrid>
+                <a:gridCol w="3755572">
+                  <a:extLst>
+                    <a:ext uri="{9D8B030D-6E8A-4147-A177-3AD203B41FA5}">
+                      <a16:colId xmlns:a16="http://schemas.microsoft.com/office/drawing/2014/main" val="3005107910"/>
+                    </a:ext>
+                  </a:extLst>
+                </a:gridCol>
+                <a:gridCol w="424542">
+                  <a:extLst>
+                    <a:ext uri="{9D8B030D-6E8A-4147-A177-3AD203B41FA5}">
+                      <a16:colId xmlns:a16="http://schemas.microsoft.com/office/drawing/2014/main" val="3744328796"/>
+                    </a:ext>
+                  </a:extLst>
+                </a:gridCol>
+                <a:gridCol w="3820885">
+                  <a:extLst>
+                    <a:ext uri="{9D8B030D-6E8A-4147-A177-3AD203B41FA5}">
+                      <a16:colId xmlns:a16="http://schemas.microsoft.com/office/drawing/2014/main" val="3681666652"/>
+                    </a:ext>
+                  </a:extLst>
+                </a:gridCol>
+              </a:tblGrid>
+              <a:tr h="370840">
+                <a:tc gridSpan="3">
+                  <a:txBody>
+                    <a:bodyPr/>
+                    <a:lstStyle/>
+                    <a:p>
+                      <a:pPr marL="0" marR="0" lvl="0" indent="0" algn="l" defTabSz="914400" rtl="0" eaLnBrk="1" fontAlgn="auto" latinLnBrk="0" hangingPunct="1">
+                        <a:lnSpc>
+                          <a:spcPct val="100000"/>
+                        </a:lnSpc>
+                        <a:spcBef>
+                          <a:spcPts val="0"/>
+                        </a:spcBef>
+                        <a:spcAft>
+                          <a:spcPts val="0"/>
+                        </a:spcAft>
+                        <a:buClrTx/>
+                        <a:buSzTx/>
+                        <a:buFontTx/>
+                        <a:buNone/>
+                        <a:tabLst/>
+                        <a:defRPr/>
+                      </a:pPr>
+                      <a:r>
+                        <a:rPr lang="en-US" sz="1800" dirty="0"/>
+                        <a:t>Combustion</a:t>
+                      </a:r>
+                    </a:p>
+                  </a:txBody>
+                  <a:tcPr/>
+                </a:tc>
+                <a:tc hMerge="1">
+                  <a:txBody>
+                    <a:bodyPr/>
+                    <a:lstStyle/>
+                    <a:p>
+                      <a:endParaRPr lang="en-US" dirty="0"/>
+                    </a:p>
+                  </a:txBody>
+                  <a:tcPr/>
+                </a:tc>
+                <a:tc hMerge="1">
+                  <a:txBody>
+                    <a:bodyPr/>
+                    <a:lstStyle/>
+                    <a:p>
+                      <a:endParaRPr lang="en-US" dirty="0"/>
+                    </a:p>
+                  </a:txBody>
+                  <a:tcPr/>
+                </a:tc>
+                <a:extLst>
+                  <a:ext uri="{0D108BD9-81ED-4DB2-BD59-A6C34878D82A}">
+                    <a16:rowId xmlns:a16="http://schemas.microsoft.com/office/drawing/2014/main" val="3606507504"/>
+                  </a:ext>
+                </a:extLst>
+              </a:tr>
+              <a:tr h="0">
+                <a:tc>
+                  <a:txBody>
+                    <a:bodyPr/>
+                    <a:lstStyle/>
+                    <a:p>
+                      <a:pPr algn="r"/>
+                      <a:r>
+                        <a:rPr lang="en-US" sz="1600" dirty="0">
+                          <a:solidFill>
+                            <a:srgbClr val="0070C0"/>
+                          </a:solidFill>
+                        </a:rPr>
+                        <a:t>Hydrocarbon</a:t>
+                      </a:r>
+                      <a:r>
+                        <a:rPr lang="en-US" sz="1600" dirty="0"/>
+                        <a:t> (</a:t>
+                      </a:r>
+                      <a:r>
+                        <a:rPr lang="en-US" sz="1600" i="1" dirty="0" err="1"/>
+                        <a:t>g,l,s</a:t>
+                      </a:r>
+                      <a:r>
+                        <a:rPr lang="en-US" sz="1600" dirty="0"/>
+                        <a:t>) + </a:t>
+                      </a:r>
+                      <a:r>
+                        <a:rPr lang="en-US" sz="1600" dirty="0">
+                          <a:solidFill>
+                            <a:srgbClr val="0070C0"/>
+                          </a:solidFill>
+                        </a:rPr>
+                        <a:t>Oxygen</a:t>
+                      </a:r>
+                      <a:r>
+                        <a:rPr lang="en-US" sz="1600" dirty="0"/>
+                        <a:t> (</a:t>
+                      </a:r>
+                      <a:r>
+                        <a:rPr lang="en-US" sz="1600" i="1" dirty="0"/>
+                        <a:t>g</a:t>
+                      </a:r>
+                      <a:r>
+                        <a:rPr lang="en-US" sz="1600" dirty="0"/>
+                        <a:t>)</a:t>
+                      </a:r>
+                    </a:p>
+                  </a:txBody>
+                  <a:tcPr/>
+                </a:tc>
+                <a:tc>
+                  <a:txBody>
+                    <a:bodyPr/>
+                    <a:lstStyle/>
+                    <a:p>
+                      <a:r>
+                        <a:rPr lang="en-US" sz="1600" dirty="0">
+                          <a:sym typeface="Wingdings" panose="05000000000000000000" pitchFamily="2" charset="2"/>
+                        </a:rPr>
+                        <a:t></a:t>
+                      </a:r>
+                      <a:endParaRPr lang="en-US" sz="1600" dirty="0"/>
+                    </a:p>
+                  </a:txBody>
+                  <a:tcPr/>
+                </a:tc>
+                <a:tc>
+                  <a:txBody>
+                    <a:bodyPr/>
+                    <a:lstStyle/>
+                    <a:p>
+                      <a:pPr marL="0" marR="0" lvl="0" indent="0" algn="l" defTabSz="914400" rtl="0" eaLnBrk="1" fontAlgn="auto" latinLnBrk="0" hangingPunct="1">
+                        <a:lnSpc>
+                          <a:spcPct val="100000"/>
+                        </a:lnSpc>
+                        <a:spcBef>
+                          <a:spcPts val="0"/>
+                        </a:spcBef>
+                        <a:spcAft>
+                          <a:spcPts val="0"/>
+                        </a:spcAft>
+                        <a:buClrTx/>
+                        <a:buSzTx/>
+                        <a:buFontTx/>
+                        <a:buNone/>
+                        <a:tabLst/>
+                        <a:defRPr/>
+                      </a:pPr>
+                      <a:r>
+                        <a:rPr lang="en-US" sz="1600" dirty="0">
+                          <a:solidFill>
+                            <a:srgbClr val="0070C0"/>
+                          </a:solidFill>
+                          <a:sym typeface="Wingdings" panose="05000000000000000000" pitchFamily="2" charset="2"/>
+                        </a:rPr>
+                        <a:t>Carbon Dioxide </a:t>
+                      </a:r>
+                      <a:r>
+                        <a:rPr lang="en-US" sz="1600" dirty="0">
+                          <a:sym typeface="Wingdings" panose="05000000000000000000" pitchFamily="2" charset="2"/>
+                        </a:rPr>
+                        <a:t>(</a:t>
+                      </a:r>
+                      <a:r>
+                        <a:rPr lang="en-US" sz="1600" i="1" dirty="0">
+                          <a:sym typeface="Wingdings" panose="05000000000000000000" pitchFamily="2" charset="2"/>
+                        </a:rPr>
+                        <a:t>g</a:t>
+                      </a:r>
+                      <a:r>
+                        <a:rPr lang="en-US" sz="1600" dirty="0">
+                          <a:sym typeface="Wingdings" panose="05000000000000000000" pitchFamily="2" charset="2"/>
+                        </a:rPr>
+                        <a:t>) + </a:t>
+                      </a:r>
+                      <a:r>
+                        <a:rPr lang="en-US" sz="1600" dirty="0">
+                          <a:solidFill>
+                            <a:srgbClr val="0070C0"/>
+                          </a:solidFill>
+                          <a:sym typeface="Wingdings" panose="05000000000000000000" pitchFamily="2" charset="2"/>
+                        </a:rPr>
+                        <a:t>Water</a:t>
+                      </a:r>
+                      <a:r>
+                        <a:rPr lang="en-US" sz="1600" dirty="0">
+                          <a:sym typeface="Wingdings" panose="05000000000000000000" pitchFamily="2" charset="2"/>
+                        </a:rPr>
+                        <a:t> (</a:t>
+                      </a:r>
+                      <a:r>
+                        <a:rPr lang="en-US" sz="1600" i="1" dirty="0">
+                          <a:sym typeface="Wingdings" panose="05000000000000000000" pitchFamily="2" charset="2"/>
+                        </a:rPr>
+                        <a:t>g</a:t>
+                      </a:r>
+                      <a:r>
+                        <a:rPr lang="en-US" sz="1600" dirty="0">
+                          <a:sym typeface="Wingdings" panose="05000000000000000000" pitchFamily="2" charset="2"/>
+                        </a:rPr>
+                        <a:t>)</a:t>
+                      </a:r>
+                      <a:endParaRPr lang="en-US" sz="1600" dirty="0"/>
+                    </a:p>
+                  </a:txBody>
+                  <a:tcPr/>
+                </a:tc>
+                <a:extLst>
+                  <a:ext uri="{0D108BD9-81ED-4DB2-BD59-A6C34878D82A}">
+                    <a16:rowId xmlns:a16="http://schemas.microsoft.com/office/drawing/2014/main" val="3957596281"/>
+                  </a:ext>
+                </a:extLst>
+              </a:tr>
+              <a:tr h="370840">
+                <a:tc>
+                  <a:txBody>
+                    <a:bodyPr/>
+                    <a:lstStyle/>
+                    <a:p>
+                      <a:pPr marL="0" marR="0" lvl="0" indent="0" algn="r" defTabSz="914400" rtl="0" eaLnBrk="1" fontAlgn="auto" latinLnBrk="0" hangingPunct="1">
+                        <a:lnSpc>
+                          <a:spcPct val="100000"/>
+                        </a:lnSpc>
+                        <a:spcBef>
+                          <a:spcPts val="0"/>
+                        </a:spcBef>
+                        <a:spcAft>
+                          <a:spcPts val="0"/>
+                        </a:spcAft>
+                        <a:buClrTx/>
+                        <a:buSzTx/>
+                        <a:buFontTx/>
+                        <a:buNone/>
+                        <a:tabLst/>
+                        <a:defRPr/>
+                      </a:pPr>
+                      <a:r>
+                        <a:rPr lang="en-US" sz="1800" dirty="0">
+                          <a:sym typeface="Wingdings" panose="05000000000000000000" pitchFamily="2" charset="2"/>
+                        </a:rPr>
+                        <a:t>C</a:t>
+                      </a:r>
+                      <a:r>
+                        <a:rPr lang="en-US" sz="1800" baseline="-25000" dirty="0">
+                          <a:sym typeface="Wingdings" panose="05000000000000000000" pitchFamily="2" charset="2"/>
+                        </a:rPr>
+                        <a:t>2</a:t>
+                      </a:r>
+                      <a:r>
+                        <a:rPr lang="en-US" sz="1800" dirty="0">
+                          <a:sym typeface="Wingdings" panose="05000000000000000000" pitchFamily="2" charset="2"/>
+                        </a:rPr>
+                        <a:t>H</a:t>
+                      </a:r>
+                      <a:r>
+                        <a:rPr lang="en-US" sz="1800" baseline="-25000" dirty="0">
+                          <a:sym typeface="Wingdings" panose="05000000000000000000" pitchFamily="2" charset="2"/>
+                        </a:rPr>
+                        <a:t>4</a:t>
+                      </a:r>
+                      <a:r>
+                        <a:rPr lang="en-US" sz="1800" dirty="0">
+                          <a:sym typeface="Wingdings" panose="05000000000000000000" pitchFamily="2" charset="2"/>
+                        </a:rPr>
+                        <a:t> (</a:t>
+                      </a:r>
+                      <a:r>
+                        <a:rPr lang="en-US" sz="1800" i="1" dirty="0">
+                          <a:sym typeface="Wingdings" panose="05000000000000000000" pitchFamily="2" charset="2"/>
+                        </a:rPr>
+                        <a:t>g</a:t>
+                      </a:r>
+                      <a:r>
+                        <a:rPr lang="en-US" sz="1800" dirty="0">
+                          <a:sym typeface="Wingdings" panose="05000000000000000000" pitchFamily="2" charset="2"/>
+                        </a:rPr>
+                        <a:t>) + 3 O</a:t>
+                      </a:r>
+                      <a:r>
+                        <a:rPr lang="en-US" sz="1800" baseline="-25000" dirty="0">
+                          <a:sym typeface="Wingdings" panose="05000000000000000000" pitchFamily="2" charset="2"/>
+                        </a:rPr>
+                        <a:t>2</a:t>
+                      </a:r>
+                      <a:r>
+                        <a:rPr lang="en-US" sz="1800" dirty="0">
+                          <a:sym typeface="Wingdings" panose="05000000000000000000" pitchFamily="2" charset="2"/>
+                        </a:rPr>
+                        <a:t> (</a:t>
+                      </a:r>
+                      <a:r>
+                        <a:rPr lang="en-US" sz="1800" i="1" dirty="0">
+                          <a:sym typeface="Wingdings" panose="05000000000000000000" pitchFamily="2" charset="2"/>
+                        </a:rPr>
+                        <a:t>g</a:t>
+                      </a:r>
+                      <a:r>
+                        <a:rPr lang="en-US" sz="1800" dirty="0">
+                          <a:sym typeface="Wingdings" panose="05000000000000000000" pitchFamily="2" charset="2"/>
+                        </a:rPr>
+                        <a:t>)</a:t>
+                      </a:r>
+                      <a:endParaRPr lang="en-US" dirty="0"/>
+                    </a:p>
+                  </a:txBody>
+                  <a:tcPr/>
+                </a:tc>
+                <a:tc>
+                  <a:txBody>
+                    <a:bodyPr/>
+                    <a:lstStyle/>
+                    <a:p>
+                      <a:pPr marL="0" marR="0" lvl="0" indent="0" algn="l" defTabSz="914400" rtl="0" eaLnBrk="1" fontAlgn="auto" latinLnBrk="0" hangingPunct="1">
+                        <a:lnSpc>
+                          <a:spcPct val="100000"/>
+                        </a:lnSpc>
+                        <a:spcBef>
+                          <a:spcPts val="0"/>
+                        </a:spcBef>
+                        <a:spcAft>
+                          <a:spcPts val="0"/>
+                        </a:spcAft>
+                        <a:buClrTx/>
+                        <a:buSzTx/>
+                        <a:buFontTx/>
+                        <a:buNone/>
+                        <a:tabLst/>
+                        <a:defRPr/>
+                      </a:pPr>
+                      <a:r>
+                        <a:rPr lang="en-US" sz="1800" dirty="0">
+                          <a:sym typeface="Wingdings" panose="05000000000000000000" pitchFamily="2" charset="2"/>
+                        </a:rPr>
+                        <a:t></a:t>
+                      </a:r>
+                      <a:endParaRPr lang="en-US" dirty="0"/>
+                    </a:p>
+                  </a:txBody>
+                  <a:tcPr/>
+                </a:tc>
+                <a:tc>
+                  <a:txBody>
+                    <a:bodyPr/>
+                    <a:lstStyle/>
+                    <a:p>
+                      <a:pPr marL="0" marR="0" lvl="0" indent="0" algn="l" defTabSz="914400" rtl="0" eaLnBrk="1" fontAlgn="auto" latinLnBrk="0" hangingPunct="1">
+                        <a:lnSpc>
+                          <a:spcPct val="100000"/>
+                        </a:lnSpc>
+                        <a:spcBef>
+                          <a:spcPts val="0"/>
+                        </a:spcBef>
+                        <a:spcAft>
+                          <a:spcPts val="0"/>
+                        </a:spcAft>
+                        <a:buClrTx/>
+                        <a:buSzTx/>
+                        <a:buFontTx/>
+                        <a:buNone/>
+                        <a:tabLst/>
+                        <a:defRPr/>
+                      </a:pPr>
+                      <a:r>
+                        <a:rPr lang="en-US" sz="1800" dirty="0">
+                          <a:sym typeface="Wingdings" panose="05000000000000000000" pitchFamily="2" charset="2"/>
+                        </a:rPr>
+                        <a:t>2 CO</a:t>
+                      </a:r>
+                      <a:r>
+                        <a:rPr lang="en-US" sz="1800" baseline="-25000" dirty="0">
+                          <a:sym typeface="Wingdings" panose="05000000000000000000" pitchFamily="2" charset="2"/>
+                        </a:rPr>
+                        <a:t>2</a:t>
+                      </a:r>
+                      <a:r>
+                        <a:rPr lang="en-US" sz="1800" dirty="0">
+                          <a:sym typeface="Wingdings" panose="05000000000000000000" pitchFamily="2" charset="2"/>
+                        </a:rPr>
+                        <a:t> (</a:t>
+                      </a:r>
+                      <a:r>
+                        <a:rPr lang="en-US" sz="1800" i="1" dirty="0">
+                          <a:sym typeface="Wingdings" panose="05000000000000000000" pitchFamily="2" charset="2"/>
+                        </a:rPr>
+                        <a:t>g</a:t>
+                      </a:r>
+                      <a:r>
+                        <a:rPr lang="en-US" sz="1800" dirty="0">
+                          <a:sym typeface="Wingdings" panose="05000000000000000000" pitchFamily="2" charset="2"/>
+                        </a:rPr>
+                        <a:t>) + 2 H</a:t>
+                      </a:r>
+                      <a:r>
+                        <a:rPr lang="en-US" sz="1800" baseline="-25000" dirty="0">
+                          <a:sym typeface="Wingdings" panose="05000000000000000000" pitchFamily="2" charset="2"/>
+                        </a:rPr>
+                        <a:t>2</a:t>
+                      </a:r>
+                      <a:r>
+                        <a:rPr lang="en-US" sz="1800" dirty="0">
+                          <a:sym typeface="Wingdings" panose="05000000000000000000" pitchFamily="2" charset="2"/>
+                        </a:rPr>
+                        <a:t>O (</a:t>
+                      </a:r>
+                      <a:r>
+                        <a:rPr lang="en-US" sz="1800" i="1" dirty="0">
+                          <a:sym typeface="Wingdings" panose="05000000000000000000" pitchFamily="2" charset="2"/>
+                        </a:rPr>
+                        <a:t>g</a:t>
+                      </a:r>
+                      <a:r>
+                        <a:rPr lang="en-US" sz="1800" dirty="0">
+                          <a:sym typeface="Wingdings" panose="05000000000000000000" pitchFamily="2" charset="2"/>
+                        </a:rPr>
+                        <a:t>)</a:t>
+                      </a:r>
+                      <a:endParaRPr lang="en-US" dirty="0"/>
+                    </a:p>
+                  </a:txBody>
+                  <a:tcPr/>
+                </a:tc>
+                <a:extLst>
+                  <a:ext uri="{0D108BD9-81ED-4DB2-BD59-A6C34878D82A}">
+                    <a16:rowId xmlns:a16="http://schemas.microsoft.com/office/drawing/2014/main" val="1610164329"/>
+                  </a:ext>
+                </a:extLst>
+              </a:tr>
+              <a:tr h="370840">
+                <a:tc>
+                  <a:txBody>
+                    <a:bodyPr/>
+                    <a:lstStyle/>
+                    <a:p>
+                      <a:pPr algn="r"/>
+                      <a:r>
+                        <a:rPr lang="en-US" sz="1600" dirty="0">
+                          <a:solidFill>
+                            <a:srgbClr val="0070C0"/>
+                          </a:solidFill>
+                        </a:rPr>
+                        <a:t>Metal</a:t>
+                      </a:r>
+                      <a:r>
+                        <a:rPr lang="en-US" sz="1600" dirty="0"/>
+                        <a:t> (</a:t>
+                      </a:r>
+                      <a:r>
+                        <a:rPr lang="en-US" sz="1600" i="1" dirty="0"/>
+                        <a:t>s</a:t>
+                      </a:r>
+                      <a:r>
+                        <a:rPr lang="en-US" sz="1600" dirty="0"/>
+                        <a:t>) + </a:t>
+                      </a:r>
+                      <a:r>
+                        <a:rPr lang="en-US" sz="1600" dirty="0">
+                          <a:solidFill>
+                            <a:srgbClr val="0070C0"/>
+                          </a:solidFill>
+                        </a:rPr>
+                        <a:t>Oxygen</a:t>
+                      </a:r>
+                      <a:r>
+                        <a:rPr lang="en-US" sz="1600" dirty="0"/>
+                        <a:t> (</a:t>
+                      </a:r>
+                      <a:r>
+                        <a:rPr lang="en-US" sz="1600" i="1" dirty="0"/>
+                        <a:t>g</a:t>
+                      </a:r>
+                      <a:r>
+                        <a:rPr lang="en-US" sz="1600" dirty="0"/>
+                        <a:t>)</a:t>
+                      </a:r>
+                    </a:p>
+                  </a:txBody>
+                  <a:tcPr/>
+                </a:tc>
+                <a:tc>
+                  <a:txBody>
+                    <a:bodyPr/>
+                    <a:lstStyle/>
+                    <a:p>
+                      <a:r>
+                        <a:rPr lang="en-US" sz="1600" dirty="0">
+                          <a:sym typeface="Wingdings" panose="05000000000000000000" pitchFamily="2" charset="2"/>
+                        </a:rPr>
+                        <a:t></a:t>
+                      </a:r>
+                      <a:endParaRPr lang="en-US" sz="1600" dirty="0"/>
+                    </a:p>
+                  </a:txBody>
+                  <a:tcPr/>
+                </a:tc>
+                <a:tc>
+                  <a:txBody>
+                    <a:bodyPr/>
+                    <a:lstStyle/>
+                    <a:p>
+                      <a:pPr marL="0" marR="0" lvl="0" indent="0" algn="l" defTabSz="914400" rtl="0" eaLnBrk="1" fontAlgn="auto" latinLnBrk="0" hangingPunct="1">
+                        <a:lnSpc>
+                          <a:spcPct val="100000"/>
+                        </a:lnSpc>
+                        <a:spcBef>
+                          <a:spcPts val="0"/>
+                        </a:spcBef>
+                        <a:spcAft>
+                          <a:spcPts val="0"/>
+                        </a:spcAft>
+                        <a:buClrTx/>
+                        <a:buSzTx/>
+                        <a:buFontTx/>
+                        <a:buNone/>
+                        <a:tabLst/>
+                        <a:defRPr/>
+                      </a:pPr>
+                      <a:r>
+                        <a:rPr lang="en-US" sz="1600" dirty="0">
+                          <a:solidFill>
+                            <a:srgbClr val="0070C0"/>
+                          </a:solidFill>
+                          <a:sym typeface="Wingdings" panose="05000000000000000000" pitchFamily="2" charset="2"/>
+                        </a:rPr>
+                        <a:t>Metal Oxide </a:t>
+                      </a:r>
+                      <a:r>
+                        <a:rPr lang="en-US" sz="1600" dirty="0">
+                          <a:sym typeface="Wingdings" panose="05000000000000000000" pitchFamily="2" charset="2"/>
+                        </a:rPr>
+                        <a:t>(</a:t>
+                      </a:r>
+                      <a:r>
+                        <a:rPr lang="en-US" sz="1600" i="1" dirty="0">
+                          <a:sym typeface="Wingdings" panose="05000000000000000000" pitchFamily="2" charset="2"/>
+                        </a:rPr>
+                        <a:t>s</a:t>
+                      </a:r>
+                      <a:r>
+                        <a:rPr lang="en-US" sz="1600" dirty="0">
+                          <a:sym typeface="Wingdings" panose="05000000000000000000" pitchFamily="2" charset="2"/>
+                        </a:rPr>
+                        <a:t>)</a:t>
+                      </a:r>
+                      <a:endParaRPr lang="en-US" sz="1600" dirty="0"/>
+                    </a:p>
+                  </a:txBody>
+                  <a:tcPr/>
+                </a:tc>
+                <a:extLst>
+                  <a:ext uri="{0D108BD9-81ED-4DB2-BD59-A6C34878D82A}">
+                    <a16:rowId xmlns:a16="http://schemas.microsoft.com/office/drawing/2014/main" val="2404111575"/>
+                  </a:ext>
+                </a:extLst>
+              </a:tr>
+              <a:tr h="370840">
+                <a:tc>
+                  <a:txBody>
+                    <a:bodyPr/>
+                    <a:lstStyle/>
+                    <a:p>
+                      <a:pPr marL="0" marR="0" lvl="0" indent="0" algn="r" defTabSz="914400" rtl="0" eaLnBrk="1" fontAlgn="auto" latinLnBrk="0" hangingPunct="1">
+                        <a:lnSpc>
+                          <a:spcPct val="100000"/>
+                        </a:lnSpc>
+                        <a:spcBef>
+                          <a:spcPts val="0"/>
+                        </a:spcBef>
+                        <a:spcAft>
+                          <a:spcPts val="0"/>
+                        </a:spcAft>
+                        <a:buClrTx/>
+                        <a:buSzTx/>
+                        <a:buFontTx/>
+                        <a:buNone/>
+                        <a:tabLst/>
+                        <a:defRPr/>
+                      </a:pPr>
+                      <a:r>
+                        <a:rPr lang="en-US" sz="1800" dirty="0">
+                          <a:sym typeface="Wingdings" panose="05000000000000000000" pitchFamily="2" charset="2"/>
+                        </a:rPr>
+                        <a:t>2 K (</a:t>
+                      </a:r>
+                      <a:r>
+                        <a:rPr lang="en-US" sz="1800" i="1" dirty="0">
+                          <a:sym typeface="Wingdings" panose="05000000000000000000" pitchFamily="2" charset="2"/>
+                        </a:rPr>
+                        <a:t>s</a:t>
+                      </a:r>
+                      <a:r>
+                        <a:rPr lang="en-US" sz="1800" dirty="0">
+                          <a:sym typeface="Wingdings" panose="05000000000000000000" pitchFamily="2" charset="2"/>
+                        </a:rPr>
+                        <a:t>) + O</a:t>
+                      </a:r>
+                      <a:r>
+                        <a:rPr lang="en-US" sz="1800" baseline="-25000" dirty="0">
+                          <a:sym typeface="Wingdings" panose="05000000000000000000" pitchFamily="2" charset="2"/>
+                        </a:rPr>
+                        <a:t>2</a:t>
+                      </a:r>
+                      <a:r>
+                        <a:rPr lang="en-US" sz="1800" dirty="0">
+                          <a:sym typeface="Wingdings" panose="05000000000000000000" pitchFamily="2" charset="2"/>
+                        </a:rPr>
+                        <a:t> (</a:t>
+                      </a:r>
+                      <a:r>
+                        <a:rPr lang="en-US" sz="1800" i="1" dirty="0">
+                          <a:sym typeface="Wingdings" panose="05000000000000000000" pitchFamily="2" charset="2"/>
+                        </a:rPr>
+                        <a:t>g</a:t>
+                      </a:r>
+                      <a:r>
+                        <a:rPr lang="en-US" sz="1800" dirty="0">
+                          <a:sym typeface="Wingdings" panose="05000000000000000000" pitchFamily="2" charset="2"/>
+                        </a:rPr>
+                        <a:t>)</a:t>
+                      </a:r>
+                      <a:endParaRPr lang="en-US" dirty="0"/>
+                    </a:p>
+                  </a:txBody>
+                  <a:tcPr/>
+                </a:tc>
+                <a:tc>
+                  <a:txBody>
+                    <a:bodyPr/>
+                    <a:lstStyle/>
+                    <a:p>
+                      <a:pPr marL="0" marR="0" lvl="0" indent="0" algn="l" defTabSz="914400" rtl="0" eaLnBrk="1" fontAlgn="auto" latinLnBrk="0" hangingPunct="1">
+                        <a:lnSpc>
+                          <a:spcPct val="100000"/>
+                        </a:lnSpc>
+                        <a:spcBef>
+                          <a:spcPts val="0"/>
+                        </a:spcBef>
+                        <a:spcAft>
+                          <a:spcPts val="0"/>
+                        </a:spcAft>
+                        <a:buClrTx/>
+                        <a:buSzTx/>
+                        <a:buFontTx/>
+                        <a:buNone/>
+                        <a:tabLst/>
+                        <a:defRPr/>
+                      </a:pPr>
+                      <a:r>
+                        <a:rPr lang="en-US" sz="1800" dirty="0">
+                          <a:sym typeface="Wingdings" panose="05000000000000000000" pitchFamily="2" charset="2"/>
+                        </a:rPr>
+                        <a:t></a:t>
+                      </a:r>
+                      <a:endParaRPr lang="en-US" dirty="0"/>
+                    </a:p>
+                  </a:txBody>
+                  <a:tcPr/>
+                </a:tc>
+                <a:tc>
+                  <a:txBody>
+                    <a:bodyPr/>
+                    <a:lstStyle/>
+                    <a:p>
+                      <a:pPr marL="0" marR="0" lvl="0" indent="0" algn="l" defTabSz="914400" rtl="0" eaLnBrk="1" fontAlgn="auto" latinLnBrk="0" hangingPunct="1">
+                        <a:lnSpc>
+                          <a:spcPct val="100000"/>
+                        </a:lnSpc>
+                        <a:spcBef>
+                          <a:spcPts val="0"/>
+                        </a:spcBef>
+                        <a:spcAft>
+                          <a:spcPts val="0"/>
+                        </a:spcAft>
+                        <a:buClrTx/>
+                        <a:buSzTx/>
+                        <a:buFontTx/>
+                        <a:buNone/>
+                        <a:tabLst/>
+                        <a:defRPr/>
+                      </a:pPr>
+                      <a:r>
+                        <a:rPr lang="en-US" dirty="0"/>
+                        <a:t>K</a:t>
+                      </a:r>
+                      <a:r>
+                        <a:rPr lang="en-US" baseline="-25000" dirty="0"/>
+                        <a:t>2</a:t>
+                      </a:r>
+                      <a:r>
+                        <a:rPr lang="en-US" dirty="0"/>
+                        <a:t>O (</a:t>
+                      </a:r>
+                      <a:r>
+                        <a:rPr lang="en-US" i="1" dirty="0"/>
+                        <a:t>s</a:t>
+                      </a:r>
+                      <a:r>
+                        <a:rPr lang="en-US" dirty="0"/>
+                        <a:t>)</a:t>
+                      </a:r>
+                    </a:p>
+                  </a:txBody>
+                  <a:tcPr/>
+                </a:tc>
+                <a:extLst>
+                  <a:ext uri="{0D108BD9-81ED-4DB2-BD59-A6C34878D82A}">
+                    <a16:rowId xmlns:a16="http://schemas.microsoft.com/office/drawing/2014/main" val="2337257205"/>
+                  </a:ext>
+                </a:extLst>
+              </a:tr>
+            </a:tbl>
+          </a:graphicData>
+        </a:graphic>
+      </p:graphicFrame>
+    </p:spTree>
+    <p:extLst>
+      <p:ext uri="{BB962C8B-B14F-4D97-AF65-F5344CB8AC3E}">
+        <p14:creationId xmlns:p14="http://schemas.microsoft.com/office/powerpoint/2010/main" val="2771325715"/>
+      </p:ext>
+    </p:extLst>
+  </p:cSld>
+  <p:clrMapOvr>
+    <a:masterClrMapping/>
+  </p:clrMapOvr>
+</p:sld>
+</file>
+
+<file path=ppt/slides/slide7.xml><?xml version="1.0" encoding="utf-8"?>
+<p:sld xmlns:a="http://schemas.openxmlformats.org/drawingml/2006/main" xmlns:r="http://schemas.openxmlformats.org/officeDocument/2006/relationships" xmlns:p="http://schemas.openxmlformats.org/presentationml/2006/main">
+  <p:cSld>
+    <p:spTree>
+      <p:nvGrpSpPr>
+        <p:cNvPr id="1" name="">
+          <a:extLst>
+            <a:ext uri="{FF2B5EF4-FFF2-40B4-BE49-F238E27FC236}">
+              <a16:creationId xmlns:a16="http://schemas.microsoft.com/office/drawing/2014/main" id="{1642FFF2-EEAB-04CB-7DA4-B80BBB8B13DA}"/>
+            </a:ext>
+          </a:extLst>
+        </p:cNvPr>
+        <p:cNvGrpSpPr/>
+        <p:nvPr/>
+      </p:nvGrpSpPr>
+      <p:grpSpPr>
+        <a:xfrm>
+          <a:off x="0" y="0"/>
+          <a:ext cx="0" cy="0"/>
+          <a:chOff x="0" y="0"/>
+          <a:chExt cx="0" cy="0"/>
+        </a:xfrm>
+      </p:grpSpPr>
+      <p:sp>
+        <p:nvSpPr>
+          <p:cNvPr id="2" name="Title 1">
+            <a:extLst>
+              <a:ext uri="{FF2B5EF4-FFF2-40B4-BE49-F238E27FC236}">
+                <a16:creationId xmlns:a16="http://schemas.microsoft.com/office/drawing/2014/main" id="{1512513B-9316-6C71-C4F1-476796E4EF05}"/>
+              </a:ext>
+            </a:extLst>
+          </p:cNvPr>
+          <p:cNvSpPr>
+            <a:spLocks noGrp="1"/>
+          </p:cNvSpPr>
+          <p:nvPr>
+            <p:ph type="title"/>
+          </p:nvPr>
+        </p:nvSpPr>
+        <p:spPr>
+          <a:xfrm>
+            <a:off x="355599" y="173140"/>
+            <a:ext cx="8421512" cy="830997"/>
+          </a:xfrm>
+        </p:spPr>
+        <p:txBody>
+          <a:bodyPr/>
+          <a:lstStyle/>
+          <a:p>
+            <a:r>
+              <a:rPr lang="en-US" b="1" dirty="0">
+                <a:solidFill>
+                  <a:srgbClr val="FF0000"/>
+                </a:solidFill>
+              </a:rPr>
+              <a:t>LAB SAFETY</a:t>
+            </a:r>
+          </a:p>
+        </p:txBody>
+      </p:sp>
+      <p:sp>
+        <p:nvSpPr>
+          <p:cNvPr id="3" name="Content Placeholder 2">
+            <a:extLst>
+              <a:ext uri="{FF2B5EF4-FFF2-40B4-BE49-F238E27FC236}">
+                <a16:creationId xmlns:a16="http://schemas.microsoft.com/office/drawing/2014/main" id="{61FF9276-561F-86CD-A0CC-2CC2AC2831BA}"/>
+              </a:ext>
+            </a:extLst>
+          </p:cNvPr>
+          <p:cNvSpPr>
+            <a:spLocks noGrp="1"/>
+          </p:cNvSpPr>
+          <p:nvPr>
+            <p:ph idx="1"/>
+          </p:nvPr>
+        </p:nvSpPr>
+        <p:spPr>
+          <a:xfrm>
+            <a:off x="355599" y="1128358"/>
+            <a:ext cx="8387645" cy="5397765"/>
+          </a:xfrm>
+        </p:spPr>
+        <p:txBody>
+          <a:bodyPr/>
+          <a:lstStyle/>
+          <a:p>
+            <a:r>
+              <a:rPr lang="en-US" dirty="0"/>
+              <a:t>This laboratory session involves the use of seriously caustic chemicals</a:t>
+            </a:r>
+          </a:p>
+          <a:p>
+            <a:r>
+              <a:rPr lang="en-US" dirty="0"/>
+              <a:t>Goggles and coat—AND ESPECIALLY GOGGLES—must be worn OVER THE EYES at all times if you are within 15 feet of any test tube with an ongoing reaction or containing a caustic chemical, whether you are managing the tube/reaction or not</a:t>
+            </a:r>
+          </a:p>
+          <a:p>
+            <a:r>
+              <a:rPr lang="en-US" dirty="0"/>
+              <a:t>If you need to take off your goggles for whatever reason, exit the lab room and safely remove them</a:t>
+            </a:r>
+          </a:p>
+          <a:p>
+            <a:r>
+              <a:rPr lang="en-US" dirty="0"/>
+              <a:t>You should wash your hands before putting your hands on face as a precaution if exiting lab</a:t>
+            </a:r>
+          </a:p>
+          <a:p>
+            <a:r>
+              <a:rPr lang="en-US" u="sng" dirty="0">
+                <a:solidFill>
+                  <a:srgbClr val="FF99CC"/>
+                </a:solidFill>
+              </a:rPr>
+              <a:t>Failure to observe safety is a reason for excusing you from the lab and taking a zero for the session</a:t>
+            </a:r>
+          </a:p>
+        </p:txBody>
+      </p:sp>
+    </p:spTree>
+    <p:extLst>
+      <p:ext uri="{BB962C8B-B14F-4D97-AF65-F5344CB8AC3E}">
+        <p14:creationId xmlns:p14="http://schemas.microsoft.com/office/powerpoint/2010/main" val="1533062775"/>
+      </p:ext>
+    </p:extLst>
+  </p:cSld>
+  <p:clrMapOvr>
+    <a:masterClrMapping/>
+  </p:clrMapOvr>
+</p:sld>
+</file>
+
+<file path=ppt/slides/slide8.xml><?xml version="1.0" encoding="utf-8"?>
 <p:sld xmlns:a="http://schemas.openxmlformats.org/drawingml/2006/main" xmlns:r="http://schemas.openxmlformats.org/officeDocument/2006/relationships" xmlns:p="http://schemas.openxmlformats.org/presentationml/2006/main">
   <p:cSld>
     <p:spTree>
@@ -11472,739 +16680,102 @@
       </p:sp>
       <p:pic>
         <p:nvPicPr>
-          <p:cNvPr id="28" name="Picture 27">
+          <p:cNvPr id="1026" name="Picture 2" descr="Wood Test Tube Rack, 12 Tube Capacity - Premium Chemistry Lab Storage —  hBARSCI">
             <a:extLst>
               <a:ext uri="{FF2B5EF4-FFF2-40B4-BE49-F238E27FC236}">
-                <a16:creationId xmlns:a16="http://schemas.microsoft.com/office/drawing/2014/main" id="{E3D37E1F-6623-386E-390F-27A95E1D5E63}"/>
+                <a16:creationId xmlns:a16="http://schemas.microsoft.com/office/drawing/2014/main" id="{1CAC51D2-F082-2EA6-D8D7-D73AB6925387}"/>
               </a:ext>
             </a:extLst>
           </p:cNvPr>
           <p:cNvPicPr>
-            <a:picLocks noChangeAspect="1"/>
+            <a:picLocks noChangeAspect="1" noChangeArrowheads="1"/>
           </p:cNvPicPr>
           <p:nvPr/>
         </p:nvPicPr>
         <p:blipFill>
-          <a:blip r:embed="rId2"/>
+          <a:blip r:embed="rId2">
+            <a:extLst>
+              <a:ext uri="{28A0092B-C50C-407E-A947-70E740481C1C}">
+                <a14:useLocalDpi xmlns:a14="http://schemas.microsoft.com/office/drawing/2010/main" val="0"/>
+              </a:ext>
+            </a:extLst>
+          </a:blip>
+          <a:srcRect/>
           <a:stretch>
             <a:fillRect/>
           </a:stretch>
         </p:blipFill>
-        <p:spPr>
+        <p:spPr bwMode="auto">
           <a:xfrm>
-            <a:off x="163688" y="1073405"/>
-            <a:ext cx="8805334" cy="5661611"/>
+            <a:off x="426804" y="2082847"/>
+            <a:ext cx="4769199" cy="3918356"/>
           </a:xfrm>
           <a:prstGeom prst="rect">
             <a:avLst/>
           </a:prstGeom>
+          <a:noFill/>
+          <a:extLst>
+            <a:ext uri="{909E8E84-426E-40DD-AFC4-6F175D3DCCD1}">
+              <a14:hiddenFill xmlns:a14="http://schemas.microsoft.com/office/drawing/2010/main">
+                <a:solidFill>
+                  <a:srgbClr val="FFFFFF"/>
+                </a:solidFill>
+              </a14:hiddenFill>
+            </a:ext>
+          </a:extLst>
+        </p:spPr>
+      </p:pic>
+      <p:pic>
+        <p:nvPicPr>
+          <p:cNvPr id="1028" name="Picture 4" descr="1.7 mL Disposable Transfer Pipettes for Refractometer (100 Pack)">
+            <a:extLst>
+              <a:ext uri="{FF2B5EF4-FFF2-40B4-BE49-F238E27FC236}">
+                <a16:creationId xmlns:a16="http://schemas.microsoft.com/office/drawing/2014/main" id="{4CDC827E-D407-12EA-2C08-CDFAC9A84C0A}"/>
+              </a:ext>
+            </a:extLst>
+          </p:cNvPr>
+          <p:cNvPicPr>
+            <a:picLocks noChangeAspect="1" noChangeArrowheads="1"/>
+          </p:cNvPicPr>
+          <p:nvPr/>
+        </p:nvPicPr>
+        <p:blipFill>
+          <a:blip r:embed="rId3">
+            <a:extLst>
+              <a:ext uri="{28A0092B-C50C-407E-A947-70E740481C1C}">
+                <a14:useLocalDpi xmlns:a14="http://schemas.microsoft.com/office/drawing/2010/main" val="0"/>
+              </a:ext>
+            </a:extLst>
+          </a:blip>
+          <a:srcRect/>
+          <a:stretch>
+            <a:fillRect/>
+          </a:stretch>
+        </p:blipFill>
+        <p:spPr bwMode="auto">
+          <a:xfrm>
+            <a:off x="5482311" y="1592990"/>
+            <a:ext cx="3510649" cy="4130175"/>
+          </a:xfrm>
+          <a:prstGeom prst="rect">
+            <a:avLst/>
+          </a:prstGeom>
+          <a:noFill/>
+          <a:extLst>
+            <a:ext uri="{909E8E84-426E-40DD-AFC4-6F175D3DCCD1}">
+              <a14:hiddenFill xmlns:a14="http://schemas.microsoft.com/office/drawing/2010/main">
+                <a:solidFill>
+                  <a:srgbClr val="FFFFFF"/>
+                </a:solidFill>
+              </a14:hiddenFill>
+            </a:ext>
+          </a:extLst>
         </p:spPr>
       </p:pic>
     </p:spTree>
     <p:extLst>
       <p:ext uri="{BB962C8B-B14F-4D97-AF65-F5344CB8AC3E}">
         <p14:creationId xmlns:p14="http://schemas.microsoft.com/office/powerpoint/2010/main" val="1783708726"/>
-      </p:ext>
-    </p:extLst>
-  </p:cSld>
-  <p:clrMapOvr>
-    <a:masterClrMapping/>
-  </p:clrMapOvr>
-</p:sld>
-</file>
-
-<file path=ppt/slides/slide6.xml><?xml version="1.0" encoding="utf-8"?>
-<p:sld xmlns:a="http://schemas.openxmlformats.org/drawingml/2006/main" xmlns:r="http://schemas.openxmlformats.org/officeDocument/2006/relationships" xmlns:p="http://schemas.openxmlformats.org/presentationml/2006/main">
-  <p:cSld>
-    <p:spTree>
-      <p:nvGrpSpPr>
-        <p:cNvPr id="1" name="">
-          <a:extLst>
-            <a:ext uri="{FF2B5EF4-FFF2-40B4-BE49-F238E27FC236}">
-              <a16:creationId xmlns:a16="http://schemas.microsoft.com/office/drawing/2014/main" id="{6E1BA83F-7B22-8A01-2FE3-CCC1C22CD109}"/>
-            </a:ext>
-          </a:extLst>
-        </p:cNvPr>
-        <p:cNvGrpSpPr/>
-        <p:nvPr/>
-      </p:nvGrpSpPr>
-      <p:grpSpPr>
-        <a:xfrm>
-          <a:off x="0" y="0"/>
-          <a:ext cx="0" cy="0"/>
-          <a:chOff x="0" y="0"/>
-          <a:chExt cx="0" cy="0"/>
-        </a:xfrm>
-      </p:grpSpPr>
-      <p:sp>
-        <p:nvSpPr>
-          <p:cNvPr id="2" name="Title 1">
-            <a:extLst>
-              <a:ext uri="{FF2B5EF4-FFF2-40B4-BE49-F238E27FC236}">
-                <a16:creationId xmlns:a16="http://schemas.microsoft.com/office/drawing/2014/main" id="{86EBB132-4F9B-3FA6-3604-1ACDFE9F42E4}"/>
-              </a:ext>
-            </a:extLst>
-          </p:cNvPr>
-          <p:cNvSpPr>
-            <a:spLocks noGrp="1"/>
-          </p:cNvSpPr>
-          <p:nvPr>
-            <p:ph type="title"/>
-          </p:nvPr>
-        </p:nvSpPr>
-        <p:spPr>
-          <a:xfrm>
-            <a:off x="338666" y="183025"/>
-            <a:ext cx="8421512" cy="769441"/>
-          </a:xfrm>
-        </p:spPr>
-        <p:txBody>
-          <a:bodyPr/>
-          <a:lstStyle/>
-          <a:p>
-            <a:r>
-              <a:rPr lang="en-US" sz="4400" dirty="0"/>
-              <a:t>Procedure</a:t>
-            </a:r>
-          </a:p>
-        </p:txBody>
-      </p:sp>
-      <p:sp>
-        <p:nvSpPr>
-          <p:cNvPr id="6" name="Content Placeholder 5">
-            <a:extLst>
-              <a:ext uri="{FF2B5EF4-FFF2-40B4-BE49-F238E27FC236}">
-                <a16:creationId xmlns:a16="http://schemas.microsoft.com/office/drawing/2014/main" id="{AEB68387-E25A-7C7C-241B-25887E4EABC6}"/>
-              </a:ext>
-            </a:extLst>
-          </p:cNvPr>
-          <p:cNvSpPr>
-            <a:spLocks noGrp="1"/>
-          </p:cNvSpPr>
-          <p:nvPr>
-            <p:ph idx="1"/>
-          </p:nvPr>
-        </p:nvSpPr>
-        <p:spPr>
-          <a:xfrm>
-            <a:off x="372533" y="952466"/>
-            <a:ext cx="8387645" cy="5595089"/>
-          </a:xfrm>
-        </p:spPr>
-        <p:txBody>
-          <a:bodyPr/>
-          <a:lstStyle/>
-          <a:p>
-            <a:pPr marL="0" indent="0">
-              <a:buNone/>
-            </a:pPr>
-            <a:r>
-              <a:rPr lang="en-US" sz="2800" i="1" dirty="0">
-                <a:solidFill>
-                  <a:srgbClr val="00FF00"/>
-                </a:solidFill>
-              </a:rPr>
-              <a:t>Cleaning the Crucible</a:t>
-            </a:r>
-          </a:p>
-          <a:p>
-            <a:pPr marL="457200" indent="-457200">
-              <a:buFont typeface="+mj-lt"/>
-              <a:buAutoNum type="arabicPeriod"/>
-            </a:pPr>
-            <a:r>
-              <a:rPr lang="en-US" sz="2800" dirty="0"/>
-              <a:t>If crucible dirty, use small steel wool piece to scrape out solids. Wipe with dry paper towel</a:t>
-            </a:r>
-          </a:p>
-          <a:p>
-            <a:pPr marL="457200" indent="-457200">
-              <a:buFont typeface="+mj-lt"/>
-              <a:buAutoNum type="arabicPeriod"/>
-            </a:pPr>
-            <a:r>
-              <a:rPr lang="en-US" sz="2800" dirty="0"/>
-              <a:t>Put crucible on stand and heat with blue-coned flame until slightly red hot</a:t>
-            </a:r>
-          </a:p>
-          <a:p>
-            <a:pPr marL="457200" indent="-457200">
-              <a:buFont typeface="+mj-lt"/>
-              <a:buAutoNum type="arabicPeriod"/>
-            </a:pPr>
-            <a:r>
-              <a:rPr lang="en-US" sz="2800" dirty="0"/>
-              <a:t>Use tongs to set crucible on wire mesh and let cool to room temperature (~5 minutes)</a:t>
-            </a:r>
-          </a:p>
-          <a:p>
-            <a:pPr marL="0" indent="0">
-              <a:buNone/>
-            </a:pPr>
-            <a:r>
-              <a:rPr lang="en-US" sz="2800" dirty="0"/>
-              <a:t>DO NOT SET ANY </a:t>
-            </a:r>
-            <a:r>
-              <a:rPr lang="en-US" sz="3200" b="1" dirty="0">
-                <a:solidFill>
-                  <a:srgbClr val="FF0066"/>
-                </a:solidFill>
-              </a:rPr>
-              <a:t>HOT</a:t>
-            </a:r>
-            <a:r>
-              <a:rPr lang="en-US" sz="2800" dirty="0"/>
-              <a:t> CRUCIBLE ON COUNTERTOP OR ON PAPER OR THEY CAN BURN!</a:t>
-            </a:r>
-          </a:p>
-        </p:txBody>
-      </p:sp>
-    </p:spTree>
-    <p:extLst>
-      <p:ext uri="{BB962C8B-B14F-4D97-AF65-F5344CB8AC3E}">
-        <p14:creationId xmlns:p14="http://schemas.microsoft.com/office/powerpoint/2010/main" val="3952654810"/>
-      </p:ext>
-    </p:extLst>
-  </p:cSld>
-  <p:clrMapOvr>
-    <a:masterClrMapping/>
-  </p:clrMapOvr>
-</p:sld>
-</file>
-
-<file path=ppt/slides/slide7.xml><?xml version="1.0" encoding="utf-8"?>
-<p:sld xmlns:a="http://schemas.openxmlformats.org/drawingml/2006/main" xmlns:r="http://schemas.openxmlformats.org/officeDocument/2006/relationships" xmlns:p="http://schemas.openxmlformats.org/presentationml/2006/main">
-  <p:cSld>
-    <p:spTree>
-      <p:nvGrpSpPr>
-        <p:cNvPr id="1" name="">
-          <a:extLst>
-            <a:ext uri="{FF2B5EF4-FFF2-40B4-BE49-F238E27FC236}">
-              <a16:creationId xmlns:a16="http://schemas.microsoft.com/office/drawing/2014/main" id="{4EB46B47-6540-F52F-1F64-854396E70E55}"/>
-            </a:ext>
-          </a:extLst>
-        </p:cNvPr>
-        <p:cNvGrpSpPr/>
-        <p:nvPr/>
-      </p:nvGrpSpPr>
-      <p:grpSpPr>
-        <a:xfrm>
-          <a:off x="0" y="0"/>
-          <a:ext cx="0" cy="0"/>
-          <a:chOff x="0" y="0"/>
-          <a:chExt cx="0" cy="0"/>
-        </a:xfrm>
-      </p:grpSpPr>
-      <p:sp>
-        <p:nvSpPr>
-          <p:cNvPr id="2" name="Title 1">
-            <a:extLst>
-              <a:ext uri="{FF2B5EF4-FFF2-40B4-BE49-F238E27FC236}">
-                <a16:creationId xmlns:a16="http://schemas.microsoft.com/office/drawing/2014/main" id="{F6F2263F-7C9A-1678-6FE0-453CEF2400AF}"/>
-              </a:ext>
-            </a:extLst>
-          </p:cNvPr>
-          <p:cNvSpPr>
-            <a:spLocks noGrp="1"/>
-          </p:cNvSpPr>
-          <p:nvPr>
-            <p:ph type="title"/>
-          </p:nvPr>
-        </p:nvSpPr>
-        <p:spPr>
-          <a:xfrm>
-            <a:off x="338666" y="183025"/>
-            <a:ext cx="8421512" cy="769441"/>
-          </a:xfrm>
-        </p:spPr>
-        <p:txBody>
-          <a:bodyPr/>
-          <a:lstStyle/>
-          <a:p>
-            <a:r>
-              <a:rPr lang="en-US" sz="4400" dirty="0"/>
-              <a:t>Procedure</a:t>
-            </a:r>
-          </a:p>
-        </p:txBody>
-      </p:sp>
-      <p:sp>
-        <p:nvSpPr>
-          <p:cNvPr id="6" name="Content Placeholder 5">
-            <a:extLst>
-              <a:ext uri="{FF2B5EF4-FFF2-40B4-BE49-F238E27FC236}">
-                <a16:creationId xmlns:a16="http://schemas.microsoft.com/office/drawing/2014/main" id="{003BDB66-1E78-B72D-677D-D6B5050E2008}"/>
-              </a:ext>
-            </a:extLst>
-          </p:cNvPr>
-          <p:cNvSpPr>
-            <a:spLocks noGrp="1"/>
-          </p:cNvSpPr>
-          <p:nvPr>
-            <p:ph idx="1"/>
-          </p:nvPr>
-        </p:nvSpPr>
-        <p:spPr>
-          <a:xfrm>
-            <a:off x="372533" y="952466"/>
-            <a:ext cx="8387645" cy="5595089"/>
-          </a:xfrm>
-        </p:spPr>
-        <p:txBody>
-          <a:bodyPr/>
-          <a:lstStyle/>
-          <a:p>
-            <a:pPr marL="0" indent="0">
-              <a:buNone/>
-            </a:pPr>
-            <a:r>
-              <a:rPr lang="en-US" sz="2800" i="1" dirty="0">
-                <a:solidFill>
-                  <a:srgbClr val="00FF00"/>
-                </a:solidFill>
-              </a:rPr>
-              <a:t>Before Reaction</a:t>
-            </a:r>
-          </a:p>
-          <a:p>
-            <a:pPr marL="457200" indent="-457200">
-              <a:buFont typeface="+mj-lt"/>
-              <a:buAutoNum type="arabicPeriod"/>
-            </a:pPr>
-            <a:r>
-              <a:rPr lang="en-US" dirty="0"/>
-              <a:t>Determine mass of empty </a:t>
-            </a:r>
-            <a:r>
-              <a:rPr lang="en-US" dirty="0">
-                <a:solidFill>
-                  <a:schemeClr val="accent1">
-                    <a:lumMod val="60000"/>
-                    <a:lumOff val="40000"/>
-                  </a:schemeClr>
-                </a:solidFill>
-              </a:rPr>
-              <a:t>crucible</a:t>
-            </a:r>
-            <a:r>
-              <a:rPr lang="en-US" dirty="0"/>
-              <a:t> (A)</a:t>
-            </a:r>
-          </a:p>
-          <a:p>
-            <a:pPr marL="457200" indent="-457200">
-              <a:buFont typeface="+mj-lt"/>
-              <a:buAutoNum type="arabicPeriod"/>
-            </a:pPr>
-            <a:r>
-              <a:rPr lang="en-US" dirty="0"/>
-              <a:t>Get </a:t>
-            </a:r>
-            <a:r>
-              <a:rPr lang="en-US" dirty="0">
-                <a:solidFill>
-                  <a:srgbClr val="FF9933"/>
-                </a:solidFill>
-              </a:rPr>
-              <a:t>copper wire</a:t>
-            </a:r>
-            <a:r>
-              <a:rPr lang="en-US" dirty="0"/>
-              <a:t>, </a:t>
-            </a:r>
-            <a:r>
-              <a:rPr lang="en-US" dirty="0">
-                <a:solidFill>
-                  <a:srgbClr val="FFFF00"/>
-                </a:solidFill>
-              </a:rPr>
-              <a:t>coil</a:t>
-            </a:r>
-            <a:r>
-              <a:rPr lang="en-US" dirty="0"/>
-              <a:t> it to fit in </a:t>
-            </a:r>
-            <a:r>
-              <a:rPr lang="en-US" dirty="0">
-                <a:solidFill>
-                  <a:schemeClr val="accent1">
-                    <a:lumMod val="60000"/>
-                    <a:lumOff val="40000"/>
-                  </a:schemeClr>
-                </a:solidFill>
-              </a:rPr>
-              <a:t>crucible</a:t>
-            </a:r>
-            <a:r>
-              <a:rPr lang="en-US" dirty="0"/>
-              <a:t>. Record the physical properties, and then the mass of the wire in crucible (B)</a:t>
-            </a:r>
-          </a:p>
-          <a:p>
-            <a:pPr marL="457200" indent="-457200">
-              <a:buFont typeface="+mj-lt"/>
-              <a:buAutoNum type="arabicPeriod"/>
-            </a:pPr>
-            <a:r>
-              <a:rPr lang="en-US" dirty="0"/>
-              <a:t>On </a:t>
-            </a:r>
-            <a:r>
-              <a:rPr lang="en-US" dirty="0">
-                <a:solidFill>
-                  <a:schemeClr val="accent1">
-                    <a:lumMod val="60000"/>
-                    <a:lumOff val="40000"/>
-                  </a:schemeClr>
-                </a:solidFill>
-              </a:rPr>
-              <a:t>glassine paper</a:t>
-            </a:r>
-            <a:r>
-              <a:rPr lang="en-US" dirty="0"/>
-              <a:t>, use </a:t>
-            </a:r>
-            <a:r>
-              <a:rPr lang="en-US" dirty="0">
-                <a:solidFill>
-                  <a:schemeClr val="accent1">
-                    <a:lumMod val="60000"/>
-                    <a:lumOff val="40000"/>
-                  </a:schemeClr>
-                </a:solidFill>
-              </a:rPr>
-              <a:t>scoopula</a:t>
-            </a:r>
-            <a:r>
-              <a:rPr lang="en-US" dirty="0"/>
-              <a:t> to get 2-4 g </a:t>
-            </a:r>
-            <a:r>
-              <a:rPr lang="en-US" dirty="0">
-                <a:solidFill>
-                  <a:srgbClr val="FF9933"/>
-                </a:solidFill>
-              </a:rPr>
-              <a:t>sulfur</a:t>
-            </a:r>
-            <a:r>
-              <a:rPr lang="en-US" dirty="0"/>
-              <a:t>. Add to the crucible to cover the coiled wire. Record total mass in crucible (C)</a:t>
-            </a:r>
-          </a:p>
-          <a:p>
-            <a:pPr marL="0" indent="0">
-              <a:buNone/>
-            </a:pPr>
-            <a:endParaRPr lang="en-US" dirty="0"/>
-          </a:p>
-          <a:p>
-            <a:pPr marL="457200" indent="-457200">
-              <a:buFont typeface="+mj-lt"/>
-              <a:buAutoNum type="arabicPeriod"/>
-            </a:pPr>
-            <a:endParaRPr lang="en-US" dirty="0"/>
-          </a:p>
-          <a:p>
-            <a:pPr marL="457200" indent="-457200">
-              <a:buFont typeface="+mj-lt"/>
-              <a:buAutoNum type="arabicPeriod"/>
-            </a:pPr>
-            <a:endParaRPr lang="en-US" sz="2800" dirty="0"/>
-          </a:p>
-        </p:txBody>
-      </p:sp>
-    </p:spTree>
-    <p:extLst>
-      <p:ext uri="{BB962C8B-B14F-4D97-AF65-F5344CB8AC3E}">
-        <p14:creationId xmlns:p14="http://schemas.microsoft.com/office/powerpoint/2010/main" val="3789276793"/>
-      </p:ext>
-    </p:extLst>
-  </p:cSld>
-  <p:clrMapOvr>
-    <a:masterClrMapping/>
-  </p:clrMapOvr>
-</p:sld>
-</file>
-
-<file path=ppt/slides/slide8.xml><?xml version="1.0" encoding="utf-8"?>
-<p:sld xmlns:a="http://schemas.openxmlformats.org/drawingml/2006/main" xmlns:r="http://schemas.openxmlformats.org/officeDocument/2006/relationships" xmlns:p="http://schemas.openxmlformats.org/presentationml/2006/main">
-  <p:cSld>
-    <p:spTree>
-      <p:nvGrpSpPr>
-        <p:cNvPr id="1" name="">
-          <a:extLst>
-            <a:ext uri="{FF2B5EF4-FFF2-40B4-BE49-F238E27FC236}">
-              <a16:creationId xmlns:a16="http://schemas.microsoft.com/office/drawing/2014/main" id="{80032430-C568-9444-018A-4A293518DCCA}"/>
-            </a:ext>
-          </a:extLst>
-        </p:cNvPr>
-        <p:cNvGrpSpPr/>
-        <p:nvPr/>
-      </p:nvGrpSpPr>
-      <p:grpSpPr>
-        <a:xfrm>
-          <a:off x="0" y="0"/>
-          <a:ext cx="0" cy="0"/>
-          <a:chOff x="0" y="0"/>
-          <a:chExt cx="0" cy="0"/>
-        </a:xfrm>
-      </p:grpSpPr>
-      <p:sp>
-        <p:nvSpPr>
-          <p:cNvPr id="2" name="Title 1">
-            <a:extLst>
-              <a:ext uri="{FF2B5EF4-FFF2-40B4-BE49-F238E27FC236}">
-                <a16:creationId xmlns:a16="http://schemas.microsoft.com/office/drawing/2014/main" id="{8B652173-3E63-7A53-DF9E-053FCE100E99}"/>
-              </a:ext>
-            </a:extLst>
-          </p:cNvPr>
-          <p:cNvSpPr>
-            <a:spLocks noGrp="1"/>
-          </p:cNvSpPr>
-          <p:nvPr>
-            <p:ph type="title"/>
-          </p:nvPr>
-        </p:nvSpPr>
-        <p:spPr>
-          <a:xfrm>
-            <a:off x="338666" y="183025"/>
-            <a:ext cx="8421512" cy="769441"/>
-          </a:xfrm>
-        </p:spPr>
-        <p:txBody>
-          <a:bodyPr/>
-          <a:lstStyle/>
-          <a:p>
-            <a:r>
-              <a:rPr lang="en-US" sz="4400" dirty="0"/>
-              <a:t>Procedure</a:t>
-            </a:r>
-          </a:p>
-        </p:txBody>
-      </p:sp>
-      <p:sp>
-        <p:nvSpPr>
-          <p:cNvPr id="6" name="Content Placeholder 5">
-            <a:extLst>
-              <a:ext uri="{FF2B5EF4-FFF2-40B4-BE49-F238E27FC236}">
-                <a16:creationId xmlns:a16="http://schemas.microsoft.com/office/drawing/2014/main" id="{2D45A565-8AD4-F37F-9436-FAD0B19DA96C}"/>
-              </a:ext>
-            </a:extLst>
-          </p:cNvPr>
-          <p:cNvSpPr>
-            <a:spLocks noGrp="1"/>
-          </p:cNvSpPr>
-          <p:nvPr>
-            <p:ph idx="1"/>
-          </p:nvPr>
-        </p:nvSpPr>
-        <p:spPr>
-          <a:xfrm>
-            <a:off x="372533" y="952466"/>
-            <a:ext cx="8387645" cy="5595089"/>
-          </a:xfrm>
-        </p:spPr>
-        <p:txBody>
-          <a:bodyPr/>
-          <a:lstStyle/>
-          <a:p>
-            <a:pPr marL="0" indent="0">
-              <a:buNone/>
-            </a:pPr>
-            <a:r>
-              <a:rPr lang="en-US" sz="2800" i="1" dirty="0">
-                <a:solidFill>
-                  <a:srgbClr val="00FF00"/>
-                </a:solidFill>
-              </a:rPr>
-              <a:t>Reaction</a:t>
-            </a:r>
-          </a:p>
-          <a:p>
-            <a:pPr marL="457200" indent="-457200">
-              <a:buFont typeface="+mj-lt"/>
-              <a:buAutoNum type="arabicPeriod"/>
-            </a:pPr>
-            <a:r>
-              <a:rPr lang="en-US" sz="2200" dirty="0"/>
-              <a:t>Heat the contents with a </a:t>
-            </a:r>
-            <a:r>
-              <a:rPr lang="en-US" sz="2200" dirty="0">
-                <a:solidFill>
-                  <a:schemeClr val="accent1">
-                    <a:lumMod val="60000"/>
-                    <a:lumOff val="40000"/>
-                  </a:schemeClr>
-                </a:solidFill>
-              </a:rPr>
-              <a:t>blue flame </a:t>
-            </a:r>
-            <a:r>
-              <a:rPr lang="en-US" sz="2200" dirty="0"/>
-              <a:t>of the </a:t>
-            </a:r>
-            <a:r>
-              <a:rPr lang="en-US" sz="2200" dirty="0">
-                <a:solidFill>
-                  <a:schemeClr val="accent1">
-                    <a:lumMod val="60000"/>
-                    <a:lumOff val="40000"/>
-                  </a:schemeClr>
-                </a:solidFill>
-              </a:rPr>
-              <a:t>Bunsen burner</a:t>
-            </a:r>
-            <a:r>
-              <a:rPr lang="en-US" sz="2200" dirty="0"/>
-              <a:t>. The </a:t>
-            </a:r>
-            <a:r>
-              <a:rPr lang="en-US" sz="2200" dirty="0">
-                <a:solidFill>
-                  <a:srgbClr val="FFFF00"/>
-                </a:solidFill>
-              </a:rPr>
-              <a:t>sulfur</a:t>
-            </a:r>
-            <a:r>
-              <a:rPr lang="en-US" sz="2200" dirty="0"/>
-              <a:t> will melt within about a minute.</a:t>
-            </a:r>
-          </a:p>
-          <a:p>
-            <a:pPr marL="457200" indent="-457200">
-              <a:buFont typeface="+mj-lt"/>
-              <a:buAutoNum type="arabicPeriod"/>
-            </a:pPr>
-            <a:r>
-              <a:rPr lang="en-US" sz="2200" dirty="0"/>
-              <a:t>Use the </a:t>
-            </a:r>
-            <a:r>
-              <a:rPr lang="en-US" sz="2200" dirty="0">
-                <a:solidFill>
-                  <a:schemeClr val="accent1">
-                    <a:lumMod val="60000"/>
-                    <a:lumOff val="40000"/>
-                  </a:schemeClr>
-                </a:solidFill>
-              </a:rPr>
-              <a:t>crucible tongs </a:t>
-            </a:r>
-            <a:r>
-              <a:rPr lang="en-US" sz="2200" dirty="0"/>
-              <a:t>to transfer the crucible to the </a:t>
-            </a:r>
-            <a:r>
-              <a:rPr lang="en-US" sz="2200" dirty="0">
-                <a:solidFill>
-                  <a:schemeClr val="accent1">
-                    <a:lumMod val="60000"/>
-                    <a:lumOff val="40000"/>
-                  </a:schemeClr>
-                </a:solidFill>
-              </a:rPr>
-              <a:t>wire mesh. </a:t>
-            </a:r>
-            <a:r>
-              <a:rPr lang="en-US" sz="2200" dirty="0"/>
-              <a:t>The</a:t>
-            </a:r>
-            <a:r>
-              <a:rPr lang="en-US" sz="2200" dirty="0">
-                <a:solidFill>
-                  <a:schemeClr val="accent1">
-                    <a:lumMod val="60000"/>
-                    <a:lumOff val="40000"/>
-                  </a:schemeClr>
-                </a:solidFill>
-              </a:rPr>
-              <a:t> </a:t>
-            </a:r>
-            <a:r>
-              <a:rPr lang="en-US" sz="2200" dirty="0"/>
-              <a:t>melted sulfur reacts with the copper during this time.</a:t>
-            </a:r>
-          </a:p>
-          <a:p>
-            <a:pPr marL="457200" indent="-457200">
-              <a:buFont typeface="+mj-lt"/>
-              <a:buAutoNum type="arabicPeriod"/>
-            </a:pPr>
-            <a:r>
-              <a:rPr lang="en-US" sz="2200" dirty="0"/>
-              <a:t>Put the crucible back on the flame: the unreacted sulfur will burn off, forming sulfur dioxide (SO</a:t>
-            </a:r>
-            <a:r>
-              <a:rPr lang="en-US" sz="2200" baseline="-25000" dirty="0"/>
-              <a:t>2</a:t>
-            </a:r>
-            <a:r>
-              <a:rPr lang="en-US" sz="2200" dirty="0"/>
-              <a:t>) gas, vented in the hood. The crucible looks clean and dry except for the coil of copper sulfide.</a:t>
-            </a:r>
-          </a:p>
-          <a:p>
-            <a:pPr marL="457200" indent="-457200">
-              <a:buFont typeface="+mj-lt"/>
-              <a:buAutoNum type="arabicPeriod"/>
-            </a:pPr>
-            <a:r>
-              <a:rPr lang="en-US" sz="2200" dirty="0"/>
-              <a:t>Set the crucible again on the wire mesh to cool</a:t>
-            </a:r>
-          </a:p>
-          <a:p>
-            <a:pPr marL="457200" indent="-457200">
-              <a:buFont typeface="+mj-lt"/>
-              <a:buAutoNum type="arabicPeriod"/>
-            </a:pPr>
-            <a:r>
-              <a:rPr lang="en-US" sz="2200" dirty="0"/>
-              <a:t>Record mass of crucible with the new compound (</a:t>
-            </a:r>
-            <a:r>
-              <a:rPr lang="en-US" sz="2200" b="1" dirty="0"/>
-              <a:t>D</a:t>
-            </a:r>
-            <a:r>
-              <a:rPr lang="en-US" sz="2200" dirty="0"/>
-              <a:t>)</a:t>
-            </a:r>
-          </a:p>
-          <a:p>
-            <a:pPr marL="457200" indent="-457200">
-              <a:buFont typeface="+mj-lt"/>
-              <a:buAutoNum type="arabicPeriod"/>
-            </a:pPr>
-            <a:r>
-              <a:rPr lang="en-US" sz="2200" dirty="0"/>
-              <a:t>Carefully tip crucible contents on to watch glass and make observations of physical properties</a:t>
-            </a:r>
-          </a:p>
-          <a:p>
-            <a:pPr marL="457200" indent="-457200">
-              <a:buFont typeface="+mj-lt"/>
-              <a:buAutoNum type="arabicPeriod"/>
-            </a:pPr>
-            <a:endParaRPr lang="en-US" dirty="0"/>
-          </a:p>
-          <a:p>
-            <a:pPr marL="457200" indent="-457200">
-              <a:buFont typeface="+mj-lt"/>
-              <a:buAutoNum type="arabicPeriod"/>
-            </a:pPr>
-            <a:endParaRPr lang="en-US" sz="2800" dirty="0"/>
-          </a:p>
-        </p:txBody>
-      </p:sp>
-    </p:spTree>
-    <p:extLst>
-      <p:ext uri="{BB962C8B-B14F-4D97-AF65-F5344CB8AC3E}">
-        <p14:creationId xmlns:p14="http://schemas.microsoft.com/office/powerpoint/2010/main" val="943315025"/>
       </p:ext>
     </p:extLst>
   </p:cSld>
@@ -12222,7 +16793,7 @@
         <p:cNvPr id="1" name="">
           <a:extLst>
             <a:ext uri="{FF2B5EF4-FFF2-40B4-BE49-F238E27FC236}">
-              <a16:creationId xmlns:a16="http://schemas.microsoft.com/office/drawing/2014/main" id="{BA86FC53-DF32-CE64-DFB5-7C8645A52D75}"/>
+              <a16:creationId xmlns:a16="http://schemas.microsoft.com/office/drawing/2014/main" id="{6D73DE4B-D29C-CBC6-9121-4E1A48194AC7}"/>
             </a:ext>
           </a:extLst>
         </p:cNvPr>
@@ -12239,10 +16810,35 @@
       </p:grpSpPr>
       <p:sp>
         <p:nvSpPr>
+          <p:cNvPr id="6" name="Content Placeholder 5">
+            <a:extLst>
+              <a:ext uri="{FF2B5EF4-FFF2-40B4-BE49-F238E27FC236}">
+                <a16:creationId xmlns:a16="http://schemas.microsoft.com/office/drawing/2014/main" id="{FE289168-F7D6-0844-CDF8-3FA6136F20C1}"/>
+              </a:ext>
+            </a:extLst>
+          </p:cNvPr>
+          <p:cNvSpPr>
+            <a:spLocks noGrp="1"/>
+          </p:cNvSpPr>
+          <p:nvPr>
+            <p:ph idx="1"/>
+          </p:nvPr>
+        </p:nvSpPr>
+        <p:spPr/>
+        <p:txBody>
+          <a:bodyPr/>
+          <a:lstStyle/>
+          <a:p>
+            <a:endParaRPr lang="en-US" dirty="0"/>
+          </a:p>
+        </p:txBody>
+      </p:sp>
+      <p:sp>
+        <p:nvSpPr>
           <p:cNvPr id="2" name="Title 1">
             <a:extLst>
               <a:ext uri="{FF2B5EF4-FFF2-40B4-BE49-F238E27FC236}">
-                <a16:creationId xmlns:a16="http://schemas.microsoft.com/office/drawing/2014/main" id="{C16FF693-5E30-D813-D298-9AB46F923D33}"/>
+                <a16:creationId xmlns:a16="http://schemas.microsoft.com/office/drawing/2014/main" id="{85BF4A8A-3D17-5DB2-C006-CC632EB90E0B}"/>
               </a:ext>
             </a:extLst>
           </p:cNvPr>
@@ -12255,8 +16851,8 @@
         </p:nvSpPr>
         <p:spPr>
           <a:xfrm>
-            <a:off x="338666" y="183025"/>
-            <a:ext cx="8421512" cy="769441"/>
+            <a:off x="338666" y="122984"/>
+            <a:ext cx="8421512" cy="830997"/>
           </a:xfrm>
         </p:spPr>
         <p:txBody>
@@ -12264,146 +16860,333 @@
           <a:lstStyle/>
           <a:p>
             <a:r>
-              <a:rPr lang="en-US" sz="4400" dirty="0"/>
-              <a:t>Example Data Analysis</a:t>
+              <a:rPr lang="en-US" dirty="0"/>
+              <a:t>Consumables</a:t>
             </a:r>
           </a:p>
         </p:txBody>
       </p:sp>
-      <p:sp>
-        <p:nvSpPr>
-          <p:cNvPr id="6" name="Content Placeholder 5">
+      <p:pic>
+        <p:nvPicPr>
+          <p:cNvPr id="2050" name="Picture 2">
             <a:extLst>
               <a:ext uri="{FF2B5EF4-FFF2-40B4-BE49-F238E27FC236}">
-                <a16:creationId xmlns:a16="http://schemas.microsoft.com/office/drawing/2014/main" id="{584FB2EA-A75D-4ADA-B03B-899868167CF9}"/>
+                <a16:creationId xmlns:a16="http://schemas.microsoft.com/office/drawing/2014/main" id="{2A41929C-5117-5F35-C5E7-A30D4AE086E1}"/>
               </a:ext>
             </a:extLst>
           </p:cNvPr>
-          <p:cNvSpPr>
-            <a:spLocks noGrp="1"/>
-          </p:cNvSpPr>
-          <p:nvPr>
-            <p:ph idx="1"/>
-          </p:nvPr>
-        </p:nvSpPr>
+          <p:cNvPicPr>
+            <a:picLocks noChangeAspect="1" noChangeArrowheads="1"/>
+          </p:cNvPicPr>
+          <p:nvPr/>
+        </p:nvPicPr>
+        <p:blipFill>
+          <a:blip r:embed="rId2">
+            <a:extLst>
+              <a:ext uri="{28A0092B-C50C-407E-A947-70E740481C1C}">
+                <a14:useLocalDpi xmlns:a14="http://schemas.microsoft.com/office/drawing/2010/main" val="0"/>
+              </a:ext>
+            </a:extLst>
+          </a:blip>
+          <a:srcRect/>
+          <a:stretch>
+            <a:fillRect/>
+          </a:stretch>
+        </p:blipFill>
+        <p:spPr bwMode="auto">
+          <a:xfrm>
+            <a:off x="230498" y="1151163"/>
+            <a:ext cx="1930997" cy="2892879"/>
+          </a:xfrm>
+          <a:prstGeom prst="rect">
+            <a:avLst/>
+          </a:prstGeom>
+          <a:noFill/>
+          <a:extLst>
+            <a:ext uri="{909E8E84-426E-40DD-AFC4-6F175D3DCCD1}">
+              <a14:hiddenFill xmlns:a14="http://schemas.microsoft.com/office/drawing/2010/main">
+                <a:solidFill>
+                  <a:srgbClr val="FFFFFF"/>
+                </a:solidFill>
+              </a14:hiddenFill>
+            </a:ext>
+          </a:extLst>
+        </p:spPr>
+      </p:pic>
+      <p:pic>
+        <p:nvPicPr>
+          <p:cNvPr id="5" name="Picture 4">
+            <a:extLst>
+              <a:ext uri="{FF2B5EF4-FFF2-40B4-BE49-F238E27FC236}">
+                <a16:creationId xmlns:a16="http://schemas.microsoft.com/office/drawing/2014/main" id="{35A28177-8891-11DA-A901-C2E467355B10}"/>
+              </a:ext>
+            </a:extLst>
+          </p:cNvPr>
+          <p:cNvPicPr>
+            <a:picLocks noChangeAspect="1"/>
+          </p:cNvPicPr>
+          <p:nvPr/>
+        </p:nvPicPr>
+        <p:blipFill>
+          <a:blip r:embed="rId3"/>
+          <a:stretch>
+            <a:fillRect/>
+          </a:stretch>
+        </p:blipFill>
         <p:spPr>
           <a:xfrm>
-            <a:off x="372533" y="952466"/>
-            <a:ext cx="8387645" cy="5595089"/>
+            <a:off x="2161495" y="1041327"/>
+            <a:ext cx="1219508" cy="3002715"/>
           </a:xfrm>
+          <a:prstGeom prst="rect">
+            <a:avLst/>
+          </a:prstGeom>
         </p:spPr>
-        <p:txBody>
-          <a:bodyPr/>
-          <a:lstStyle/>
-          <a:p>
-            <a:pPr marL="457200" indent="-457200">
-              <a:buFont typeface="+mj-lt"/>
-              <a:buAutoNum type="arabicPeriod"/>
-            </a:pPr>
-            <a:r>
-              <a:rPr lang="en-US" dirty="0"/>
-              <a:t>Suppose A=23.7584 g, B=34.3532 g,</a:t>
-            </a:r>
-            <a:br>
-              <a:rPr lang="en-US" dirty="0"/>
-            </a:br>
-            <a:r>
-              <a:rPr lang="en-US" dirty="0"/>
-              <a:t>C=37.5732 g. After the reaction, D=36.7841 g</a:t>
-            </a:r>
-          </a:p>
-          <a:p>
-            <a:pPr marL="457200" indent="-457200">
-              <a:buFont typeface="+mj-lt"/>
-              <a:buAutoNum type="arabicPeriod"/>
-            </a:pPr>
-            <a:r>
-              <a:rPr lang="en-US" dirty="0"/>
-              <a:t>[B-A]=10.5948 g, [C-B]=3.2200 g,</a:t>
-            </a:r>
-            <a:br>
-              <a:rPr lang="en-US" dirty="0"/>
-            </a:br>
-            <a:r>
-              <a:rPr lang="en-US" dirty="0"/>
-              <a:t>[D-A]=13.0257 g</a:t>
-            </a:r>
-          </a:p>
-          <a:p>
-            <a:pPr marL="457200" indent="-457200">
-              <a:buFont typeface="+mj-lt"/>
-              <a:buAutoNum type="arabicPeriod"/>
-            </a:pPr>
-            <a:r>
-              <a:rPr lang="en-US" dirty="0"/>
-              <a:t>Copper reacted should be same as initial copper, because copper doesn’t go anywhere</a:t>
-            </a:r>
-          </a:p>
-          <a:p>
-            <a:pPr marL="457200" indent="-457200">
-              <a:buFont typeface="+mj-lt"/>
-              <a:buAutoNum type="arabicPeriod"/>
-            </a:pPr>
-            <a:r>
-              <a:rPr lang="en-US" dirty="0"/>
-              <a:t>Sulfur reacted should be [D-A]-[B-A]=13.0257 g - 10.5948 g= 2.4309 g</a:t>
-            </a:r>
-          </a:p>
-          <a:p>
-            <a:pPr marL="457200" indent="-457200">
-              <a:buFont typeface="+mj-lt"/>
-              <a:buAutoNum type="arabicPeriod"/>
-            </a:pPr>
-            <a:r>
-              <a:rPr lang="en-US" dirty="0"/>
-              <a:t>Excess sulfur = [C-B]-2.4309 g = 3.2200 g – 2.4309 g =0.7891 g </a:t>
-            </a:r>
-          </a:p>
-          <a:p>
-            <a:pPr marL="457200" indent="-457200">
-              <a:buFont typeface="+mj-lt"/>
-              <a:buAutoNum type="arabicPeriod"/>
-            </a:pPr>
-            <a:endParaRPr lang="en-US" dirty="0"/>
-          </a:p>
-          <a:p>
-            <a:pPr marL="0" indent="0">
-              <a:buNone/>
-            </a:pPr>
-            <a:r>
-              <a:rPr lang="en-US" dirty="0"/>
-              <a:t>Mass ratio </a:t>
-            </a:r>
-            <a:r>
-              <a:rPr lang="en-US" sz="2000" dirty="0"/>
-              <a:t>= </a:t>
-            </a:r>
-            <a:r>
-              <a:rPr lang="en-US" sz="1800" dirty="0"/>
-              <a:t>c</a:t>
-            </a:r>
-            <a:r>
-              <a:rPr lang="en-US" sz="2000" dirty="0"/>
-              <a:t>opper/sulfur reacted =</a:t>
-            </a:r>
-            <a:r>
-              <a:rPr lang="en-US" dirty="0"/>
-              <a:t> 10.5948 g/2.4309 g</a:t>
-            </a:r>
-            <a:br>
-              <a:rPr lang="en-US" dirty="0"/>
-            </a:br>
-            <a:r>
-              <a:rPr lang="en-US" dirty="0"/>
-              <a:t>= 4.3583</a:t>
-            </a:r>
-          </a:p>
-        </p:txBody>
-      </p:sp>
+      </p:pic>
+      <p:pic>
+        <p:nvPicPr>
+          <p:cNvPr id="8" name="Picture 7">
+            <a:extLst>
+              <a:ext uri="{FF2B5EF4-FFF2-40B4-BE49-F238E27FC236}">
+                <a16:creationId xmlns:a16="http://schemas.microsoft.com/office/drawing/2014/main" id="{3858FFE2-53AB-EDB3-F97F-54F3151AAB7C}"/>
+              </a:ext>
+            </a:extLst>
+          </p:cNvPr>
+          <p:cNvPicPr>
+            <a:picLocks noChangeAspect="1"/>
+          </p:cNvPicPr>
+          <p:nvPr/>
+        </p:nvPicPr>
+        <p:blipFill>
+          <a:blip r:embed="rId4"/>
+          <a:stretch>
+            <a:fillRect/>
+          </a:stretch>
+        </p:blipFill>
+        <p:spPr>
+          <a:xfrm>
+            <a:off x="3391754" y="953981"/>
+            <a:ext cx="1083539" cy="3086100"/>
+          </a:xfrm>
+          <a:prstGeom prst="rect">
+            <a:avLst/>
+          </a:prstGeom>
+        </p:spPr>
+      </p:pic>
+      <p:pic>
+        <p:nvPicPr>
+          <p:cNvPr id="10" name="Picture 9">
+            <a:extLst>
+              <a:ext uri="{FF2B5EF4-FFF2-40B4-BE49-F238E27FC236}">
+                <a16:creationId xmlns:a16="http://schemas.microsoft.com/office/drawing/2014/main" id="{73DD306F-2093-525B-8FFF-F08184F3049E}"/>
+              </a:ext>
+            </a:extLst>
+          </p:cNvPr>
+          <p:cNvPicPr>
+            <a:picLocks noChangeAspect="1"/>
+          </p:cNvPicPr>
+          <p:nvPr/>
+        </p:nvPicPr>
+        <p:blipFill>
+          <a:blip r:embed="rId5"/>
+          <a:stretch>
+            <a:fillRect/>
+          </a:stretch>
+        </p:blipFill>
+        <p:spPr>
+          <a:xfrm>
+            <a:off x="338666" y="4044042"/>
+            <a:ext cx="1051469" cy="2716953"/>
+          </a:xfrm>
+          <a:prstGeom prst="rect">
+            <a:avLst/>
+          </a:prstGeom>
+        </p:spPr>
+      </p:pic>
+      <p:pic>
+        <p:nvPicPr>
+          <p:cNvPr id="12" name="Picture 11">
+            <a:extLst>
+              <a:ext uri="{FF2B5EF4-FFF2-40B4-BE49-F238E27FC236}">
+                <a16:creationId xmlns:a16="http://schemas.microsoft.com/office/drawing/2014/main" id="{B983D58F-C5ED-6819-42B0-7C6596950AEF}"/>
+              </a:ext>
+            </a:extLst>
+          </p:cNvPr>
+          <p:cNvPicPr>
+            <a:picLocks noChangeAspect="1"/>
+          </p:cNvPicPr>
+          <p:nvPr/>
+        </p:nvPicPr>
+        <p:blipFill>
+          <a:blip r:embed="rId6"/>
+          <a:stretch>
+            <a:fillRect/>
+          </a:stretch>
+        </p:blipFill>
+        <p:spPr>
+          <a:xfrm>
+            <a:off x="4475293" y="953981"/>
+            <a:ext cx="1086772" cy="3086100"/>
+          </a:xfrm>
+          <a:prstGeom prst="rect">
+            <a:avLst/>
+          </a:prstGeom>
+        </p:spPr>
+      </p:pic>
+      <p:pic>
+        <p:nvPicPr>
+          <p:cNvPr id="14" name="Picture 13">
+            <a:extLst>
+              <a:ext uri="{FF2B5EF4-FFF2-40B4-BE49-F238E27FC236}">
+                <a16:creationId xmlns:a16="http://schemas.microsoft.com/office/drawing/2014/main" id="{70EC6A6A-1B12-705B-9A88-33B5F10C4243}"/>
+              </a:ext>
+            </a:extLst>
+          </p:cNvPr>
+          <p:cNvPicPr>
+            <a:picLocks noChangeAspect="1"/>
+          </p:cNvPicPr>
+          <p:nvPr/>
+        </p:nvPicPr>
+        <p:blipFill>
+          <a:blip r:embed="rId7"/>
+          <a:stretch>
+            <a:fillRect/>
+          </a:stretch>
+        </p:blipFill>
+        <p:spPr>
+          <a:xfrm>
+            <a:off x="5548264" y="937724"/>
+            <a:ext cx="1097340" cy="3102357"/>
+          </a:xfrm>
+          <a:prstGeom prst="rect">
+            <a:avLst/>
+          </a:prstGeom>
+        </p:spPr>
+      </p:pic>
+      <p:pic>
+        <p:nvPicPr>
+          <p:cNvPr id="16" name="Picture 15">
+            <a:extLst>
+              <a:ext uri="{FF2B5EF4-FFF2-40B4-BE49-F238E27FC236}">
+                <a16:creationId xmlns:a16="http://schemas.microsoft.com/office/drawing/2014/main" id="{2F9C0E3B-E71C-84C0-1ECA-47609DBFC1F1}"/>
+              </a:ext>
+            </a:extLst>
+          </p:cNvPr>
+          <p:cNvPicPr>
+            <a:picLocks noChangeAspect="1"/>
+          </p:cNvPicPr>
+          <p:nvPr/>
+        </p:nvPicPr>
+        <p:blipFill>
+          <a:blip r:embed="rId8"/>
+          <a:stretch>
+            <a:fillRect/>
+          </a:stretch>
+        </p:blipFill>
+        <p:spPr>
+          <a:xfrm>
+            <a:off x="6645604" y="937724"/>
+            <a:ext cx="2406584" cy="2169457"/>
+          </a:xfrm>
+          <a:prstGeom prst="rect">
+            <a:avLst/>
+          </a:prstGeom>
+        </p:spPr>
+      </p:pic>
+      <p:pic>
+        <p:nvPicPr>
+          <p:cNvPr id="18" name="Picture 17">
+            <a:extLst>
+              <a:ext uri="{FF2B5EF4-FFF2-40B4-BE49-F238E27FC236}">
+                <a16:creationId xmlns:a16="http://schemas.microsoft.com/office/drawing/2014/main" id="{AC4FB351-6B0D-227A-9E5E-23D63C036DA4}"/>
+              </a:ext>
+            </a:extLst>
+          </p:cNvPr>
+          <p:cNvPicPr>
+            <a:picLocks noChangeAspect="1"/>
+          </p:cNvPicPr>
+          <p:nvPr/>
+        </p:nvPicPr>
+        <p:blipFill>
+          <a:blip r:embed="rId9"/>
+          <a:stretch>
+            <a:fillRect/>
+          </a:stretch>
+        </p:blipFill>
+        <p:spPr>
+          <a:xfrm>
+            <a:off x="7742945" y="3107181"/>
+            <a:ext cx="1309244" cy="3580838"/>
+          </a:xfrm>
+          <a:prstGeom prst="rect">
+            <a:avLst/>
+          </a:prstGeom>
+        </p:spPr>
+      </p:pic>
+      <p:pic>
+        <p:nvPicPr>
+          <p:cNvPr id="20" name="Picture 19">
+            <a:extLst>
+              <a:ext uri="{FF2B5EF4-FFF2-40B4-BE49-F238E27FC236}">
+                <a16:creationId xmlns:a16="http://schemas.microsoft.com/office/drawing/2014/main" id="{54EF7203-814B-FFF3-4D7D-88AE499C1F82}"/>
+              </a:ext>
+            </a:extLst>
+          </p:cNvPr>
+          <p:cNvPicPr>
+            <a:picLocks noChangeAspect="1"/>
+          </p:cNvPicPr>
+          <p:nvPr/>
+        </p:nvPicPr>
+        <p:blipFill>
+          <a:blip r:embed="rId10"/>
+          <a:stretch>
+            <a:fillRect/>
+          </a:stretch>
+        </p:blipFill>
+        <p:spPr>
+          <a:xfrm>
+            <a:off x="1498303" y="4040081"/>
+            <a:ext cx="1309244" cy="2700636"/>
+          </a:xfrm>
+          <a:prstGeom prst="rect">
+            <a:avLst/>
+          </a:prstGeom>
+        </p:spPr>
+      </p:pic>
+      <p:pic>
+        <p:nvPicPr>
+          <p:cNvPr id="26" name="Picture 25">
+            <a:extLst>
+              <a:ext uri="{FF2B5EF4-FFF2-40B4-BE49-F238E27FC236}">
+                <a16:creationId xmlns:a16="http://schemas.microsoft.com/office/drawing/2014/main" id="{715B8EE7-C1BB-DBCB-4342-D38085B7FC3C}"/>
+              </a:ext>
+            </a:extLst>
+          </p:cNvPr>
+          <p:cNvPicPr>
+            <a:picLocks noChangeAspect="1"/>
+          </p:cNvPicPr>
+          <p:nvPr/>
+        </p:nvPicPr>
+        <p:blipFill>
+          <a:blip r:embed="rId11"/>
+          <a:stretch>
+            <a:fillRect/>
+          </a:stretch>
+        </p:blipFill>
+        <p:spPr>
+          <a:xfrm>
+            <a:off x="3311413" y="4272799"/>
+            <a:ext cx="3979294" cy="2415220"/>
+          </a:xfrm>
+          <a:prstGeom prst="rect">
+            <a:avLst/>
+          </a:prstGeom>
+        </p:spPr>
+      </p:pic>
     </p:spTree>
     <p:extLst>
       <p:ext uri="{BB962C8B-B14F-4D97-AF65-F5344CB8AC3E}">
-        <p14:creationId xmlns:p14="http://schemas.microsoft.com/office/powerpoint/2010/main" val="2049909912"/>
+        <p14:creationId xmlns:p14="http://schemas.microsoft.com/office/powerpoint/2010/main" val="2033619329"/>
       </p:ext>
     </p:extLst>
   </p:cSld>
